--- a/docs/images/packageDiagram.pptx
+++ b/docs/images/packageDiagram.pptx
@@ -212,7 +212,7 @@
             <a:fld id="{5D8FA8FF-20DC-44E5-8C35-13EAF0A5698C}" type="datetimeFigureOut">
               <a:rPr lang="en-SG" smtClean="0"/>
               <a:pPr/>
-              <a:t>19/3/2016</a:t>
+              <a:t>30/1/2017</a:t>
             </a:fld>
             <a:endParaRPr lang="en-SG"/>
           </a:p>
@@ -753,7 +753,7 @@
             <a:fld id="{1D8BD707-D9CF-40AE-B4C6-C98DA3205C09}" type="datetimeFigureOut">
               <a:rPr lang="en-US" smtClean="0"/>
               <a:pPr/>
-              <a:t>3/19/2016</a:t>
+              <a:t>1/30/2017</a:t>
             </a:fld>
             <a:endParaRPr lang="en-US"/>
           </a:p>
@@ -920,7 +920,7 @@
             <a:fld id="{1D8BD707-D9CF-40AE-B4C6-C98DA3205C09}" type="datetimeFigureOut">
               <a:rPr lang="en-US" smtClean="0"/>
               <a:pPr/>
-              <a:t>3/19/2016</a:t>
+              <a:t>1/30/2017</a:t>
             </a:fld>
             <a:endParaRPr lang="en-US"/>
           </a:p>
@@ -1097,7 +1097,7 @@
             <a:fld id="{1D8BD707-D9CF-40AE-B4C6-C98DA3205C09}" type="datetimeFigureOut">
               <a:rPr lang="en-US" smtClean="0"/>
               <a:pPr/>
-              <a:t>3/19/2016</a:t>
+              <a:t>1/30/2017</a:t>
             </a:fld>
             <a:endParaRPr lang="en-US"/>
           </a:p>
@@ -1264,7 +1264,7 @@
             <a:fld id="{1D8BD707-D9CF-40AE-B4C6-C98DA3205C09}" type="datetimeFigureOut">
               <a:rPr lang="en-US" smtClean="0"/>
               <a:pPr/>
-              <a:t>3/19/2016</a:t>
+              <a:t>1/30/2017</a:t>
             </a:fld>
             <a:endParaRPr lang="en-US"/>
           </a:p>
@@ -1507,7 +1507,7 @@
             <a:fld id="{1D8BD707-D9CF-40AE-B4C6-C98DA3205C09}" type="datetimeFigureOut">
               <a:rPr lang="en-US" smtClean="0"/>
               <a:pPr/>
-              <a:t>3/19/2016</a:t>
+              <a:t>1/30/2017</a:t>
             </a:fld>
             <a:endParaRPr lang="en-US"/>
           </a:p>
@@ -1792,7 +1792,7 @@
             <a:fld id="{1D8BD707-D9CF-40AE-B4C6-C98DA3205C09}" type="datetimeFigureOut">
               <a:rPr lang="en-US" smtClean="0"/>
               <a:pPr/>
-              <a:t>3/19/2016</a:t>
+              <a:t>1/30/2017</a:t>
             </a:fld>
             <a:endParaRPr lang="en-US"/>
           </a:p>
@@ -2211,7 +2211,7 @@
             <a:fld id="{1D8BD707-D9CF-40AE-B4C6-C98DA3205C09}" type="datetimeFigureOut">
               <a:rPr lang="en-US" smtClean="0"/>
               <a:pPr/>
-              <a:t>3/19/2016</a:t>
+              <a:t>1/30/2017</a:t>
             </a:fld>
             <a:endParaRPr lang="en-US"/>
           </a:p>
@@ -2326,7 +2326,7 @@
             <a:fld id="{1D8BD707-D9CF-40AE-B4C6-C98DA3205C09}" type="datetimeFigureOut">
               <a:rPr lang="en-US" smtClean="0"/>
               <a:pPr/>
-              <a:t>3/19/2016</a:t>
+              <a:t>1/30/2017</a:t>
             </a:fld>
             <a:endParaRPr lang="en-US"/>
           </a:p>
@@ -2418,7 +2418,7 @@
             <a:fld id="{1D8BD707-D9CF-40AE-B4C6-C98DA3205C09}" type="datetimeFigureOut">
               <a:rPr lang="en-US" smtClean="0"/>
               <a:pPr/>
-              <a:t>3/19/2016</a:t>
+              <a:t>1/30/2017</a:t>
             </a:fld>
             <a:endParaRPr lang="en-US"/>
           </a:p>
@@ -2692,7 +2692,7 @@
             <a:fld id="{1D8BD707-D9CF-40AE-B4C6-C98DA3205C09}" type="datetimeFigureOut">
               <a:rPr lang="en-US" smtClean="0"/>
               <a:pPr/>
-              <a:t>3/19/2016</a:t>
+              <a:t>1/30/2017</a:t>
             </a:fld>
             <a:endParaRPr lang="en-US"/>
           </a:p>
@@ -2942,7 +2942,7 @@
             <a:fld id="{1D8BD707-D9CF-40AE-B4C6-C98DA3205C09}" type="datetimeFigureOut">
               <a:rPr lang="en-US" smtClean="0"/>
               <a:pPr/>
-              <a:t>3/19/2016</a:t>
+              <a:t>1/30/2017</a:t>
             </a:fld>
             <a:endParaRPr lang="en-US"/>
           </a:p>
@@ -3152,7 +3152,7 @@
             <a:fld id="{1D8BD707-D9CF-40AE-B4C6-C98DA3205C09}" type="datetimeFigureOut">
               <a:rPr lang="en-US" smtClean="0"/>
               <a:pPr/>
-              <a:t>3/19/2016</a:t>
+              <a:t>1/30/2017</a:t>
             </a:fld>
             <a:endParaRPr lang="en-US"/>
           </a:p>
@@ -3531,8 +3531,8 @@
         </p:nvSpPr>
         <p:spPr>
           <a:xfrm>
-            <a:off x="434181" y="1416128"/>
-            <a:ext cx="1828800" cy="3206635"/>
+            <a:off x="205582" y="4395788"/>
+            <a:ext cx="3942156" cy="1692000"/>
           </a:xfrm>
           <a:prstGeom prst="roundRect">
             <a:avLst>
@@ -3541,15 +3541,14 @@
           </a:prstGeom>
           <a:solidFill>
             <a:schemeClr val="accent2">
-              <a:lumMod val="40000"/>
-              <a:lumOff val="60000"/>
+              <a:lumMod val="60000"/>
+              <a:lumOff val="40000"/>
             </a:schemeClr>
           </a:solidFill>
           <a:ln>
             <a:solidFill>
               <a:schemeClr val="accent2">
-                <a:lumMod val="60000"/>
-                <a:lumOff val="40000"/>
+                <a:lumMod val="75000"/>
               </a:schemeClr>
             </a:solidFill>
           </a:ln>
@@ -3574,6 +3573,7 @@
           <a:bodyPr rtlCol="0" anchor="t" anchorCtr="0"/>
           <a:lstStyle/>
           <a:p>
+            <a:pPr algn="ctr"/>
             <a:r>
               <a:rPr lang="en-US" sz="1600" b="1" dirty="0" smtClean="0"/>
               <a:t>Test Driver</a:t>
@@ -3590,8 +3590,8 @@
         </p:nvSpPr>
         <p:spPr>
           <a:xfrm>
-            <a:off x="4320381" y="1372313"/>
-            <a:ext cx="1981200" cy="4445081"/>
+            <a:off x="2905581" y="1390988"/>
+            <a:ext cx="1872000" cy="2700000"/>
           </a:xfrm>
           <a:prstGeom prst="roundRect">
             <a:avLst>
@@ -3600,15 +3600,14 @@
           </a:prstGeom>
           <a:solidFill>
             <a:schemeClr val="accent4">
-              <a:lumMod val="40000"/>
-              <a:lumOff val="60000"/>
+              <a:lumMod val="60000"/>
+              <a:lumOff val="40000"/>
             </a:schemeClr>
           </a:solidFill>
           <a:ln>
             <a:solidFill>
               <a:schemeClr val="accent4">
-                <a:lumMod val="60000"/>
-                <a:lumOff val="40000"/>
+                <a:lumMod val="75000"/>
               </a:schemeClr>
             </a:solidFill>
           </a:ln>
@@ -3650,8 +3649,8 @@
         </p:nvSpPr>
         <p:spPr>
           <a:xfrm>
-            <a:off x="6682581" y="1372312"/>
-            <a:ext cx="1828800" cy="4799889"/>
+            <a:off x="5162040" y="1390988"/>
+            <a:ext cx="1872000" cy="2700000"/>
           </a:xfrm>
           <a:prstGeom prst="roundRect">
             <a:avLst>
@@ -3660,15 +3659,14 @@
           </a:prstGeom>
           <a:solidFill>
             <a:schemeClr val="accent3">
-              <a:lumMod val="40000"/>
-              <a:lumOff val="60000"/>
+              <a:lumMod val="60000"/>
+              <a:lumOff val="40000"/>
             </a:schemeClr>
           </a:solidFill>
           <a:ln>
             <a:solidFill>
               <a:schemeClr val="accent3">
-                <a:lumMod val="60000"/>
-                <a:lumOff val="40000"/>
+                <a:lumMod val="75000"/>
               </a:schemeClr>
             </a:solidFill>
           </a:ln>
@@ -3693,7 +3691,7 @@
           <a:bodyPr rtlCol="0" anchor="t" anchorCtr="0"/>
           <a:lstStyle/>
           <a:p>
-            <a:pPr algn="r"/>
+            <a:pPr algn="ctr"/>
             <a:r>
               <a:rPr lang="en-US" sz="1600" b="1" dirty="0" smtClean="0"/>
               <a:t>Storage</a:t>
@@ -3710,8 +3708,8 @@
         </p:nvSpPr>
         <p:spPr>
           <a:xfrm>
-            <a:off x="2491581" y="1397792"/>
-            <a:ext cx="1524000" cy="2082008"/>
+            <a:off x="662781" y="1390988"/>
+            <a:ext cx="1872000" cy="2700000"/>
           </a:xfrm>
           <a:prstGeom prst="roundRect">
             <a:avLst>
@@ -3720,15 +3718,14 @@
           </a:prstGeom>
           <a:solidFill>
             <a:schemeClr val="accent1">
-              <a:lumMod val="40000"/>
-              <a:lumOff val="60000"/>
+              <a:lumMod val="60000"/>
+              <a:lumOff val="40000"/>
             </a:schemeClr>
           </a:solidFill>
           <a:ln>
             <a:solidFill>
               <a:schemeClr val="accent1">
-                <a:lumMod val="60000"/>
-                <a:lumOff val="40000"/>
+                <a:lumMod val="75000"/>
               </a:schemeClr>
             </a:solidFill>
           </a:ln>
@@ -3770,7 +3767,7 @@
         </p:nvSpPr>
         <p:spPr>
           <a:xfrm>
-            <a:off x="129381" y="76200"/>
+            <a:off x="129381" y="178594"/>
             <a:ext cx="8382000" cy="838200"/>
           </a:xfrm>
           <a:prstGeom prst="roundRect">
@@ -3780,15 +3777,14 @@
           </a:prstGeom>
           <a:solidFill>
             <a:schemeClr val="accent5">
-              <a:lumMod val="40000"/>
-              <a:lumOff val="60000"/>
+              <a:lumMod val="60000"/>
+              <a:lumOff val="40000"/>
             </a:schemeClr>
           </a:solidFill>
           <a:ln>
             <a:solidFill>
               <a:schemeClr val="accent5">
-                <a:lumMod val="60000"/>
-                <a:lumOff val="40000"/>
+                <a:lumMod val="75000"/>
               </a:schemeClr>
             </a:solidFill>
           </a:ln>
@@ -3829,10 +3825,10 @@
         </p:nvGrpSpPr>
         <p:grpSpPr>
           <a:xfrm>
-            <a:off x="2567781" y="2795586"/>
-            <a:ext cx="1361661" cy="503583"/>
-            <a:chOff x="-228600" y="1371600"/>
-            <a:chExt cx="1371600" cy="609600"/>
+            <a:off x="788780" y="2538439"/>
+            <a:ext cx="1620000" cy="540002"/>
+            <a:chOff x="-228600" y="1364151"/>
+            <a:chExt cx="1371600" cy="609602"/>
           </a:xfrm>
           <a:solidFill>
             <a:schemeClr val="bg1"/>
@@ -3846,8 +3842,8 @@
           </p:nvSpPr>
           <p:spPr>
             <a:xfrm>
-              <a:off x="-228600" y="1524000"/>
-              <a:ext cx="1371600" cy="457200"/>
+              <a:off x="-228600" y="1486072"/>
+              <a:ext cx="1371600" cy="487681"/>
             </a:xfrm>
             <a:prstGeom prst="rect">
               <a:avLst/>
@@ -3878,7 +3874,9 @@
               <a:r>
                 <a:rPr lang="en-US" sz="1400" b="1" dirty="0" err="1" smtClean="0">
                   <a:solidFill>
-                    <a:schemeClr val="tx2"/>
+                    <a:schemeClr val="accent1">
+                      <a:lumMod val="75000"/>
+                    </a:schemeClr>
                   </a:solidFill>
                 </a:rPr>
                 <a:t>ui</a:t>
@@ -3886,14 +3884,18 @@
               <a:r>
                 <a:rPr lang="en-US" sz="1400" b="1" dirty="0" smtClean="0">
                   <a:solidFill>
-                    <a:schemeClr val="tx2"/>
+                    <a:schemeClr val="accent1">
+                      <a:lumMod val="75000"/>
+                    </a:schemeClr>
                   </a:solidFill>
                 </a:rPr>
                 <a:t>::controller</a:t>
               </a:r>
               <a:endParaRPr lang="en-SG" sz="1400" b="1" dirty="0">
                 <a:solidFill>
-                  <a:schemeClr val="tx2"/>
+                  <a:schemeClr val="accent1">
+                    <a:lumMod val="75000"/>
+                  </a:schemeClr>
                 </a:solidFill>
               </a:endParaRPr>
             </a:p>
@@ -3907,8 +3909,8 @@
           </p:nvSpPr>
           <p:spPr>
             <a:xfrm>
-              <a:off x="647700" y="1371600"/>
-              <a:ext cx="495300" cy="152400"/>
+              <a:off x="685800" y="1364151"/>
+              <a:ext cx="457200" cy="121920"/>
             </a:xfrm>
             <a:prstGeom prst="rect">
               <a:avLst/>
@@ -3938,7 +3940,9 @@
               <a:pPr algn="ctr"/>
               <a:endParaRPr lang="en-SG" sz="1400" b="1">
                 <a:solidFill>
-                  <a:schemeClr val="tx2"/>
+                  <a:schemeClr val="accent1">
+                    <a:lumMod val="75000"/>
+                  </a:schemeClr>
                 </a:solidFill>
               </a:endParaRPr>
             </a:p>
@@ -3953,9 +3957,9 @@
         </p:nvGrpSpPr>
         <p:grpSpPr>
           <a:xfrm>
-            <a:off x="4548981" y="2467598"/>
-            <a:ext cx="1371600" cy="530396"/>
-            <a:chOff x="-228600" y="1371600"/>
+            <a:off x="3031581" y="1771988"/>
+            <a:ext cx="1620000" cy="540000"/>
+            <a:chOff x="-278892" y="1371600"/>
             <a:chExt cx="1371600" cy="762000"/>
           </a:xfrm>
           <a:solidFill>
@@ -3970,7 +3974,7 @@
           </p:nvSpPr>
           <p:spPr>
             <a:xfrm>
-              <a:off x="-228600" y="1524000"/>
+              <a:off x="-278892" y="1524000"/>
               <a:ext cx="1371600" cy="609600"/>
             </a:xfrm>
             <a:prstGeom prst="rect">
@@ -3979,7 +3983,9 @@
             <a:grpFill/>
             <a:ln>
               <a:solidFill>
-                <a:srgbClr val="7030A0"/>
+                <a:schemeClr val="accent4">
+                  <a:lumMod val="75000"/>
+                </a:schemeClr>
               </a:solidFill>
             </a:ln>
           </p:spPr>
@@ -4028,8 +4034,8 @@
           </p:nvSpPr>
           <p:spPr>
             <a:xfrm>
-              <a:off x="647700" y="1371600"/>
-              <a:ext cx="495300" cy="152400"/>
+              <a:off x="635508" y="1371600"/>
+              <a:ext cx="457200" cy="152400"/>
             </a:xfrm>
             <a:prstGeom prst="rect">
               <a:avLst/>
@@ -4037,7 +4043,9 @@
             <a:grpFill/>
             <a:ln>
               <a:solidFill>
-                <a:srgbClr val="7030A0"/>
+                <a:schemeClr val="accent4">
+                  <a:lumMod val="75000"/>
+                </a:schemeClr>
               </a:solidFill>
             </a:ln>
           </p:spPr>
@@ -4079,10 +4087,10 @@
         </p:nvGrpSpPr>
         <p:grpSpPr>
           <a:xfrm>
-            <a:off x="6834981" y="1778794"/>
-            <a:ext cx="1600200" cy="762000"/>
+            <a:off x="5291181" y="1771714"/>
+            <a:ext cx="1620000" cy="540000"/>
             <a:chOff x="-457200" y="1371600"/>
-            <a:chExt cx="1600200" cy="762000"/>
+            <a:chExt cx="1600201" cy="762000"/>
           </a:xfrm>
           <a:solidFill>
             <a:schemeClr val="bg1"/>
@@ -4105,7 +4113,9 @@
             <a:grpFill/>
             <a:ln>
               <a:solidFill>
-                <a:srgbClr val="00B050"/>
+                <a:schemeClr val="accent3">
+                  <a:lumMod val="75000"/>
+                </a:schemeClr>
               </a:solidFill>
             </a:ln>
           </p:spPr>
@@ -4133,14 +4143,18 @@
               <a:r>
                 <a:rPr lang="en-US" sz="1400" b="1" dirty="0" smtClean="0">
                   <a:solidFill>
-                    <a:srgbClr val="00B050"/>
+                    <a:schemeClr val="accent3">
+                      <a:lumMod val="75000"/>
+                    </a:schemeClr>
                   </a:solidFill>
                 </a:rPr>
                 <a:t>storage::entity</a:t>
               </a:r>
               <a:endParaRPr lang="en-SG" sz="1400" b="1" dirty="0">
                 <a:solidFill>
-                  <a:srgbClr val="00B050"/>
+                  <a:schemeClr val="accent3">
+                    <a:lumMod val="75000"/>
+                  </a:schemeClr>
                 </a:solidFill>
               </a:endParaRPr>
             </a:p>
@@ -4154,8 +4168,8 @@
           </p:nvSpPr>
           <p:spPr>
             <a:xfrm>
-              <a:off x="647700" y="1371600"/>
-              <a:ext cx="495300" cy="152400"/>
+              <a:off x="609601" y="1371600"/>
+              <a:ext cx="533400" cy="152400"/>
             </a:xfrm>
             <a:prstGeom prst="rect">
               <a:avLst/>
@@ -4163,7 +4177,9 @@
             <a:grpFill/>
             <a:ln>
               <a:solidFill>
-                <a:srgbClr val="00B050"/>
+                <a:schemeClr val="accent3">
+                  <a:lumMod val="75000"/>
+                </a:schemeClr>
               </a:solidFill>
             </a:ln>
           </p:spPr>
@@ -4190,7 +4206,9 @@
               <a:pPr algn="ctr"/>
               <a:endParaRPr lang="en-SG" sz="1400" b="1">
                 <a:solidFill>
-                  <a:srgbClr val="00B050"/>
+                  <a:schemeClr val="accent3">
+                    <a:lumMod val="75000"/>
+                  </a:schemeClr>
                 </a:solidFill>
               </a:endParaRPr>
             </a:p>
@@ -4205,9 +4223,9 @@
         </p:nvGrpSpPr>
         <p:grpSpPr>
           <a:xfrm>
-            <a:off x="6834981" y="3836194"/>
-            <a:ext cx="1600200" cy="762000"/>
-            <a:chOff x="-457200" y="1782355"/>
+            <a:off x="5297755" y="2533988"/>
+            <a:ext cx="1613426" cy="540000"/>
+            <a:chOff x="-447564" y="1782355"/>
             <a:chExt cx="1600200" cy="762000"/>
           </a:xfrm>
           <a:solidFill>
@@ -4222,7 +4240,7 @@
           </p:nvSpPr>
           <p:spPr>
             <a:xfrm>
-              <a:off x="-457200" y="1934755"/>
+              <a:off x="-447564" y="1934755"/>
               <a:ext cx="1600200" cy="609600"/>
             </a:xfrm>
             <a:prstGeom prst="rect">
@@ -4231,7 +4249,9 @@
             <a:grpFill/>
             <a:ln>
               <a:solidFill>
-                <a:srgbClr val="00B050"/>
+                <a:schemeClr val="accent3">
+                  <a:lumMod val="75000"/>
+                </a:schemeClr>
               </a:solidFill>
             </a:ln>
           </p:spPr>
@@ -4259,7 +4279,9 @@
               <a:r>
                 <a:rPr lang="en-US" sz="1400" b="1" dirty="0" smtClean="0">
                   <a:solidFill>
-                    <a:srgbClr val="00B050"/>
+                    <a:schemeClr val="accent3">
+                      <a:lumMod val="75000"/>
+                    </a:schemeClr>
                   </a:solidFill>
                 </a:rPr>
                 <a:t>storage::</a:t>
@@ -4267,7 +4289,9 @@
               <a:r>
                 <a:rPr lang="en-US" sz="1400" b="1" dirty="0" err="1" smtClean="0">
                   <a:solidFill>
-                    <a:srgbClr val="00B050"/>
+                    <a:schemeClr val="accent3">
+                      <a:lumMod val="75000"/>
+                    </a:schemeClr>
                   </a:solidFill>
                 </a:rPr>
                 <a:t>api</a:t>
@@ -4275,14 +4299,18 @@
               <a:r>
                 <a:rPr lang="en-SG" sz="1400" b="1" dirty="0" smtClean="0">
                   <a:solidFill>
-                    <a:srgbClr val="00B050"/>
+                    <a:schemeClr val="accent3">
+                      <a:lumMod val="75000"/>
+                    </a:schemeClr>
                   </a:solidFill>
                 </a:rPr>
                 <a:t> </a:t>
               </a:r>
               <a:endParaRPr lang="en-US" sz="1400" b="1" dirty="0" smtClean="0">
                 <a:solidFill>
-                  <a:srgbClr val="00B050"/>
+                  <a:schemeClr val="accent3">
+                    <a:lumMod val="75000"/>
+                  </a:schemeClr>
                 </a:solidFill>
               </a:endParaRPr>
             </a:p>
@@ -4296,8 +4324,8 @@
           </p:nvSpPr>
           <p:spPr>
             <a:xfrm>
-              <a:off x="647700" y="1782355"/>
-              <a:ext cx="495300" cy="152400"/>
+              <a:off x="617063" y="1782355"/>
+              <a:ext cx="535573" cy="152400"/>
             </a:xfrm>
             <a:prstGeom prst="rect">
               <a:avLst/>
@@ -4305,7 +4333,9 @@
             <a:grpFill/>
             <a:ln>
               <a:solidFill>
-                <a:srgbClr val="00B050"/>
+                <a:schemeClr val="accent3">
+                  <a:lumMod val="75000"/>
+                </a:schemeClr>
               </a:solidFill>
             </a:ln>
           </p:spPr>
@@ -4332,7 +4362,9 @@
               <a:pPr algn="ctr"/>
               <a:endParaRPr lang="en-SG" sz="1400" b="1">
                 <a:solidFill>
-                  <a:srgbClr val="00B050"/>
+                  <a:schemeClr val="accent3">
+                    <a:lumMod val="75000"/>
+                  </a:schemeClr>
                 </a:solidFill>
               </a:endParaRPr>
             </a:p>
@@ -4347,10 +4379,10 @@
         </p:nvGrpSpPr>
         <p:grpSpPr>
           <a:xfrm>
-            <a:off x="662780" y="4064794"/>
-            <a:ext cx="1523999" cy="430139"/>
-            <a:chOff x="-228600" y="1447800"/>
-            <a:chExt cx="1371600" cy="430139"/>
+            <a:off x="2343700" y="4774586"/>
+            <a:ext cx="1620710" cy="540000"/>
+            <a:chOff x="-228600" y="1447249"/>
+            <a:chExt cx="1372200" cy="430139"/>
           </a:xfrm>
           <a:solidFill>
             <a:schemeClr val="bg1"/>
@@ -4364,8 +4396,8 @@
           </p:nvSpPr>
           <p:spPr>
             <a:xfrm>
-              <a:off x="-228600" y="1524000"/>
-              <a:ext cx="1371600" cy="353939"/>
+              <a:off x="-228600" y="1533277"/>
+              <a:ext cx="1371600" cy="344111"/>
             </a:xfrm>
             <a:prstGeom prst="rect">
               <a:avLst/>
@@ -4428,8 +4460,8 @@
           </p:nvSpPr>
           <p:spPr>
             <a:xfrm>
-              <a:off x="647700" y="1447800"/>
-              <a:ext cx="495300" cy="76200"/>
+              <a:off x="686400" y="1447249"/>
+              <a:ext cx="457200" cy="86028"/>
             </a:xfrm>
             <a:prstGeom prst="rect">
               <a:avLst/>
@@ -4483,10 +4515,10 @@
         </p:nvGrpSpPr>
         <p:grpSpPr>
           <a:xfrm>
-            <a:off x="1196181" y="254950"/>
-            <a:ext cx="1676400" cy="507050"/>
-            <a:chOff x="-533400" y="1371600"/>
-            <a:chExt cx="1676400" cy="507050"/>
+            <a:off x="1043781" y="374149"/>
+            <a:ext cx="1980000" cy="523193"/>
+            <a:chOff x="-533400" y="1387381"/>
+            <a:chExt cx="1676400" cy="491269"/>
           </a:xfrm>
           <a:solidFill>
             <a:schemeClr val="bg1"/>
@@ -4509,7 +4541,9 @@
             <a:grpFill/>
             <a:ln>
               <a:solidFill>
-                <a:schemeClr val="accent5"/>
+                <a:schemeClr val="accent5">
+                  <a:lumMod val="75000"/>
+                </a:schemeClr>
               </a:solidFill>
             </a:ln>
           </p:spPr>
@@ -4537,7 +4571,9 @@
               <a:r>
                 <a:rPr lang="en-US" sz="1400" b="1" dirty="0" smtClean="0">
                   <a:solidFill>
-                    <a:schemeClr val="accent5"/>
+                    <a:schemeClr val="accent5">
+                      <a:lumMod val="75000"/>
+                    </a:schemeClr>
                   </a:solidFill>
                 </a:rPr>
                 <a:t>common::</a:t>
@@ -4545,14 +4581,18 @@
               <a:r>
                 <a:rPr lang="en-US" sz="1400" b="1" dirty="0" err="1" smtClean="0">
                   <a:solidFill>
-                    <a:schemeClr val="accent5"/>
+                    <a:schemeClr val="accent5">
+                      <a:lumMod val="75000"/>
+                    </a:schemeClr>
                   </a:solidFill>
                 </a:rPr>
                 <a:t>util</a:t>
               </a:r>
               <a:endParaRPr lang="en-SG" sz="1400" b="1" dirty="0">
                 <a:solidFill>
-                  <a:schemeClr val="accent5"/>
+                  <a:schemeClr val="accent5">
+                    <a:lumMod val="75000"/>
+                  </a:schemeClr>
                 </a:solidFill>
               </a:endParaRPr>
             </a:p>
@@ -4566,8 +4606,8 @@
           </p:nvSpPr>
           <p:spPr>
             <a:xfrm>
-              <a:off x="647700" y="1371600"/>
-              <a:ext cx="495300" cy="152400"/>
+              <a:off x="594360" y="1387381"/>
+              <a:ext cx="548640" cy="135213"/>
             </a:xfrm>
             <a:prstGeom prst="rect">
               <a:avLst/>
@@ -4575,7 +4615,9 @@
             <a:grpFill/>
             <a:ln>
               <a:solidFill>
-                <a:schemeClr val="accent5"/>
+                <a:schemeClr val="accent5">
+                  <a:lumMod val="75000"/>
+                </a:schemeClr>
               </a:solidFill>
             </a:ln>
           </p:spPr>
@@ -4602,7 +4644,9 @@
               <a:pPr algn="ctr"/>
               <a:endParaRPr lang="en-SG" sz="1400" b="1">
                 <a:solidFill>
-                  <a:schemeClr val="accent5"/>
+                  <a:schemeClr val="accent5">
+                    <a:lumMod val="75000"/>
+                  </a:schemeClr>
                 </a:solidFill>
               </a:endParaRPr>
             </a:p>
@@ -4611,137 +4655,25 @@
       </p:grpSp>
       <p:cxnSp>
         <p:nvCxnSpPr>
-          <p:cNvPr id="112" name="Straight Arrow Connector 111"/>
-          <p:cNvCxnSpPr/>
+          <p:cNvPr id="115" name="Straight Arrow Connector 114"/>
+          <p:cNvCxnSpPr>
+            <a:endCxn id="92" idx="0"/>
+          </p:cNvCxnSpPr>
           <p:nvPr/>
         </p:nvCxnSpPr>
         <p:spPr>
           <a:xfrm>
-            <a:off x="6301581" y="4293394"/>
-            <a:ext cx="533400" cy="0"/>
+            <a:off x="1598780" y="1012522"/>
+            <a:ext cx="1" cy="378466"/>
           </a:xfrm>
           <a:prstGeom prst="straightConnector1">
             <a:avLst/>
           </a:prstGeom>
           <a:ln w="38100">
             <a:solidFill>
-              <a:srgbClr val="7030A0"/>
-            </a:solidFill>
-            <a:prstDash val="sysDot"/>
-            <a:headEnd type="none" w="med" len="med"/>
-            <a:tailEnd type="triangle" w="med" len="med"/>
-          </a:ln>
-        </p:spPr>
-        <p:style>
-          <a:lnRef idx="1">
-            <a:schemeClr val="accent1"/>
-          </a:lnRef>
-          <a:fillRef idx="0">
-            <a:schemeClr val="accent1"/>
-          </a:fillRef>
-          <a:effectRef idx="0">
-            <a:schemeClr val="accent1"/>
-          </a:effectRef>
-          <a:fontRef idx="minor">
-            <a:schemeClr val="tx1"/>
-          </a:fontRef>
-        </p:style>
-      </p:cxnSp>
-      <p:cxnSp>
-        <p:nvCxnSpPr>
-          <p:cNvPr id="113" name="Straight Arrow Connector 112"/>
-          <p:cNvCxnSpPr/>
-          <p:nvPr/>
-        </p:nvCxnSpPr>
-        <p:spPr>
-          <a:xfrm>
-            <a:off x="2262981" y="4369594"/>
-            <a:ext cx="2286000" cy="0"/>
-          </a:xfrm>
-          <a:prstGeom prst="straightConnector1">
-            <a:avLst/>
-          </a:prstGeom>
-          <a:ln w="38100">
-            <a:solidFill>
-              <a:schemeClr val="accent2">
+              <a:schemeClr val="accent1">
                 <a:lumMod val="75000"/>
               </a:schemeClr>
-            </a:solidFill>
-            <a:prstDash val="sysDot"/>
-            <a:headEnd type="none" w="med" len="med"/>
-            <a:tailEnd type="triangle" w="med" len="med"/>
-          </a:ln>
-        </p:spPr>
-        <p:style>
-          <a:lnRef idx="1">
-            <a:schemeClr val="accent1"/>
-          </a:lnRef>
-          <a:fillRef idx="0">
-            <a:schemeClr val="accent1"/>
-          </a:fillRef>
-          <a:effectRef idx="0">
-            <a:schemeClr val="accent1"/>
-          </a:effectRef>
-          <a:fontRef idx="minor">
-            <a:schemeClr val="tx1"/>
-          </a:fontRef>
-        </p:style>
-      </p:cxnSp>
-      <p:cxnSp>
-        <p:nvCxnSpPr>
-          <p:cNvPr id="114" name="Straight Arrow Connector 113"/>
-          <p:cNvCxnSpPr/>
-          <p:nvPr/>
-        </p:nvCxnSpPr>
-        <p:spPr>
-          <a:xfrm flipV="1">
-            <a:off x="6911181" y="2540794"/>
-            <a:ext cx="0" cy="1440000"/>
-          </a:xfrm>
-          <a:prstGeom prst="straightConnector1">
-            <a:avLst/>
-          </a:prstGeom>
-          <a:ln w="38100">
-            <a:solidFill>
-              <a:srgbClr val="00B050"/>
-            </a:solidFill>
-            <a:prstDash val="sysDot"/>
-            <a:headEnd type="none" w="med" len="med"/>
-            <a:tailEnd type="triangle" w="med" len="med"/>
-          </a:ln>
-        </p:spPr>
-        <p:style>
-          <a:lnRef idx="1">
-            <a:schemeClr val="accent1"/>
-          </a:lnRef>
-          <a:fillRef idx="0">
-            <a:schemeClr val="accent1"/>
-          </a:fillRef>
-          <a:effectRef idx="0">
-            <a:schemeClr val="accent1"/>
-          </a:effectRef>
-          <a:fontRef idx="minor">
-            <a:schemeClr val="tx1"/>
-          </a:fontRef>
-        </p:style>
-      </p:cxnSp>
-      <p:cxnSp>
-        <p:nvCxnSpPr>
-          <p:cNvPr id="115" name="Straight Arrow Connector 114"/>
-          <p:cNvCxnSpPr/>
-          <p:nvPr/>
-        </p:nvCxnSpPr>
-        <p:spPr>
-          <a:xfrm>
-            <a:off x="3223101" y="940594"/>
-            <a:ext cx="0" cy="475534"/>
-          </a:xfrm>
-          <a:prstGeom prst="straightConnector1">
-            <a:avLst/>
-          </a:prstGeom>
-          <a:ln w="38100">
-            <a:solidFill>
-              <a:schemeClr val="accent1"/>
             </a:solidFill>
             <a:prstDash val="sysDot"/>
             <a:headEnd type="triangle" w="med" len="med"/>
@@ -4766,62 +4698,28 @@
       <p:cxnSp>
         <p:nvCxnSpPr>
           <p:cNvPr id="116" name="Straight Arrow Connector 115"/>
-          <p:cNvCxnSpPr/>
+          <p:cNvCxnSpPr>
+            <a:endCxn id="90" idx="0"/>
+          </p:cNvCxnSpPr>
           <p:nvPr/>
         </p:nvCxnSpPr>
         <p:spPr>
-          <a:xfrm>
-            <a:off x="5234781" y="910128"/>
-            <a:ext cx="0" cy="457198"/>
+          <a:xfrm flipH="1">
+            <a:off x="3841581" y="1012522"/>
+            <a:ext cx="0" cy="378466"/>
           </a:xfrm>
           <a:prstGeom prst="straightConnector1">
             <a:avLst/>
           </a:prstGeom>
           <a:ln w="38100">
             <a:solidFill>
-              <a:srgbClr val="7030A0"/>
+              <a:schemeClr val="accent4">
+                <a:lumMod val="75000"/>
+              </a:schemeClr>
             </a:solidFill>
             <a:prstDash val="sysDot"/>
             <a:headEnd type="triangle" w="med" len="med"/>
             <a:tailEnd type="none" w="med" len="med"/>
-          </a:ln>
-        </p:spPr>
-        <p:style>
-          <a:lnRef idx="1">
-            <a:schemeClr val="accent1"/>
-          </a:lnRef>
-          <a:fillRef idx="0">
-            <a:schemeClr val="accent1"/>
-          </a:fillRef>
-          <a:effectRef idx="0">
-            <a:schemeClr val="accent1"/>
-          </a:effectRef>
-          <a:fontRef idx="minor">
-            <a:schemeClr val="tx1"/>
-          </a:fontRef>
-        </p:style>
-      </p:cxnSp>
-      <p:cxnSp>
-        <p:nvCxnSpPr>
-          <p:cNvPr id="117" name="Straight Arrow Connector 116"/>
-          <p:cNvCxnSpPr/>
-          <p:nvPr/>
-        </p:nvCxnSpPr>
-        <p:spPr>
-          <a:xfrm>
-            <a:off x="7596981" y="659449"/>
-            <a:ext cx="0" cy="1260000"/>
-          </a:xfrm>
-          <a:prstGeom prst="straightConnector1">
-            <a:avLst/>
-          </a:prstGeom>
-          <a:ln w="38100">
-            <a:solidFill>
-              <a:srgbClr val="00B050"/>
-            </a:solidFill>
-            <a:prstDash val="sysDot"/>
-            <a:headEnd type="none" w="med" len="med"/>
-            <a:tailEnd type="triangle" w="med" len="med"/>
           </a:ln>
         </p:spPr>
         <p:style>
@@ -4847,8 +4745,8 @@
         </p:nvCxnSpPr>
         <p:spPr>
           <a:xfrm>
-            <a:off x="1272381" y="914402"/>
-            <a:ext cx="0" cy="501726"/>
+            <a:off x="434181" y="1012522"/>
+            <a:ext cx="0" cy="3383266"/>
           </a:xfrm>
           <a:prstGeom prst="straightConnector1">
             <a:avLst/>
@@ -4890,15 +4788,17 @@
         </p:nvCxnSpPr>
         <p:spPr>
           <a:xfrm>
-            <a:off x="5234781" y="2997994"/>
-            <a:ext cx="0" cy="291856"/>
+            <a:off x="3841581" y="2311988"/>
+            <a:ext cx="6600" cy="330000"/>
           </a:xfrm>
           <a:prstGeom prst="straightConnector1">
             <a:avLst/>
           </a:prstGeom>
           <a:ln w="38100">
             <a:solidFill>
-              <a:srgbClr val="7030A0"/>
+              <a:schemeClr val="accent4">
+                <a:lumMod val="75000"/>
+              </a:schemeClr>
             </a:solidFill>
             <a:prstDash val="sysDot"/>
             <a:headEnd type="triangle" w="med" len="med"/>
@@ -4923,13 +4823,16 @@
       <p:cxnSp>
         <p:nvCxnSpPr>
           <p:cNvPr id="120" name="Straight Arrow Connector 119"/>
-          <p:cNvCxnSpPr/>
+          <p:cNvCxnSpPr>
+            <a:stCxn id="150" idx="2"/>
+            <a:endCxn id="107" idx="2"/>
+          </p:cNvCxnSpPr>
           <p:nvPr/>
         </p:nvCxnSpPr>
         <p:spPr>
-          <a:xfrm>
-            <a:off x="967581" y="3912394"/>
-            <a:ext cx="0" cy="224172"/>
+          <a:xfrm flipV="1">
+            <a:off x="3151233" y="5314586"/>
+            <a:ext cx="2468" cy="667832"/>
           </a:xfrm>
           <a:prstGeom prst="straightConnector1">
             <a:avLst/>
@@ -4968,9 +4871,9 @@
         </p:nvGrpSpPr>
         <p:grpSpPr>
           <a:xfrm>
-            <a:off x="4548981" y="4114800"/>
-            <a:ext cx="1371600" cy="762000"/>
-            <a:chOff x="-228600" y="1371600"/>
+            <a:off x="3038181" y="3358040"/>
+            <a:ext cx="1620000" cy="540000"/>
+            <a:chOff x="-245364" y="1371600"/>
             <a:chExt cx="1371600" cy="762000"/>
           </a:xfrm>
           <a:solidFill>
@@ -4985,7 +4888,7 @@
           </p:nvSpPr>
           <p:spPr>
             <a:xfrm>
-              <a:off x="-228600" y="1524000"/>
+              <a:off x="-245364" y="1524000"/>
               <a:ext cx="1371600" cy="609600"/>
             </a:xfrm>
             <a:prstGeom prst="rect">
@@ -4994,7 +4897,9 @@
             <a:grpFill/>
             <a:ln>
               <a:solidFill>
-                <a:srgbClr val="7030A0"/>
+                <a:schemeClr val="accent4">
+                  <a:lumMod val="75000"/>
+                </a:schemeClr>
               </a:solidFill>
             </a:ln>
           </p:spPr>
@@ -5043,8 +4948,8 @@
           </p:nvSpPr>
           <p:spPr>
             <a:xfrm>
-              <a:off x="647700" y="1371600"/>
-              <a:ext cx="495300" cy="152400"/>
+              <a:off x="669036" y="1371600"/>
+              <a:ext cx="457200" cy="152400"/>
             </a:xfrm>
             <a:prstGeom prst="rect">
               <a:avLst/>
@@ -5052,7 +4957,9 @@
             <a:grpFill/>
             <a:ln>
               <a:solidFill>
-                <a:srgbClr val="7030A0"/>
+                <a:schemeClr val="accent4">
+                  <a:lumMod val="75000"/>
+                </a:schemeClr>
               </a:solidFill>
             </a:ln>
           </p:spPr>
@@ -5097,15 +5004,17 @@
         </p:nvCxnSpPr>
         <p:spPr>
           <a:xfrm>
-            <a:off x="5234781" y="3759994"/>
-            <a:ext cx="0" cy="507206"/>
+            <a:off x="3848181" y="3073988"/>
+            <a:ext cx="0" cy="392052"/>
           </a:xfrm>
           <a:prstGeom prst="straightConnector1">
             <a:avLst/>
           </a:prstGeom>
           <a:ln w="38100">
             <a:solidFill>
-              <a:srgbClr val="7030A0"/>
+              <a:schemeClr val="accent4">
+                <a:lumMod val="75000"/>
+              </a:schemeClr>
             </a:solidFill>
             <a:prstDash val="sysDot"/>
             <a:headEnd type="triangle" w="med" len="med"/>
@@ -5130,20 +5039,24 @@
       <p:cxnSp>
         <p:nvCxnSpPr>
           <p:cNvPr id="125" name="Straight Arrow Connector 124"/>
-          <p:cNvCxnSpPr/>
+          <p:cNvCxnSpPr>
+            <a:stCxn id="91" idx="0"/>
+          </p:cNvCxnSpPr>
           <p:nvPr/>
         </p:nvCxnSpPr>
         <p:spPr>
           <a:xfrm flipV="1">
-            <a:off x="7139781" y="910128"/>
-            <a:ext cx="0" cy="462186"/>
+            <a:off x="6098040" y="1012522"/>
+            <a:ext cx="0" cy="378466"/>
           </a:xfrm>
           <a:prstGeom prst="straightConnector1">
             <a:avLst/>
           </a:prstGeom>
           <a:ln w="38100">
             <a:solidFill>
-              <a:srgbClr val="00B050"/>
+              <a:schemeClr val="accent3">
+                <a:lumMod val="75000"/>
+              </a:schemeClr>
             </a:solidFill>
             <a:prstDash val="sysDot"/>
             <a:headEnd type="none" w="med" len="med"/>
@@ -5173,9 +5086,9 @@
         </p:nvGrpSpPr>
         <p:grpSpPr>
           <a:xfrm>
-            <a:off x="4548981" y="3172314"/>
-            <a:ext cx="1371600" cy="587680"/>
-            <a:chOff x="-228600" y="1371600"/>
+            <a:off x="3038181" y="2533988"/>
+            <a:ext cx="1620000" cy="540000"/>
+            <a:chOff x="-245364" y="1371600"/>
             <a:chExt cx="1371600" cy="762000"/>
           </a:xfrm>
           <a:solidFill>
@@ -5190,7 +5103,7 @@
           </p:nvSpPr>
           <p:spPr>
             <a:xfrm>
-              <a:off x="-228600" y="1524000"/>
+              <a:off x="-245364" y="1524000"/>
               <a:ext cx="1371600" cy="609600"/>
             </a:xfrm>
             <a:prstGeom prst="rect">
@@ -5199,7 +5112,9 @@
             <a:grpFill/>
             <a:ln>
               <a:solidFill>
-                <a:srgbClr val="7030A0"/>
+                <a:schemeClr val="accent4">
+                  <a:lumMod val="75000"/>
+                </a:schemeClr>
               </a:solidFill>
             </a:ln>
           </p:spPr>
@@ -5256,8 +5171,8 @@
           </p:nvSpPr>
           <p:spPr>
             <a:xfrm>
-              <a:off x="647700" y="1371600"/>
-              <a:ext cx="495300" cy="152400"/>
+              <a:off x="669036" y="1371600"/>
+              <a:ext cx="457200" cy="152400"/>
             </a:xfrm>
             <a:prstGeom prst="rect">
               <a:avLst/>
@@ -5265,7 +5180,9 @@
             <a:grpFill/>
             <a:ln>
               <a:solidFill>
-                <a:srgbClr val="7030A0"/>
+                <a:schemeClr val="accent4">
+                  <a:lumMod val="75000"/>
+                </a:schemeClr>
               </a:solidFill>
             </a:ln>
           </p:spPr>
@@ -5301,262 +5218,16 @@
       </p:grpSp>
       <p:grpSp>
         <p:nvGrpSpPr>
-          <p:cNvPr id="129" name="Group 128"/>
-          <p:cNvGrpSpPr/>
-          <p:nvPr/>
-        </p:nvGrpSpPr>
-        <p:grpSpPr>
-          <a:xfrm>
-            <a:off x="4472781" y="5055394"/>
-            <a:ext cx="1447800" cy="533400"/>
-            <a:chOff x="-304800" y="1371600"/>
-            <a:chExt cx="1447800" cy="533400"/>
-          </a:xfrm>
-          <a:solidFill>
-            <a:schemeClr val="bg1"/>
-          </a:solidFill>
-        </p:grpSpPr>
-        <p:sp>
-          <p:nvSpPr>
-            <p:cNvPr id="130" name="Rectangle 129"/>
-            <p:cNvSpPr/>
-            <p:nvPr/>
-          </p:nvSpPr>
-          <p:spPr>
-            <a:xfrm>
-              <a:off x="-304800" y="1524000"/>
-              <a:ext cx="1447800" cy="381000"/>
-            </a:xfrm>
-            <a:prstGeom prst="rect">
-              <a:avLst/>
-            </a:prstGeom>
-            <a:grpFill/>
-            <a:ln>
-              <a:solidFill>
-                <a:srgbClr val="7030A0"/>
-              </a:solidFill>
-            </a:ln>
-          </p:spPr>
-          <p:style>
-            <a:lnRef idx="2">
-              <a:schemeClr val="accent1">
-                <a:shade val="50000"/>
-              </a:schemeClr>
-            </a:lnRef>
-            <a:fillRef idx="1">
-              <a:schemeClr val="accent1"/>
-            </a:fillRef>
-            <a:effectRef idx="0">
-              <a:schemeClr val="accent1"/>
-            </a:effectRef>
-            <a:fontRef idx="minor">
-              <a:schemeClr val="lt1"/>
-            </a:fontRef>
-          </p:style>
-          <p:txBody>
-            <a:bodyPr rtlCol="0" anchor="ctr"/>
-            <a:lstStyle/>
-            <a:p>
-              <a:pPr algn="ctr"/>
-              <a:r>
-                <a:rPr lang="en-US" sz="1400" b="1" dirty="0" smtClean="0">
-                  <a:solidFill>
-                    <a:srgbClr val="7030A0"/>
-                  </a:solidFill>
-                </a:rPr>
-                <a:t>logic::automated</a:t>
-              </a:r>
-              <a:endParaRPr lang="en-SG" sz="1400" b="1" dirty="0">
-                <a:solidFill>
-                  <a:srgbClr val="7030A0"/>
-                </a:solidFill>
-              </a:endParaRPr>
-            </a:p>
-          </p:txBody>
-        </p:sp>
-        <p:sp>
-          <p:nvSpPr>
-            <p:cNvPr id="131" name="Rectangle 130"/>
-            <p:cNvSpPr/>
-            <p:nvPr/>
-          </p:nvSpPr>
-          <p:spPr>
-            <a:xfrm>
-              <a:off x="647700" y="1371600"/>
-              <a:ext cx="495300" cy="152400"/>
-            </a:xfrm>
-            <a:prstGeom prst="rect">
-              <a:avLst/>
-            </a:prstGeom>
-            <a:grpFill/>
-            <a:ln>
-              <a:solidFill>
-                <a:srgbClr val="7030A0"/>
-              </a:solidFill>
-            </a:ln>
-          </p:spPr>
-          <p:style>
-            <a:lnRef idx="2">
-              <a:schemeClr val="accent1">
-                <a:shade val="50000"/>
-              </a:schemeClr>
-            </a:lnRef>
-            <a:fillRef idx="1">
-              <a:schemeClr val="accent1"/>
-            </a:fillRef>
-            <a:effectRef idx="0">
-              <a:schemeClr val="accent1"/>
-            </a:effectRef>
-            <a:fontRef idx="minor">
-              <a:schemeClr val="lt1"/>
-            </a:fontRef>
-          </p:style>
-          <p:txBody>
-            <a:bodyPr rtlCol="0" anchor="ctr"/>
-            <a:lstStyle/>
-            <a:p>
-              <a:pPr algn="ctr"/>
-              <a:endParaRPr lang="en-SG" sz="1400" b="1">
-                <a:solidFill>
-                  <a:srgbClr val="7030A0"/>
-                </a:solidFill>
-              </a:endParaRPr>
-            </a:p>
-          </p:txBody>
-        </p:sp>
-      </p:grpSp>
-      <p:cxnSp>
-        <p:nvCxnSpPr>
-          <p:cNvPr id="132" name="Straight Arrow Connector 131"/>
-          <p:cNvCxnSpPr/>
-          <p:nvPr/>
-        </p:nvCxnSpPr>
-        <p:spPr>
-          <a:xfrm>
-            <a:off x="5158581" y="4876800"/>
-            <a:ext cx="0" cy="330994"/>
-          </a:xfrm>
-          <a:prstGeom prst="straightConnector1">
-            <a:avLst/>
-          </a:prstGeom>
-          <a:ln w="38100">
-            <a:solidFill>
-              <a:srgbClr val="7030A0"/>
-            </a:solidFill>
-            <a:prstDash val="sysDot"/>
-            <a:headEnd type="triangle" w="med" len="med"/>
-            <a:tailEnd type="none" w="med" len="med"/>
-          </a:ln>
-        </p:spPr>
-        <p:style>
-          <a:lnRef idx="1">
-            <a:schemeClr val="accent1"/>
-          </a:lnRef>
-          <a:fillRef idx="0">
-            <a:schemeClr val="accent1"/>
-          </a:fillRef>
-          <a:effectRef idx="0">
-            <a:schemeClr val="accent1"/>
-          </a:effectRef>
-          <a:fontRef idx="minor">
-            <a:schemeClr val="tx1"/>
-          </a:fontRef>
-        </p:style>
-      </p:cxnSp>
-      <p:cxnSp>
-        <p:nvCxnSpPr>
-          <p:cNvPr id="133" name="Elbow Connector 132"/>
-          <p:cNvCxnSpPr>
-            <a:stCxn id="122" idx="0"/>
-            <a:endCxn id="98" idx="3"/>
-          </p:cNvCxnSpPr>
-          <p:nvPr/>
-        </p:nvCxnSpPr>
-        <p:spPr>
-          <a:xfrm rot="5400000" flipH="1" flipV="1">
-            <a:off x="4836999" y="3183618"/>
-            <a:ext cx="1481364" cy="685800"/>
-          </a:xfrm>
-          <a:prstGeom prst="bentConnector4">
-            <a:avLst>
-              <a:gd name="adj1" fmla="val 18834"/>
-              <a:gd name="adj2" fmla="val 133333"/>
-            </a:avLst>
-          </a:prstGeom>
-          <a:ln w="38100">
-            <a:solidFill>
-              <a:srgbClr val="7030A0"/>
-            </a:solidFill>
-            <a:prstDash val="sysDot"/>
-            <a:headEnd type="none" w="med" len="med"/>
-            <a:tailEnd type="triangle" w="med" len="med"/>
-          </a:ln>
-        </p:spPr>
-        <p:style>
-          <a:lnRef idx="1">
-            <a:schemeClr val="accent1"/>
-          </a:lnRef>
-          <a:fillRef idx="0">
-            <a:schemeClr val="accent1"/>
-          </a:fillRef>
-          <a:effectRef idx="0">
-            <a:schemeClr val="accent1"/>
-          </a:effectRef>
-          <a:fontRef idx="minor">
-            <a:schemeClr val="tx1"/>
-          </a:fontRef>
-        </p:style>
-      </p:cxnSp>
-      <p:cxnSp>
-        <p:nvCxnSpPr>
-          <p:cNvPr id="134" name="Straight Arrow Connector 133"/>
-          <p:cNvCxnSpPr/>
-          <p:nvPr/>
-        </p:nvCxnSpPr>
-        <p:spPr>
-          <a:xfrm flipH="1">
-            <a:off x="3929442" y="3176586"/>
-            <a:ext cx="390940" cy="10126"/>
-          </a:xfrm>
-          <a:prstGeom prst="straightConnector1">
-            <a:avLst/>
-          </a:prstGeom>
-          <a:ln w="38100">
-            <a:solidFill>
-              <a:schemeClr val="accent1"/>
-            </a:solidFill>
-            <a:prstDash val="sysDot"/>
-            <a:headEnd type="triangle" w="med" len="med"/>
-            <a:tailEnd type="none" w="med" len="med"/>
-          </a:ln>
-        </p:spPr>
-        <p:style>
-          <a:lnRef idx="1">
-            <a:schemeClr val="accent1"/>
-          </a:lnRef>
-          <a:fillRef idx="0">
-            <a:schemeClr val="accent1"/>
-          </a:fillRef>
-          <a:effectRef idx="0">
-            <a:schemeClr val="accent1"/>
-          </a:effectRef>
-          <a:fontRef idx="minor">
-            <a:schemeClr val="tx1"/>
-          </a:fontRef>
-        </p:style>
-      </p:cxnSp>
-      <p:grpSp>
-        <p:nvGrpSpPr>
           <p:cNvPr id="135" name="Group 134"/>
           <p:cNvGrpSpPr/>
           <p:nvPr/>
         </p:nvGrpSpPr>
         <p:grpSpPr>
           <a:xfrm>
-            <a:off x="3786981" y="254950"/>
-            <a:ext cx="1676400" cy="507050"/>
-            <a:chOff x="-533400" y="1371600"/>
-            <a:chExt cx="1676400" cy="507050"/>
+            <a:off x="3405981" y="381232"/>
+            <a:ext cx="1980000" cy="516111"/>
+            <a:chOff x="-533400" y="1394031"/>
+            <a:chExt cx="1676400" cy="484619"/>
           </a:xfrm>
           <a:solidFill>
             <a:schemeClr val="bg1"/>
@@ -5579,131 +5250,9 @@
             <a:grpFill/>
             <a:ln>
               <a:solidFill>
-                <a:schemeClr val="accent5"/>
-              </a:solidFill>
-            </a:ln>
-          </p:spPr>
-          <p:style>
-            <a:lnRef idx="2">
-              <a:schemeClr val="accent1">
-                <a:shade val="50000"/>
-              </a:schemeClr>
-            </a:lnRef>
-            <a:fillRef idx="1">
-              <a:schemeClr val="accent1"/>
-            </a:fillRef>
-            <a:effectRef idx="0">
-              <a:schemeClr val="accent1"/>
-            </a:effectRef>
-            <a:fontRef idx="minor">
-              <a:schemeClr val="lt1"/>
-            </a:fontRef>
-          </p:style>
-          <p:txBody>
-            <a:bodyPr rtlCol="0" anchor="ctr"/>
-            <a:lstStyle/>
-            <a:p>
-              <a:r>
-                <a:rPr lang="en-US" sz="1400" b="1" dirty="0" smtClean="0">
-                  <a:solidFill>
-                    <a:schemeClr val="accent5"/>
-                  </a:solidFill>
-                </a:rPr>
-                <a:t>common::exception</a:t>
-              </a:r>
-              <a:endParaRPr lang="en-SG" sz="1400" b="1" dirty="0">
-                <a:solidFill>
-                  <a:schemeClr val="accent5"/>
-                </a:solidFill>
-              </a:endParaRPr>
-            </a:p>
-          </p:txBody>
-        </p:sp>
-        <p:sp>
-          <p:nvSpPr>
-            <p:cNvPr id="137" name="Rectangle 136"/>
-            <p:cNvSpPr/>
-            <p:nvPr/>
-          </p:nvSpPr>
-          <p:spPr>
-            <a:xfrm>
-              <a:off x="647700" y="1371600"/>
-              <a:ext cx="495300" cy="152400"/>
-            </a:xfrm>
-            <a:prstGeom prst="rect">
-              <a:avLst/>
-            </a:prstGeom>
-            <a:grpFill/>
-            <a:ln>
-              <a:solidFill>
-                <a:schemeClr val="accent5"/>
-              </a:solidFill>
-            </a:ln>
-          </p:spPr>
-          <p:style>
-            <a:lnRef idx="2">
-              <a:schemeClr val="accent1">
-                <a:shade val="50000"/>
-              </a:schemeClr>
-            </a:lnRef>
-            <a:fillRef idx="1">
-              <a:schemeClr val="accent1"/>
-            </a:fillRef>
-            <a:effectRef idx="0">
-              <a:schemeClr val="accent1"/>
-            </a:effectRef>
-            <a:fontRef idx="minor">
-              <a:schemeClr val="lt1"/>
-            </a:fontRef>
-          </p:style>
-          <p:txBody>
-            <a:bodyPr rtlCol="0" anchor="ctr"/>
-            <a:lstStyle/>
-            <a:p>
-              <a:endParaRPr lang="en-SG" sz="1400" b="1">
-                <a:solidFill>
-                  <a:schemeClr val="accent5"/>
-                </a:solidFill>
-              </a:endParaRPr>
-            </a:p>
-          </p:txBody>
-        </p:sp>
-      </p:grpSp>
-      <p:grpSp>
-        <p:nvGrpSpPr>
-          <p:cNvPr id="138" name="Group 137"/>
-          <p:cNvGrpSpPr/>
-          <p:nvPr/>
-        </p:nvGrpSpPr>
-        <p:grpSpPr>
-          <a:xfrm>
-            <a:off x="6758781" y="4888906"/>
-            <a:ext cx="1676400" cy="762000"/>
-            <a:chOff x="-533400" y="1371600"/>
-            <a:chExt cx="1676400" cy="762000"/>
-          </a:xfrm>
-          <a:solidFill>
-            <a:schemeClr val="bg1"/>
-          </a:solidFill>
-        </p:grpSpPr>
-        <p:sp>
-          <p:nvSpPr>
-            <p:cNvPr id="139" name="Rectangle 138"/>
-            <p:cNvSpPr/>
-            <p:nvPr/>
-          </p:nvSpPr>
-          <p:spPr>
-            <a:xfrm>
-              <a:off x="-533400" y="1524000"/>
-              <a:ext cx="1676400" cy="609600"/>
-            </a:xfrm>
-            <a:prstGeom prst="rect">
-              <a:avLst/>
-            </a:prstGeom>
-            <a:grpFill/>
-            <a:ln>
-              <a:solidFill>
-                <a:srgbClr val="00B050"/>
+                <a:schemeClr val="accent5">
+                  <a:lumMod val="75000"/>
+                </a:schemeClr>
               </a:solidFill>
             </a:ln>
           </p:spPr>
@@ -5731,30 +5280,18 @@
               <a:r>
                 <a:rPr lang="en-US" sz="1400" b="1" dirty="0" smtClean="0">
                   <a:solidFill>
-                    <a:srgbClr val="00B050"/>
+                    <a:schemeClr val="accent5">
+                      <a:lumMod val="75000"/>
+                    </a:schemeClr>
                   </a:solidFill>
                 </a:rPr>
-                <a:t>storage::</a:t>
+                <a:t>common::exception</a:t>
               </a:r>
-              <a:r>
-                <a:rPr lang="en-US" sz="1400" b="1" dirty="0" err="1" smtClean="0">
-                  <a:solidFill>
-                    <a:srgbClr val="00B050"/>
-                  </a:solidFill>
-                </a:rPr>
-                <a:t>datastore</a:t>
-              </a:r>
-              <a:r>
-                <a:rPr lang="en-SG" sz="1400" b="1" dirty="0" smtClean="0">
-                  <a:solidFill>
-                    <a:srgbClr val="00B050"/>
-                  </a:solidFill>
-                </a:rPr>
-                <a:t> </a:t>
-              </a:r>
-              <a:endParaRPr lang="en-US" sz="1400" b="1" dirty="0" smtClean="0">
+              <a:endParaRPr lang="en-SG" sz="1400" b="1" dirty="0">
                 <a:solidFill>
-                  <a:srgbClr val="00B050"/>
+                  <a:schemeClr val="accent5">
+                    <a:lumMod val="75000"/>
+                  </a:schemeClr>
                 </a:solidFill>
               </a:endParaRPr>
             </a:p>
@@ -5762,14 +5299,14 @@
         </p:sp>
         <p:sp>
           <p:nvSpPr>
-            <p:cNvPr id="140" name="Rectangle 139"/>
+            <p:cNvPr id="137" name="Rectangle 136"/>
             <p:cNvSpPr/>
             <p:nvPr/>
           </p:nvSpPr>
           <p:spPr>
             <a:xfrm>
-              <a:off x="647700" y="1371600"/>
-              <a:ext cx="495300" cy="152400"/>
+              <a:off x="594360" y="1394031"/>
+              <a:ext cx="548640" cy="135213"/>
             </a:xfrm>
             <a:prstGeom prst="rect">
               <a:avLst/>
@@ -5777,9 +5314,142 @@
             <a:grpFill/>
             <a:ln>
               <a:solidFill>
-                <a:srgbClr val="00B050"/>
+                <a:schemeClr val="accent5">
+                  <a:lumMod val="75000"/>
+                </a:schemeClr>
               </a:solidFill>
             </a:ln>
+          </p:spPr>
+          <p:style>
+            <a:lnRef idx="2">
+              <a:schemeClr val="accent1">
+                <a:shade val="50000"/>
+              </a:schemeClr>
+            </a:lnRef>
+            <a:fillRef idx="1">
+              <a:schemeClr val="accent1"/>
+            </a:fillRef>
+            <a:effectRef idx="0">
+              <a:schemeClr val="accent1"/>
+            </a:effectRef>
+            <a:fontRef idx="minor">
+              <a:schemeClr val="lt1"/>
+            </a:fontRef>
+          </p:style>
+          <p:txBody>
+            <a:bodyPr rtlCol="0" anchor="ctr"/>
+            <a:lstStyle/>
+            <a:p>
+              <a:endParaRPr lang="en-SG" sz="1400" b="1">
+                <a:solidFill>
+                  <a:schemeClr val="accent5">
+                    <a:lumMod val="75000"/>
+                  </a:schemeClr>
+                </a:solidFill>
+              </a:endParaRPr>
+            </a:p>
+          </p:txBody>
+        </p:sp>
+      </p:grpSp>
+      <p:grpSp>
+        <p:nvGrpSpPr>
+          <p:cNvPr id="142" name="Group 141"/>
+          <p:cNvGrpSpPr/>
+          <p:nvPr/>
+        </p:nvGrpSpPr>
+        <p:grpSpPr>
+          <a:xfrm>
+            <a:off x="791343" y="3354520"/>
+            <a:ext cx="1620000" cy="550098"/>
+            <a:chOff x="-505326" y="1358636"/>
+            <a:chExt cx="1648326" cy="620999"/>
+          </a:xfrm>
+          <a:solidFill>
+            <a:schemeClr val="bg1"/>
+          </a:solidFill>
+        </p:grpSpPr>
+        <p:sp>
+          <p:nvSpPr>
+            <p:cNvPr id="143" name="Rectangle 142"/>
+            <p:cNvSpPr/>
+            <p:nvPr/>
+          </p:nvSpPr>
+          <p:spPr>
+            <a:xfrm>
+              <a:off x="-505326" y="1491955"/>
+              <a:ext cx="1648326" cy="487680"/>
+            </a:xfrm>
+            <a:prstGeom prst="rect">
+              <a:avLst/>
+            </a:prstGeom>
+            <a:grpFill/>
+          </p:spPr>
+          <p:style>
+            <a:lnRef idx="2">
+              <a:schemeClr val="accent1">
+                <a:shade val="50000"/>
+              </a:schemeClr>
+            </a:lnRef>
+            <a:fillRef idx="1">
+              <a:schemeClr val="accent1"/>
+            </a:fillRef>
+            <a:effectRef idx="0">
+              <a:schemeClr val="accent1"/>
+            </a:effectRef>
+            <a:fontRef idx="minor">
+              <a:schemeClr val="lt1"/>
+            </a:fontRef>
+          </p:style>
+          <p:txBody>
+            <a:bodyPr rtlCol="0" anchor="ctr"/>
+            <a:lstStyle/>
+            <a:p>
+              <a:pPr algn="ctr"/>
+              <a:r>
+                <a:rPr lang="en-US" sz="1400" b="1" dirty="0" err="1" smtClean="0">
+                  <a:solidFill>
+                    <a:schemeClr val="accent1">
+                      <a:lumMod val="75000"/>
+                    </a:schemeClr>
+                  </a:solidFill>
+                </a:rPr>
+                <a:t>ui</a:t>
+              </a:r>
+              <a:r>
+                <a:rPr lang="en-US" sz="1400" b="1" dirty="0" smtClean="0">
+                  <a:solidFill>
+                    <a:schemeClr val="accent1">
+                      <a:lumMod val="75000"/>
+                    </a:schemeClr>
+                  </a:solidFill>
+                </a:rPr>
+                <a:t>::view</a:t>
+              </a:r>
+              <a:endParaRPr lang="en-SG" sz="1400" b="1" dirty="0">
+                <a:solidFill>
+                  <a:schemeClr val="accent1">
+                    <a:lumMod val="75000"/>
+                  </a:schemeClr>
+                </a:solidFill>
+              </a:endParaRPr>
+            </a:p>
+          </p:txBody>
+        </p:sp>
+        <p:sp>
+          <p:nvSpPr>
+            <p:cNvPr id="144" name="Rectangle 143"/>
+            <p:cNvSpPr/>
+            <p:nvPr/>
+          </p:nvSpPr>
+          <p:spPr>
+            <a:xfrm>
+              <a:off x="593557" y="1358636"/>
+              <a:ext cx="549442" cy="121920"/>
+            </a:xfrm>
+            <a:prstGeom prst="rect">
+              <a:avLst/>
+            </a:prstGeom>
+            <a:grpFill/>
           </p:spPr>
           <p:style>
             <a:lnRef idx="2">
@@ -5804,7 +5474,9 @@
               <a:pPr algn="ctr"/>
               <a:endParaRPr lang="en-SG" sz="1400" b="1">
                 <a:solidFill>
-                  <a:srgbClr val="00B050"/>
+                  <a:schemeClr val="accent1">
+                    <a:lumMod val="75000"/>
+                  </a:schemeClr>
                 </a:solidFill>
               </a:endParaRPr>
             </a:p>
@@ -5813,21 +5485,26 @@
       </p:grpSp>
       <p:cxnSp>
         <p:nvCxnSpPr>
-          <p:cNvPr id="141" name="Straight Arrow Connector 140"/>
-          <p:cNvCxnSpPr/>
+          <p:cNvPr id="145" name="Straight Arrow Connector 144"/>
+          <p:cNvCxnSpPr>
+            <a:stCxn id="95" idx="2"/>
+            <a:endCxn id="143" idx="0"/>
+          </p:cNvCxnSpPr>
           <p:nvPr/>
         </p:nvCxnSpPr>
         <p:spPr>
           <a:xfrm>
-            <a:off x="7596981" y="4598194"/>
-            <a:ext cx="0" cy="432000"/>
+            <a:off x="1598780" y="3078441"/>
+            <a:ext cx="2563" cy="394177"/>
           </a:xfrm>
           <a:prstGeom prst="straightConnector1">
             <a:avLst/>
           </a:prstGeom>
           <a:ln w="38100">
             <a:solidFill>
-              <a:srgbClr val="00B050"/>
+              <a:schemeClr val="accent1">
+                <a:lumMod val="75000"/>
+              </a:schemeClr>
             </a:solidFill>
             <a:prstDash val="sysDot"/>
             <a:headEnd type="none" w="med" len="med"/>
@@ -5851,305 +5528,16 @@
       </p:cxnSp>
       <p:grpSp>
         <p:nvGrpSpPr>
-          <p:cNvPr id="142" name="Group 141"/>
-          <p:cNvGrpSpPr/>
-          <p:nvPr/>
-        </p:nvGrpSpPr>
-        <p:grpSpPr>
-          <a:xfrm>
-            <a:off x="2567781" y="2185986"/>
-            <a:ext cx="1361661" cy="503583"/>
-            <a:chOff x="-505326" y="1371600"/>
-            <a:chExt cx="1648326" cy="609600"/>
-          </a:xfrm>
-          <a:solidFill>
-            <a:schemeClr val="bg1"/>
-          </a:solidFill>
-        </p:grpSpPr>
-        <p:sp>
-          <p:nvSpPr>
-            <p:cNvPr id="143" name="Rectangle 142"/>
-            <p:cNvSpPr/>
-            <p:nvPr/>
-          </p:nvSpPr>
-          <p:spPr>
-            <a:xfrm>
-              <a:off x="-505326" y="1524000"/>
-              <a:ext cx="1648326" cy="457200"/>
-            </a:xfrm>
-            <a:prstGeom prst="rect">
-              <a:avLst/>
-            </a:prstGeom>
-            <a:grpFill/>
-          </p:spPr>
-          <p:style>
-            <a:lnRef idx="2">
-              <a:schemeClr val="accent1">
-                <a:shade val="50000"/>
-              </a:schemeClr>
-            </a:lnRef>
-            <a:fillRef idx="1">
-              <a:schemeClr val="accent1"/>
-            </a:fillRef>
-            <a:effectRef idx="0">
-              <a:schemeClr val="accent1"/>
-            </a:effectRef>
-            <a:fontRef idx="minor">
-              <a:schemeClr val="lt1"/>
-            </a:fontRef>
-          </p:style>
-          <p:txBody>
-            <a:bodyPr rtlCol="0" anchor="ctr"/>
-            <a:lstStyle/>
-            <a:p>
-              <a:pPr algn="ctr"/>
-              <a:r>
-                <a:rPr lang="en-US" sz="1400" b="1" dirty="0" err="1" smtClean="0">
-                  <a:solidFill>
-                    <a:schemeClr val="tx2"/>
-                  </a:solidFill>
-                </a:rPr>
-                <a:t>ui</a:t>
-              </a:r>
-              <a:r>
-                <a:rPr lang="en-US" sz="1400" b="1" dirty="0" smtClean="0">
-                  <a:solidFill>
-                    <a:schemeClr val="tx2"/>
-                  </a:solidFill>
-                </a:rPr>
-                <a:t>::view</a:t>
-              </a:r>
-              <a:endParaRPr lang="en-SG" sz="1400" b="1" dirty="0">
-                <a:solidFill>
-                  <a:schemeClr val="tx2"/>
-                </a:solidFill>
-              </a:endParaRPr>
-            </a:p>
-          </p:txBody>
-        </p:sp>
-        <p:sp>
-          <p:nvSpPr>
-            <p:cNvPr id="144" name="Rectangle 143"/>
-            <p:cNvSpPr/>
-            <p:nvPr/>
-          </p:nvSpPr>
-          <p:spPr>
-            <a:xfrm>
-              <a:off x="647700" y="1371600"/>
-              <a:ext cx="495300" cy="152400"/>
-            </a:xfrm>
-            <a:prstGeom prst="rect">
-              <a:avLst/>
-            </a:prstGeom>
-            <a:grpFill/>
-          </p:spPr>
-          <p:style>
-            <a:lnRef idx="2">
-              <a:schemeClr val="accent1">
-                <a:shade val="50000"/>
-              </a:schemeClr>
-            </a:lnRef>
-            <a:fillRef idx="1">
-              <a:schemeClr val="accent1"/>
-            </a:fillRef>
-            <a:effectRef idx="0">
-              <a:schemeClr val="accent1"/>
-            </a:effectRef>
-            <a:fontRef idx="minor">
-              <a:schemeClr val="lt1"/>
-            </a:fontRef>
-          </p:style>
-          <p:txBody>
-            <a:bodyPr rtlCol="0" anchor="ctr"/>
-            <a:lstStyle/>
-            <a:p>
-              <a:pPr algn="ctr"/>
-              <a:endParaRPr lang="en-SG" sz="1400" b="1">
-                <a:solidFill>
-                  <a:schemeClr val="tx2"/>
-                </a:solidFill>
-              </a:endParaRPr>
-            </a:p>
-          </p:txBody>
-        </p:sp>
-      </p:grpSp>
-      <p:cxnSp>
-        <p:nvCxnSpPr>
-          <p:cNvPr id="145" name="Straight Arrow Connector 144"/>
-          <p:cNvCxnSpPr>
-            <a:stCxn id="95" idx="0"/>
-            <a:endCxn id="143" idx="2"/>
-          </p:cNvCxnSpPr>
-          <p:nvPr/>
-        </p:nvCxnSpPr>
-        <p:spPr>
-          <a:xfrm flipV="1">
-            <a:off x="3248612" y="2689569"/>
-            <a:ext cx="0" cy="231913"/>
-          </a:xfrm>
-          <a:prstGeom prst="straightConnector1">
-            <a:avLst/>
-          </a:prstGeom>
-          <a:ln w="38100">
-            <a:solidFill>
-              <a:schemeClr val="accent1"/>
-            </a:solidFill>
-            <a:prstDash val="sysDot"/>
-            <a:headEnd type="triangle" w="med" len="med"/>
-            <a:tailEnd type="none" w="med" len="med"/>
-          </a:ln>
-        </p:spPr>
-        <p:style>
-          <a:lnRef idx="1">
-            <a:schemeClr val="accent1"/>
-          </a:lnRef>
-          <a:fillRef idx="0">
-            <a:schemeClr val="accent1"/>
-          </a:fillRef>
-          <a:effectRef idx="0">
-            <a:schemeClr val="accent1"/>
-          </a:effectRef>
-          <a:fontRef idx="minor">
-            <a:schemeClr val="tx1"/>
-          </a:fontRef>
-        </p:style>
-      </p:cxnSp>
-      <p:grpSp>
-        <p:nvGrpSpPr>
-          <p:cNvPr id="146" name="Group 145"/>
-          <p:cNvGrpSpPr/>
-          <p:nvPr/>
-        </p:nvGrpSpPr>
-        <p:grpSpPr>
-          <a:xfrm>
-            <a:off x="2567781" y="1626392"/>
-            <a:ext cx="1361661" cy="503583"/>
-            <a:chOff x="-505326" y="1371600"/>
-            <a:chExt cx="1648326" cy="609600"/>
-          </a:xfrm>
-          <a:solidFill>
-            <a:schemeClr val="bg1"/>
-          </a:solidFill>
-        </p:grpSpPr>
-        <p:sp>
-          <p:nvSpPr>
-            <p:cNvPr id="147" name="Rectangle 146"/>
-            <p:cNvSpPr/>
-            <p:nvPr/>
-          </p:nvSpPr>
-          <p:spPr>
-            <a:xfrm>
-              <a:off x="-505326" y="1524000"/>
-              <a:ext cx="1648326" cy="457200"/>
-            </a:xfrm>
-            <a:prstGeom prst="rect">
-              <a:avLst/>
-            </a:prstGeom>
-            <a:grpFill/>
-          </p:spPr>
-          <p:style>
-            <a:lnRef idx="2">
-              <a:schemeClr val="accent1">
-                <a:shade val="50000"/>
-              </a:schemeClr>
-            </a:lnRef>
-            <a:fillRef idx="1">
-              <a:schemeClr val="accent1"/>
-            </a:fillRef>
-            <a:effectRef idx="0">
-              <a:schemeClr val="accent1"/>
-            </a:effectRef>
-            <a:fontRef idx="minor">
-              <a:schemeClr val="lt1"/>
-            </a:fontRef>
-          </p:style>
-          <p:txBody>
-            <a:bodyPr rtlCol="0" anchor="ctr"/>
-            <a:lstStyle/>
-            <a:p>
-              <a:pPr algn="ctr"/>
-              <a:r>
-                <a:rPr lang="en-US" sz="1400" b="1" dirty="0" err="1" smtClean="0">
-                  <a:solidFill>
-                    <a:schemeClr val="tx2"/>
-                  </a:solidFill>
-                </a:rPr>
-                <a:t>ui</a:t>
-              </a:r>
-              <a:r>
-                <a:rPr lang="en-US" sz="1400" b="1" dirty="0" smtClean="0">
-                  <a:solidFill>
-                    <a:schemeClr val="tx2"/>
-                  </a:solidFill>
-                </a:rPr>
-                <a:t>::website</a:t>
-              </a:r>
-              <a:endParaRPr lang="en-SG" sz="1400" b="1" dirty="0">
-                <a:solidFill>
-                  <a:schemeClr val="tx2"/>
-                </a:solidFill>
-              </a:endParaRPr>
-            </a:p>
-          </p:txBody>
-        </p:sp>
-        <p:sp>
-          <p:nvSpPr>
-            <p:cNvPr id="148" name="Rectangle 147"/>
-            <p:cNvSpPr/>
-            <p:nvPr/>
-          </p:nvSpPr>
-          <p:spPr>
-            <a:xfrm>
-              <a:off x="647700" y="1371600"/>
-              <a:ext cx="495300" cy="152400"/>
-            </a:xfrm>
-            <a:prstGeom prst="rect">
-              <a:avLst/>
-            </a:prstGeom>
-            <a:grpFill/>
-          </p:spPr>
-          <p:style>
-            <a:lnRef idx="2">
-              <a:schemeClr val="accent1">
-                <a:shade val="50000"/>
-              </a:schemeClr>
-            </a:lnRef>
-            <a:fillRef idx="1">
-              <a:schemeClr val="accent1"/>
-            </a:fillRef>
-            <a:effectRef idx="0">
-              <a:schemeClr val="accent1"/>
-            </a:effectRef>
-            <a:fontRef idx="minor">
-              <a:schemeClr val="lt1"/>
-            </a:fontRef>
-          </p:style>
-          <p:txBody>
-            <a:bodyPr rtlCol="0" anchor="ctr"/>
-            <a:lstStyle/>
-            <a:p>
-              <a:pPr algn="ctr"/>
-              <a:endParaRPr lang="en-SG" sz="1400" b="1">
-                <a:solidFill>
-                  <a:schemeClr val="tx2"/>
-                </a:solidFill>
-              </a:endParaRPr>
-            </a:p>
-          </p:txBody>
-        </p:sp>
-      </p:grpSp>
-      <p:grpSp>
-        <p:nvGrpSpPr>
           <p:cNvPr id="149" name="Group 148"/>
           <p:cNvGrpSpPr/>
           <p:nvPr/>
         </p:nvGrpSpPr>
         <p:grpSpPr>
           <a:xfrm>
-            <a:off x="662781" y="3501638"/>
-            <a:ext cx="1524000" cy="377284"/>
-            <a:chOff x="-228600" y="1426397"/>
-            <a:chExt cx="1371600" cy="445132"/>
+            <a:off x="2341233" y="5443326"/>
+            <a:ext cx="1620000" cy="539096"/>
+            <a:chOff x="-228600" y="1435721"/>
+            <a:chExt cx="1371600" cy="444386"/>
           </a:xfrm>
           <a:solidFill>
             <a:schemeClr val="bg1"/>
@@ -6164,7 +5552,7 @@
           <p:spPr>
             <a:xfrm>
               <a:off x="-228600" y="1524001"/>
-              <a:ext cx="1371600" cy="347528"/>
+              <a:ext cx="1371600" cy="356106"/>
             </a:xfrm>
             <a:prstGeom prst="rect">
               <a:avLst/>
@@ -6227,8 +5615,8 @@
           </p:nvSpPr>
           <p:spPr>
             <a:xfrm>
-              <a:off x="647700" y="1426397"/>
-              <a:ext cx="495300" cy="97603"/>
+              <a:off x="684909" y="1435721"/>
+              <a:ext cx="457200" cy="89026"/>
             </a:xfrm>
             <a:prstGeom prst="rect">
               <a:avLst/>
@@ -6282,10 +5670,10 @@
         </p:nvGrpSpPr>
         <p:grpSpPr>
           <a:xfrm>
-            <a:off x="6225381" y="256308"/>
-            <a:ext cx="1905000" cy="505692"/>
-            <a:chOff x="-762000" y="1371600"/>
-            <a:chExt cx="1905000" cy="505692"/>
+            <a:off x="5768181" y="370744"/>
+            <a:ext cx="1980002" cy="513775"/>
+            <a:chOff x="-762000" y="1396159"/>
+            <a:chExt cx="1905000" cy="481133"/>
           </a:xfrm>
           <a:solidFill>
             <a:schemeClr val="bg1"/>
@@ -6308,7 +5696,9 @@
             <a:grpFill/>
             <a:ln>
               <a:solidFill>
-                <a:schemeClr val="accent5"/>
+                <a:schemeClr val="accent5">
+                  <a:lumMod val="75000"/>
+                </a:schemeClr>
               </a:solidFill>
             </a:ln>
           </p:spPr>
@@ -6332,10 +5722,13 @@
             <a:bodyPr rtlCol="0" anchor="ctr"/>
             <a:lstStyle/>
             <a:p>
+              <a:pPr algn="ctr"/>
               <a:r>
                 <a:rPr lang="en-US" sz="1400" b="1" dirty="0" smtClean="0">
                   <a:solidFill>
-                    <a:schemeClr val="accent5"/>
+                    <a:schemeClr val="accent5">
+                      <a:lumMod val="75000"/>
+                    </a:schemeClr>
                   </a:solidFill>
                 </a:rPr>
                 <a:t>common::</a:t>
@@ -6343,14 +5736,18 @@
               <a:r>
                 <a:rPr lang="en-US" sz="1400" b="1" dirty="0" err="1" smtClean="0">
                   <a:solidFill>
-                    <a:schemeClr val="accent5"/>
+                    <a:schemeClr val="accent5">
+                      <a:lumMod val="75000"/>
+                    </a:schemeClr>
                   </a:solidFill>
                 </a:rPr>
                 <a:t>datatransfer</a:t>
               </a:r>
               <a:endParaRPr lang="en-SG" sz="1400" b="1" dirty="0">
                 <a:solidFill>
-                  <a:schemeClr val="accent5"/>
+                  <a:schemeClr val="accent5">
+                    <a:lumMod val="75000"/>
+                  </a:schemeClr>
                 </a:solidFill>
               </a:endParaRPr>
             </a:p>
@@ -6364,8 +5761,8 @@
           </p:nvSpPr>
           <p:spPr>
             <a:xfrm>
-              <a:off x="647700" y="1371600"/>
-              <a:ext cx="495300" cy="152400"/>
+              <a:off x="519546" y="1396159"/>
+              <a:ext cx="623454" cy="134851"/>
             </a:xfrm>
             <a:prstGeom prst="rect">
               <a:avLst/>
@@ -6373,7 +5770,9 @@
             <a:grpFill/>
             <a:ln>
               <a:solidFill>
-                <a:schemeClr val="accent5"/>
+                <a:schemeClr val="accent5">
+                  <a:lumMod val="75000"/>
+                </a:schemeClr>
               </a:solidFill>
             </a:ln>
           </p:spPr>
@@ -6399,7 +5798,9 @@
             <a:p>
               <a:endParaRPr lang="en-SG" sz="1400" b="1">
                 <a:solidFill>
-                  <a:schemeClr val="accent5"/>
+                  <a:schemeClr val="accent5">
+                    <a:lumMod val="75000"/>
+                  </a:schemeClr>
                 </a:solidFill>
               </a:endParaRPr>
             </a:p>
@@ -6414,8 +5815,8 @@
         </p:nvSpPr>
         <p:spPr>
           <a:xfrm>
-            <a:off x="129381" y="4979194"/>
-            <a:ext cx="2286000" cy="1234440"/>
+            <a:off x="5166824" y="4395788"/>
+            <a:ext cx="1872000" cy="1692000"/>
           </a:xfrm>
           <a:prstGeom prst="roundRect">
             <a:avLst>
@@ -6423,16 +5824,15 @@
             </a:avLst>
           </a:prstGeom>
           <a:solidFill>
-            <a:schemeClr val="accent3">
-              <a:lumMod val="40000"/>
-              <a:lumOff val="60000"/>
+            <a:schemeClr val="accent6">
+              <a:lumMod val="60000"/>
+              <a:lumOff val="40000"/>
             </a:schemeClr>
           </a:solidFill>
           <a:ln>
             <a:solidFill>
-              <a:schemeClr val="accent3">
-                <a:lumMod val="60000"/>
-                <a:lumOff val="40000"/>
+              <a:schemeClr val="accent6">
+                <a:lumMod val="75000"/>
               </a:schemeClr>
             </a:solidFill>
           </a:ln>
@@ -6457,6 +5857,7 @@
           <a:bodyPr rtlCol="0" anchor="t" anchorCtr="0"/>
           <a:lstStyle/>
           <a:p>
+            <a:pPr algn="ctr"/>
             <a:r>
               <a:rPr lang="en-US" sz="1600" b="1" dirty="0" smtClean="0"/>
               <a:t>Client</a:t>
@@ -6473,8 +5874,8 @@
         </p:nvGrpSpPr>
         <p:grpSpPr>
           <a:xfrm>
-            <a:off x="281781" y="5220494"/>
-            <a:ext cx="1905000" cy="381000"/>
+            <a:off x="5297207" y="4772820"/>
+            <a:ext cx="1620000" cy="540000"/>
             <a:chOff x="-533400" y="1371600"/>
             <a:chExt cx="1676400" cy="762000"/>
           </a:xfrm>
@@ -6499,7 +5900,9 @@
             <a:grpFill/>
             <a:ln>
               <a:solidFill>
-                <a:srgbClr val="00B050"/>
+                <a:schemeClr val="accent6">
+                  <a:lumMod val="75000"/>
+                </a:schemeClr>
               </a:solidFill>
             </a:ln>
           </p:spPr>
@@ -6527,7 +5930,9 @@
               <a:r>
                 <a:rPr lang="en-US" sz="1400" b="1" dirty="0" smtClean="0">
                   <a:solidFill>
-                    <a:srgbClr val="00B050"/>
+                    <a:schemeClr val="accent6">
+                      <a:lumMod val="75000"/>
+                    </a:schemeClr>
                   </a:solidFill>
                 </a:rPr>
                 <a:t>client::scripts</a:t>
@@ -6552,7 +5957,9 @@
             <a:grpFill/>
             <a:ln>
               <a:solidFill>
-                <a:srgbClr val="00B050"/>
+                <a:schemeClr val="accent6">
+                  <a:lumMod val="75000"/>
+                </a:schemeClr>
               </a:solidFill>
             </a:ln>
           </p:spPr>
@@ -6579,7 +5986,9 @@
               <a:pPr algn="ctr"/>
               <a:endParaRPr lang="en-SG" sz="1400" b="1">
                 <a:solidFill>
-                  <a:srgbClr val="00B050"/>
+                  <a:schemeClr val="accent6">
+                    <a:lumMod val="75000"/>
+                  </a:schemeClr>
                 </a:solidFill>
               </a:endParaRPr>
             </a:p>
@@ -6590,23 +5999,23 @@
         <p:nvCxnSpPr>
           <p:cNvPr id="162" name="Straight Arrow Connector 161"/>
           <p:cNvCxnSpPr>
-            <a:endCxn id="122" idx="1"/>
+            <a:stCxn id="87" idx="1"/>
           </p:cNvCxnSpPr>
           <p:nvPr/>
         </p:nvCxnSpPr>
         <p:spPr>
-          <a:xfrm flipV="1">
-            <a:off x="2186781" y="4572000"/>
-            <a:ext cx="2362200" cy="877094"/>
+          <a:xfrm rot="10800000">
+            <a:off x="4263259" y="3898040"/>
+            <a:ext cx="1033949" cy="1198780"/>
           </a:xfrm>
-          <a:prstGeom prst="bentConnector3">
-            <a:avLst>
-              <a:gd name="adj1" fmla="val 50000"/>
-            </a:avLst>
+          <a:prstGeom prst="bentConnector2">
+            <a:avLst/>
           </a:prstGeom>
           <a:ln w="38100">
             <a:solidFill>
-              <a:srgbClr val="00B050"/>
+              <a:schemeClr val="accent6">
+                <a:lumMod val="75000"/>
+              </a:schemeClr>
             </a:solidFill>
             <a:prstDash val="sysDot"/>
             <a:headEnd type="none" w="med" len="med"/>
@@ -6636,8 +6045,8 @@
         </p:nvGrpSpPr>
         <p:grpSpPr>
           <a:xfrm>
-            <a:off x="281781" y="5779294"/>
-            <a:ext cx="1905000" cy="381000"/>
+            <a:off x="5297755" y="5442418"/>
+            <a:ext cx="1620000" cy="540000"/>
             <a:chOff x="-533400" y="1371600"/>
             <a:chExt cx="1676400" cy="762000"/>
           </a:xfrm>
@@ -6662,7 +6071,9 @@
             <a:grpFill/>
             <a:ln>
               <a:solidFill>
-                <a:srgbClr val="00B050"/>
+                <a:schemeClr val="accent6">
+                  <a:lumMod val="75000"/>
+                </a:schemeClr>
               </a:solidFill>
             </a:ln>
           </p:spPr>
@@ -6690,7 +6101,9 @@
               <a:r>
                 <a:rPr lang="en-US" sz="1400" b="1" dirty="0" smtClean="0">
                   <a:solidFill>
-                    <a:srgbClr val="00B050"/>
+                    <a:schemeClr val="accent6">
+                      <a:lumMod val="75000"/>
+                    </a:schemeClr>
                   </a:solidFill>
                 </a:rPr>
                 <a:t>client::</a:t>
@@ -6698,14 +6111,18 @@
               <a:r>
                 <a:rPr lang="en-US" sz="1400" b="1" dirty="0" err="1" smtClean="0">
                   <a:solidFill>
-                    <a:srgbClr val="00B050"/>
+                    <a:schemeClr val="accent6">
+                      <a:lumMod val="75000"/>
+                    </a:schemeClr>
                   </a:solidFill>
                 </a:rPr>
                 <a:t>remoteapi</a:t>
               </a:r>
               <a:endParaRPr lang="en-US" sz="1400" b="1" dirty="0" smtClean="0">
                 <a:solidFill>
-                  <a:srgbClr val="00B050"/>
+                  <a:schemeClr val="accent6">
+                    <a:lumMod val="75000"/>
+                  </a:schemeClr>
                 </a:solidFill>
               </a:endParaRPr>
             </a:p>
@@ -6728,7 +6145,9 @@
             <a:grpFill/>
             <a:ln>
               <a:solidFill>
-                <a:srgbClr val="00B050"/>
+                <a:schemeClr val="accent6">
+                  <a:lumMod val="75000"/>
+                </a:schemeClr>
               </a:solidFill>
             </a:ln>
           </p:spPr>
@@ -6755,7 +6174,9 @@
               <a:pPr algn="ctr"/>
               <a:endParaRPr lang="en-SG" sz="1400" b="1">
                 <a:solidFill>
-                  <a:srgbClr val="00B050"/>
+                  <a:schemeClr val="accent6">
+                    <a:lumMod val="75000"/>
+                  </a:schemeClr>
                 </a:solidFill>
               </a:endParaRPr>
             </a:p>
@@ -6767,60 +6188,23 @@
           <p:cNvPr id="172" name="Straight Arrow Connector 161"/>
           <p:cNvCxnSpPr>
             <a:stCxn id="170" idx="3"/>
+            <a:endCxn id="189" idx="1"/>
           </p:cNvCxnSpPr>
           <p:nvPr/>
         </p:nvCxnSpPr>
         <p:spPr>
           <a:xfrm flipV="1">
-            <a:off x="2186781" y="5664994"/>
-            <a:ext cx="5410200" cy="342900"/>
+            <a:off x="6917755" y="4929188"/>
+            <a:ext cx="1072112" cy="837230"/>
           </a:xfrm>
-          <a:prstGeom prst="bentConnector3">
-            <a:avLst>
-              <a:gd name="adj1" fmla="val 100282"/>
-            </a:avLst>
-          </a:prstGeom>
-          <a:ln w="38100">
-            <a:solidFill>
-              <a:srgbClr val="00B050"/>
-            </a:solidFill>
-            <a:prstDash val="sysDot"/>
-            <a:headEnd type="none" w="med" len="med"/>
-            <a:tailEnd type="triangle" w="med" len="med"/>
-          </a:ln>
-        </p:spPr>
-        <p:style>
-          <a:lnRef idx="1">
-            <a:schemeClr val="accent1"/>
-          </a:lnRef>
-          <a:fillRef idx="0">
-            <a:schemeClr val="accent1"/>
-          </a:fillRef>
-          <a:effectRef idx="0">
-            <a:schemeClr val="accent1"/>
-          </a:effectRef>
-          <a:fontRef idx="minor">
-            <a:schemeClr val="tx1"/>
-          </a:fontRef>
-        </p:style>
-      </p:cxnSp>
-      <p:cxnSp>
-        <p:nvCxnSpPr>
-          <p:cNvPr id="176" name="Straight Arrow Connector 161"/>
-          <p:cNvCxnSpPr/>
-          <p:nvPr/>
-        </p:nvCxnSpPr>
-        <p:spPr>
-          <a:xfrm flipV="1">
-            <a:off x="281781" y="940594"/>
-            <a:ext cx="0" cy="4038600"/>
-          </a:xfrm>
-          <a:prstGeom prst="straightConnector1">
+          <a:prstGeom prst="bentConnector2">
             <a:avLst/>
           </a:prstGeom>
           <a:ln w="38100">
             <a:solidFill>
-              <a:srgbClr val="00B050"/>
+              <a:schemeClr val="accent6">
+                <a:lumMod val="75000"/>
+              </a:schemeClr>
             </a:solidFill>
             <a:prstDash val="sysDot"/>
             <a:headEnd type="none" w="med" len="med"/>
@@ -6845,20 +6229,25 @@
       <p:cxnSp>
         <p:nvCxnSpPr>
           <p:cNvPr id="78" name="Straight Arrow Connector 77"/>
-          <p:cNvCxnSpPr/>
+          <p:cNvCxnSpPr>
+            <a:stCxn id="87" idx="2"/>
+            <a:endCxn id="170" idx="0"/>
+          </p:cNvCxnSpPr>
           <p:nvPr/>
         </p:nvCxnSpPr>
         <p:spPr>
           <a:xfrm>
-            <a:off x="967581" y="5629108"/>
-            <a:ext cx="0" cy="224172"/>
+            <a:off x="6107207" y="5312820"/>
+            <a:ext cx="548" cy="237598"/>
           </a:xfrm>
           <a:prstGeom prst="straightConnector1">
             <a:avLst/>
           </a:prstGeom>
           <a:ln w="38100">
             <a:solidFill>
-              <a:srgbClr val="00B050"/>
+              <a:schemeClr val="accent6">
+                <a:lumMod val="75000"/>
+              </a:schemeClr>
             </a:solidFill>
             <a:prstDash val="sysDot"/>
             <a:headEnd type="none" w="med" len="med"/>
@@ -6888,10 +6277,10 @@
         </p:nvGrpSpPr>
         <p:grpSpPr>
           <a:xfrm>
-            <a:off x="662781" y="1778794"/>
-            <a:ext cx="1524000" cy="377284"/>
-            <a:chOff x="-228600" y="1426397"/>
-            <a:chExt cx="1371600" cy="445132"/>
+            <a:off x="434181" y="4772819"/>
+            <a:ext cx="1620000" cy="540001"/>
+            <a:chOff x="-228600" y="1434974"/>
+            <a:chExt cx="1371600" cy="445133"/>
           </a:xfrm>
           <a:solidFill>
             <a:schemeClr val="bg1"/>
@@ -6906,7 +6295,7 @@
           <p:spPr>
             <a:xfrm>
               <a:off x="-228600" y="1524001"/>
-              <a:ext cx="1371600" cy="347528"/>
+              <a:ext cx="1371600" cy="356106"/>
             </a:xfrm>
             <a:prstGeom prst="rect">
               <a:avLst/>
@@ -6979,8 +6368,8 @@
           </p:nvSpPr>
           <p:spPr>
             <a:xfrm>
-              <a:off x="647700" y="1426397"/>
-              <a:ext cx="495300" cy="97603"/>
+              <a:off x="685800" y="1434974"/>
+              <a:ext cx="457200" cy="89026"/>
             </a:xfrm>
             <a:prstGeom prst="rect">
               <a:avLst/>
@@ -7034,10 +6423,10 @@
         </p:nvGrpSpPr>
         <p:grpSpPr>
           <a:xfrm>
-            <a:off x="662781" y="2311884"/>
-            <a:ext cx="1524000" cy="553388"/>
-            <a:chOff x="-228600" y="1426094"/>
-            <a:chExt cx="1371600" cy="540877"/>
+            <a:off x="434181" y="5442418"/>
+            <a:ext cx="1623808" cy="540548"/>
+            <a:chOff x="-228600" y="1415276"/>
+            <a:chExt cx="1374824" cy="541426"/>
           </a:xfrm>
           <a:solidFill>
             <a:schemeClr val="bg1"/>
@@ -7052,7 +6441,7 @@
           <p:spPr>
             <a:xfrm>
               <a:off x="-228600" y="1524000"/>
-              <a:ext cx="1371600" cy="442971"/>
+              <a:ext cx="1371600" cy="432702"/>
             </a:xfrm>
             <a:prstGeom prst="rect">
               <a:avLst/>
@@ -7114,26 +6503,6 @@
                     </a:schemeClr>
                   </a:solidFill>
                 </a:rPr>
-                <a:t>ui</a:t>
-              </a:r>
-              <a:r>
-                <a:rPr lang="en-US" sz="1400" b="1" dirty="0" smtClean="0">
-                  <a:solidFill>
-                    <a:schemeClr val="accent2">
-                      <a:lumMod val="75000"/>
-                    </a:schemeClr>
-                  </a:solidFill>
-                </a:rPr>
-                <a:t>::</a:t>
-              </a:r>
-              <a:r>
-                <a:rPr lang="en-US" sz="1400" b="1" dirty="0" err="1" smtClean="0">
-                  <a:solidFill>
-                    <a:schemeClr val="accent2">
-                      <a:lumMod val="75000"/>
-                    </a:schemeClr>
-                  </a:solidFill>
-                </a:rPr>
                 <a:t>browsertests</a:t>
               </a:r>
               <a:endParaRPr lang="en-SG" sz="1400" b="1" dirty="0">
@@ -7154,144 +6523,8 @@
           </p:nvSpPr>
           <p:spPr>
             <a:xfrm>
-              <a:off x="647700" y="1426094"/>
-              <a:ext cx="495300" cy="97907"/>
-            </a:xfrm>
-            <a:prstGeom prst="rect">
-              <a:avLst/>
-            </a:prstGeom>
-            <a:grpFill/>
-            <a:ln>
-              <a:solidFill>
-                <a:schemeClr val="accent2">
-                  <a:lumMod val="75000"/>
-                </a:schemeClr>
-              </a:solidFill>
-            </a:ln>
-          </p:spPr>
-          <p:style>
-            <a:lnRef idx="2">
-              <a:schemeClr val="accent1">
-                <a:shade val="50000"/>
-              </a:schemeClr>
-            </a:lnRef>
-            <a:fillRef idx="1">
-              <a:schemeClr val="accent1"/>
-            </a:fillRef>
-            <a:effectRef idx="0">
-              <a:schemeClr val="accent1"/>
-            </a:effectRef>
-            <a:fontRef idx="minor">
-              <a:schemeClr val="lt1"/>
-            </a:fontRef>
-          </p:style>
-          <p:txBody>
-            <a:bodyPr rtlCol="0" anchor="ctr"/>
-            <a:lstStyle/>
-            <a:p>
-              <a:pPr algn="ctr"/>
-              <a:endParaRPr lang="en-SG" sz="1400" b="1">
-                <a:solidFill>
-                  <a:schemeClr val="accent2">
-                    <a:lumMod val="75000"/>
-                  </a:schemeClr>
-                </a:solidFill>
-              </a:endParaRPr>
-            </a:p>
-          </p:txBody>
-        </p:sp>
-      </p:grpSp>
-      <p:grpSp>
-        <p:nvGrpSpPr>
-          <p:cNvPr id="163" name="Group 162"/>
-          <p:cNvGrpSpPr/>
-          <p:nvPr/>
-        </p:nvGrpSpPr>
-        <p:grpSpPr>
-          <a:xfrm>
-            <a:off x="891381" y="2975134"/>
-            <a:ext cx="1295399" cy="377284"/>
-            <a:chOff x="-228600" y="1426397"/>
-            <a:chExt cx="1371600" cy="445132"/>
-          </a:xfrm>
-          <a:solidFill>
-            <a:schemeClr val="bg1"/>
-          </a:solidFill>
-        </p:grpSpPr>
-        <p:sp>
-          <p:nvSpPr>
-            <p:cNvPr id="164" name="Rectangle 163"/>
-            <p:cNvSpPr/>
-            <p:nvPr/>
-          </p:nvSpPr>
-          <p:spPr>
-            <a:xfrm>
-              <a:off x="-228600" y="1524001"/>
-              <a:ext cx="1371600" cy="347528"/>
-            </a:xfrm>
-            <a:prstGeom prst="rect">
-              <a:avLst/>
-            </a:prstGeom>
-            <a:grpFill/>
-            <a:ln>
-              <a:solidFill>
-                <a:schemeClr val="accent2">
-                  <a:lumMod val="75000"/>
-                </a:schemeClr>
-              </a:solidFill>
-            </a:ln>
-          </p:spPr>
-          <p:style>
-            <a:lnRef idx="2">
-              <a:schemeClr val="accent1">
-                <a:shade val="50000"/>
-              </a:schemeClr>
-            </a:lnRef>
-            <a:fillRef idx="1">
-              <a:schemeClr val="accent1"/>
-            </a:fillRef>
-            <a:effectRef idx="0">
-              <a:schemeClr val="accent1"/>
-            </a:effectRef>
-            <a:fontRef idx="minor">
-              <a:schemeClr val="lt1"/>
-            </a:fontRef>
-          </p:style>
-          <p:txBody>
-            <a:bodyPr rtlCol="0" anchor="ctr"/>
-            <a:lstStyle/>
-            <a:p>
-              <a:pPr algn="ctr"/>
-              <a:r>
-                <a:rPr lang="en-US" sz="1400" b="1" dirty="0" smtClean="0">
-                  <a:solidFill>
-                    <a:schemeClr val="accent2">
-                      <a:lumMod val="75000"/>
-                    </a:schemeClr>
-                  </a:solidFill>
-                </a:rPr>
-                <a:t>test::cases:: *</a:t>
-              </a:r>
-              <a:endParaRPr lang="en-SG" sz="1400" b="1" dirty="0">
-                <a:solidFill>
-                  <a:schemeClr val="accent2">
-                    <a:lumMod val="75000"/>
-                  </a:schemeClr>
-                </a:solidFill>
-              </a:endParaRPr>
-            </a:p>
-          </p:txBody>
-        </p:sp>
-        <p:sp>
-          <p:nvSpPr>
-            <p:cNvPr id="165" name="Rectangle 164"/>
-            <p:cNvSpPr/>
-            <p:nvPr/>
-          </p:nvSpPr>
-          <p:spPr>
-            <a:xfrm>
-              <a:off x="647700" y="1426397"/>
-              <a:ext cx="495300" cy="97603"/>
+              <a:off x="689024" y="1415276"/>
+              <a:ext cx="457200" cy="108175"/>
             </a:xfrm>
             <a:prstGeom prst="rect">
               <a:avLst/>
@@ -7340,53 +6573,16 @@
       <p:cxnSp>
         <p:nvCxnSpPr>
           <p:cNvPr id="166" name="Straight Arrow Connector 165"/>
-          <p:cNvCxnSpPr/>
+          <p:cNvCxnSpPr>
+            <a:stCxn id="159" idx="0"/>
+            <a:endCxn id="153" idx="2"/>
+          </p:cNvCxnSpPr>
           <p:nvPr/>
         </p:nvCxnSpPr>
         <p:spPr>
           <a:xfrm flipV="1">
-            <a:off x="1272381" y="2156078"/>
-            <a:ext cx="0" cy="255977"/>
-          </a:xfrm>
-          <a:prstGeom prst="straightConnector1">
-            <a:avLst/>
-          </a:prstGeom>
-          <a:ln w="38100">
-            <a:solidFill>
-              <a:schemeClr val="accent2">
-                <a:lumMod val="75000"/>
-              </a:schemeClr>
-            </a:solidFill>
-            <a:prstDash val="sysDot"/>
-            <a:headEnd type="none" w="med" len="med"/>
-            <a:tailEnd type="triangle" w="med" len="med"/>
-          </a:ln>
-        </p:spPr>
-        <p:style>
-          <a:lnRef idx="1">
-            <a:schemeClr val="accent1"/>
-          </a:lnRef>
-          <a:fillRef idx="0">
-            <a:schemeClr val="accent1"/>
-          </a:fillRef>
-          <a:effectRef idx="0">
-            <a:schemeClr val="accent1"/>
-          </a:effectRef>
-          <a:fontRef idx="minor">
-            <a:schemeClr val="tx1"/>
-          </a:fontRef>
-        </p:style>
-      </p:cxnSp>
-      <p:cxnSp>
-        <p:nvCxnSpPr>
-          <p:cNvPr id="167" name="Straight Arrow Connector 166"/>
-          <p:cNvCxnSpPr/>
-          <p:nvPr/>
-        </p:nvCxnSpPr>
-        <p:spPr>
-          <a:xfrm>
-            <a:off x="1196181" y="3362984"/>
-            <a:ext cx="0" cy="224172"/>
+            <a:off x="1244181" y="5312820"/>
+            <a:ext cx="0" cy="238146"/>
           </a:xfrm>
           <a:prstGeom prst="straightConnector1">
             <a:avLst/>
@@ -7420,13 +6616,16 @@
       <p:cxnSp>
         <p:nvCxnSpPr>
           <p:cNvPr id="168" name="Straight Arrow Connector 167"/>
-          <p:cNvCxnSpPr/>
+          <p:cNvCxnSpPr>
+            <a:stCxn id="159" idx="3"/>
+            <a:endCxn id="150" idx="1"/>
+          </p:cNvCxnSpPr>
           <p:nvPr/>
         </p:nvCxnSpPr>
         <p:spPr>
-          <a:xfrm>
-            <a:off x="738981" y="2895600"/>
-            <a:ext cx="0" cy="680990"/>
+          <a:xfrm flipV="1">
+            <a:off x="2054181" y="5766418"/>
+            <a:ext cx="287052" cy="548"/>
           </a:xfrm>
           <a:prstGeom prst="straightConnector1">
             <a:avLst/>
@@ -7465,10 +6664,10 @@
         </p:nvGrpSpPr>
         <p:grpSpPr>
           <a:xfrm>
-            <a:off x="7063581" y="2769394"/>
-            <a:ext cx="1371600" cy="762000"/>
-            <a:chOff x="-228600" y="1371600"/>
-            <a:chExt cx="1371600" cy="762000"/>
+            <a:off x="5291181" y="3360587"/>
+            <a:ext cx="1620000" cy="545001"/>
+            <a:chOff x="-228600" y="1328983"/>
+            <a:chExt cx="1371600" cy="769057"/>
           </a:xfrm>
           <a:solidFill>
             <a:schemeClr val="bg1"/>
@@ -7482,7 +6681,7 @@
           </p:nvSpPr>
           <p:spPr>
             <a:xfrm>
-              <a:off x="-228600" y="1524000"/>
+              <a:off x="-228600" y="1488440"/>
               <a:ext cx="1371600" cy="609600"/>
             </a:xfrm>
             <a:prstGeom prst="rect">
@@ -7491,7 +6690,9 @@
             <a:grpFill/>
             <a:ln>
               <a:solidFill>
-                <a:srgbClr val="00B050"/>
+                <a:schemeClr val="accent3">
+                  <a:lumMod val="75000"/>
+                </a:schemeClr>
               </a:solidFill>
             </a:ln>
           </p:spPr>
@@ -7519,22 +6720,18 @@
               <a:r>
                 <a:rPr lang="en-US" sz="1400" b="1" dirty="0" smtClean="0">
                   <a:solidFill>
-                    <a:srgbClr val="00B050"/>
+                    <a:schemeClr val="accent3">
+                      <a:lumMod val="75000"/>
+                    </a:schemeClr>
                   </a:solidFill>
                 </a:rPr>
-                <a:t>storage</a:t>
-              </a:r>
-              <a:r>
-                <a:rPr lang="en-US" sz="1400" b="1" dirty="0" smtClean="0">
-                  <a:solidFill>
-                    <a:srgbClr val="00B050"/>
-                  </a:solidFill>
-                </a:rPr>
-                <a:t>::search</a:t>
+                <a:t>storage::search</a:t>
               </a:r>
               <a:endParaRPr lang="en-SG" sz="1400" b="1" dirty="0">
                 <a:solidFill>
-                  <a:srgbClr val="00B050"/>
+                  <a:schemeClr val="accent3">
+                    <a:lumMod val="75000"/>
+                  </a:schemeClr>
                 </a:solidFill>
               </a:endParaRPr>
             </a:p>
@@ -7548,8 +6745,8 @@
           </p:nvSpPr>
           <p:spPr>
             <a:xfrm>
-              <a:off x="647700" y="1371600"/>
-              <a:ext cx="495300" cy="152400"/>
+              <a:off x="685800" y="1328983"/>
+              <a:ext cx="457200" cy="152400"/>
             </a:xfrm>
             <a:prstGeom prst="rect">
               <a:avLst/>
@@ -7557,7 +6754,9 @@
             <a:grpFill/>
             <a:ln>
               <a:solidFill>
-                <a:srgbClr val="00B050"/>
+                <a:schemeClr val="accent3">
+                  <a:lumMod val="75000"/>
+                </a:schemeClr>
               </a:solidFill>
             </a:ln>
           </p:spPr>
@@ -7584,7 +6783,9 @@
               <a:pPr algn="ctr"/>
               <a:endParaRPr lang="en-SG" sz="1400" b="1">
                 <a:solidFill>
-                  <a:srgbClr val="00B050"/>
+                  <a:schemeClr val="accent3">
+                    <a:lumMod val="75000"/>
+                  </a:schemeClr>
                 </a:solidFill>
               </a:endParaRPr>
             </a:p>
@@ -7594,20 +6795,25 @@
       <p:cxnSp>
         <p:nvCxnSpPr>
           <p:cNvPr id="175" name="Straight Arrow Connector 174"/>
-          <p:cNvCxnSpPr/>
+          <p:cNvCxnSpPr>
+            <a:stCxn id="104" idx="0"/>
+            <a:endCxn id="101" idx="2"/>
+          </p:cNvCxnSpPr>
           <p:nvPr/>
         </p:nvCxnSpPr>
         <p:spPr>
-          <a:xfrm flipV="1">
-            <a:off x="7596981" y="3528994"/>
-            <a:ext cx="0" cy="432000"/>
+          <a:xfrm flipH="1" flipV="1">
+            <a:off x="6101181" y="2311714"/>
+            <a:ext cx="3287" cy="330274"/>
           </a:xfrm>
           <a:prstGeom prst="straightConnector1">
             <a:avLst/>
           </a:prstGeom>
           <a:ln w="38100">
             <a:solidFill>
-              <a:srgbClr val="00B050"/>
+              <a:schemeClr val="accent3">
+                <a:lumMod val="75000"/>
+              </a:schemeClr>
             </a:solidFill>
             <a:prstDash val="sysDot"/>
             <a:headEnd type="none" w="med" len="med"/>
@@ -7631,16 +6837,16 @@
       </p:cxnSp>
       <p:grpSp>
         <p:nvGrpSpPr>
-          <p:cNvPr id="177" name="Group 176"/>
+          <p:cNvPr id="180" name="Group 179"/>
           <p:cNvGrpSpPr/>
           <p:nvPr/>
         </p:nvGrpSpPr>
         <p:grpSpPr>
           <a:xfrm>
-            <a:off x="4434681" y="1768290"/>
-            <a:ext cx="1752600" cy="530396"/>
-            <a:chOff x="-228600" y="1371600"/>
-            <a:chExt cx="1371600" cy="762000"/>
+            <a:off x="788780" y="1770349"/>
+            <a:ext cx="1620000" cy="538799"/>
+            <a:chOff x="-228600" y="1537552"/>
+            <a:chExt cx="1371600" cy="608246"/>
           </a:xfrm>
           <a:solidFill>
             <a:schemeClr val="bg1"/>
@@ -7648,24 +6854,19 @@
         </p:grpSpPr>
         <p:sp>
           <p:nvSpPr>
-            <p:cNvPr id="178" name="Rectangle 177"/>
+            <p:cNvPr id="181" name="Rectangle 180"/>
             <p:cNvSpPr/>
             <p:nvPr/>
           </p:nvSpPr>
           <p:spPr>
             <a:xfrm>
-              <a:off x="-228600" y="1524000"/>
-              <a:ext cx="1371600" cy="609600"/>
+              <a:off x="-228600" y="1658118"/>
+              <a:ext cx="1371600" cy="487680"/>
             </a:xfrm>
             <a:prstGeom prst="rect">
               <a:avLst/>
             </a:prstGeom>
             <a:grpFill/>
-            <a:ln>
-              <a:solidFill>
-                <a:srgbClr val="7030A0"/>
-              </a:solidFill>
-            </a:ln>
           </p:spPr>
           <p:style>
             <a:lnRef idx="2">
@@ -7689,32 +6890,30 @@
             <a:p>
               <a:pPr algn="ctr"/>
               <a:r>
-                <a:rPr lang="en-US" sz="1400" b="1" dirty="0" smtClean="0">
+                <a:rPr lang="en-US" sz="1400" b="1" dirty="0" err="1" smtClean="0">
                   <a:solidFill>
-                    <a:srgbClr val="7030A0"/>
+                    <a:schemeClr val="accent1">
+                      <a:lumMod val="75000"/>
+                    </a:schemeClr>
                   </a:solidFill>
                 </a:rPr>
-                <a:t>logic</a:t>
+                <a:t>ui</a:t>
               </a:r>
               <a:r>
                 <a:rPr lang="en-US" sz="1400" b="1" dirty="0" smtClean="0">
                   <a:solidFill>
-                    <a:srgbClr val="7030A0"/>
+                    <a:schemeClr val="accent1">
+                      <a:lumMod val="75000"/>
+                    </a:schemeClr>
                   </a:solidFill>
                 </a:rPr>
-                <a:t>::</a:t>
-              </a:r>
-              <a:r>
-                <a:rPr lang="en-US" sz="1400" b="1" dirty="0" err="1" smtClean="0">
-                  <a:solidFill>
-                    <a:srgbClr val="7030A0"/>
-                  </a:solidFill>
-                </a:rPr>
-                <a:t>publicresource</a:t>
+                <a:t>::automated</a:t>
               </a:r>
               <a:endParaRPr lang="en-SG" sz="1400" b="1" dirty="0">
                 <a:solidFill>
-                  <a:srgbClr val="7030A0"/>
+                  <a:schemeClr val="accent1">
+                    <a:lumMod val="75000"/>
+                  </a:schemeClr>
                 </a:solidFill>
               </a:endParaRPr>
             </a:p>
@@ -7722,24 +6921,19 @@
         </p:sp>
         <p:sp>
           <p:nvSpPr>
-            <p:cNvPr id="179" name="Rectangle 178"/>
+            <p:cNvPr id="182" name="Rectangle 181"/>
             <p:cNvSpPr/>
             <p:nvPr/>
           </p:nvSpPr>
           <p:spPr>
             <a:xfrm>
-              <a:off x="647700" y="1371600"/>
-              <a:ext cx="495300" cy="152400"/>
+              <a:off x="685800" y="1537552"/>
+              <a:ext cx="457200" cy="121920"/>
             </a:xfrm>
             <a:prstGeom prst="rect">
               <a:avLst/>
             </a:prstGeom>
             <a:grpFill/>
-            <a:ln>
-              <a:solidFill>
-                <a:srgbClr val="7030A0"/>
-              </a:solidFill>
-            </a:ln>
           </p:spPr>
           <p:style>
             <a:lnRef idx="2">
@@ -7764,13 +6958,489 @@
               <a:pPr algn="ctr"/>
               <a:endParaRPr lang="en-SG" sz="1400" b="1">
                 <a:solidFill>
-                  <a:srgbClr val="7030A0"/>
+                  <a:schemeClr val="accent1">
+                    <a:lumMod val="75000"/>
+                  </a:schemeClr>
                 </a:solidFill>
               </a:endParaRPr>
             </a:p>
           </p:txBody>
         </p:sp>
       </p:grpSp>
+      <p:cxnSp>
+        <p:nvCxnSpPr>
+          <p:cNvPr id="183" name="Elbow Connector 182"/>
+          <p:cNvCxnSpPr>
+            <a:stCxn id="95" idx="3"/>
+            <a:endCxn id="127" idx="1"/>
+          </p:cNvCxnSpPr>
+          <p:nvPr/>
+        </p:nvCxnSpPr>
+        <p:spPr>
+          <a:xfrm flipV="1">
+            <a:off x="2408780" y="2857988"/>
+            <a:ext cx="629401" cy="4453"/>
+          </a:xfrm>
+          <a:prstGeom prst="bentConnector3">
+            <a:avLst>
+              <a:gd name="adj1" fmla="val 50000"/>
+            </a:avLst>
+          </a:prstGeom>
+          <a:ln w="38100">
+            <a:solidFill>
+              <a:schemeClr val="accent1">
+                <a:lumMod val="75000"/>
+              </a:schemeClr>
+            </a:solidFill>
+            <a:prstDash val="sysDot"/>
+            <a:headEnd type="none" w="med" len="med"/>
+            <a:tailEnd type="triangle" w="med" len="med"/>
+          </a:ln>
+        </p:spPr>
+        <p:style>
+          <a:lnRef idx="1">
+            <a:schemeClr val="accent1"/>
+          </a:lnRef>
+          <a:fillRef idx="0">
+            <a:schemeClr val="accent1"/>
+          </a:fillRef>
+          <a:effectRef idx="0">
+            <a:schemeClr val="accent1"/>
+          </a:effectRef>
+          <a:fontRef idx="minor">
+            <a:schemeClr val="tx1"/>
+          </a:fontRef>
+        </p:style>
+      </p:cxnSp>
+      <p:cxnSp>
+        <p:nvCxnSpPr>
+          <p:cNvPr id="184" name="Elbow Connector 183"/>
+          <p:cNvCxnSpPr>
+            <a:stCxn id="181" idx="3"/>
+            <a:endCxn id="127" idx="1"/>
+          </p:cNvCxnSpPr>
+          <p:nvPr/>
+        </p:nvCxnSpPr>
+        <p:spPr>
+          <a:xfrm>
+            <a:off x="2408780" y="2093148"/>
+            <a:ext cx="629401" cy="764840"/>
+          </a:xfrm>
+          <a:prstGeom prst="bentConnector3">
+            <a:avLst>
+              <a:gd name="adj1" fmla="val 50000"/>
+            </a:avLst>
+          </a:prstGeom>
+          <a:ln w="38100">
+            <a:solidFill>
+              <a:schemeClr val="accent1">
+                <a:lumMod val="75000"/>
+              </a:schemeClr>
+            </a:solidFill>
+            <a:prstDash val="sysDot"/>
+            <a:headEnd type="none" w="med" len="med"/>
+            <a:tailEnd type="triangle" w="med" len="med"/>
+          </a:ln>
+        </p:spPr>
+        <p:style>
+          <a:lnRef idx="1">
+            <a:schemeClr val="accent1"/>
+          </a:lnRef>
+          <a:fillRef idx="0">
+            <a:schemeClr val="accent1"/>
+          </a:fillRef>
+          <a:effectRef idx="0">
+            <a:schemeClr val="accent1"/>
+          </a:effectRef>
+          <a:fontRef idx="minor">
+            <a:schemeClr val="tx1"/>
+          </a:fontRef>
+        </p:style>
+      </p:cxnSp>
+      <p:cxnSp>
+        <p:nvCxnSpPr>
+          <p:cNvPr id="185" name="Elbow Connector 184"/>
+          <p:cNvCxnSpPr>
+            <a:stCxn id="98" idx="3"/>
+            <a:endCxn id="104" idx="1"/>
+          </p:cNvCxnSpPr>
+          <p:nvPr/>
+        </p:nvCxnSpPr>
+        <p:spPr>
+          <a:xfrm>
+            <a:off x="4651581" y="2095988"/>
+            <a:ext cx="646174" cy="762000"/>
+          </a:xfrm>
+          <a:prstGeom prst="bentConnector3">
+            <a:avLst>
+              <a:gd name="adj1" fmla="val 50000"/>
+            </a:avLst>
+          </a:prstGeom>
+          <a:ln w="38100">
+            <a:solidFill>
+              <a:schemeClr val="accent4">
+                <a:lumMod val="75000"/>
+              </a:schemeClr>
+            </a:solidFill>
+            <a:prstDash val="sysDot"/>
+            <a:headEnd type="none" w="med" len="med"/>
+            <a:tailEnd type="triangle" w="med" len="med"/>
+          </a:ln>
+        </p:spPr>
+        <p:style>
+          <a:lnRef idx="1">
+            <a:schemeClr val="accent1"/>
+          </a:lnRef>
+          <a:fillRef idx="0">
+            <a:schemeClr val="accent1"/>
+          </a:fillRef>
+          <a:effectRef idx="0">
+            <a:schemeClr val="accent1"/>
+          </a:effectRef>
+          <a:fontRef idx="minor">
+            <a:schemeClr val="tx1"/>
+          </a:fontRef>
+        </p:style>
+      </p:cxnSp>
+      <p:cxnSp>
+        <p:nvCxnSpPr>
+          <p:cNvPr id="186" name="Elbow Connector 185"/>
+          <p:cNvCxnSpPr>
+            <a:stCxn id="122" idx="3"/>
+            <a:endCxn id="104" idx="1"/>
+          </p:cNvCxnSpPr>
+          <p:nvPr/>
+        </p:nvCxnSpPr>
+        <p:spPr>
+          <a:xfrm flipV="1">
+            <a:off x="4658181" y="2857988"/>
+            <a:ext cx="639574" cy="824052"/>
+          </a:xfrm>
+          <a:prstGeom prst="bentConnector3">
+            <a:avLst>
+              <a:gd name="adj1" fmla="val 50000"/>
+            </a:avLst>
+          </a:prstGeom>
+          <a:ln w="38100">
+            <a:solidFill>
+              <a:schemeClr val="accent4">
+                <a:lumMod val="75000"/>
+              </a:schemeClr>
+            </a:solidFill>
+            <a:prstDash val="sysDot"/>
+            <a:headEnd type="none" w="med" len="med"/>
+            <a:tailEnd type="triangle" w="med" len="med"/>
+          </a:ln>
+        </p:spPr>
+        <p:style>
+          <a:lnRef idx="1">
+            <a:schemeClr val="accent1"/>
+          </a:lnRef>
+          <a:fillRef idx="0">
+            <a:schemeClr val="accent1"/>
+          </a:fillRef>
+          <a:effectRef idx="0">
+            <a:schemeClr val="accent1"/>
+          </a:effectRef>
+          <a:fontRef idx="minor">
+            <a:schemeClr val="tx1"/>
+          </a:fontRef>
+        </p:style>
+      </p:cxnSp>
+      <p:cxnSp>
+        <p:nvCxnSpPr>
+          <p:cNvPr id="187" name="Straight Arrow Connector 186"/>
+          <p:cNvCxnSpPr>
+            <a:stCxn id="104" idx="2"/>
+            <a:endCxn id="173" idx="0"/>
+          </p:cNvCxnSpPr>
+          <p:nvPr/>
+        </p:nvCxnSpPr>
+        <p:spPr>
+          <a:xfrm flipH="1">
+            <a:off x="6101181" y="3073988"/>
+            <a:ext cx="3287" cy="399600"/>
+          </a:xfrm>
+          <a:prstGeom prst="straightConnector1">
+            <a:avLst/>
+          </a:prstGeom>
+          <a:ln w="38100">
+            <a:solidFill>
+              <a:schemeClr val="accent3">
+                <a:lumMod val="75000"/>
+              </a:schemeClr>
+            </a:solidFill>
+            <a:prstDash val="sysDot"/>
+            <a:headEnd type="triangle" w="med" len="med"/>
+            <a:tailEnd type="triangle" w="med" len="med"/>
+          </a:ln>
+        </p:spPr>
+        <p:style>
+          <a:lnRef idx="1">
+            <a:schemeClr val="accent1"/>
+          </a:lnRef>
+          <a:fillRef idx="0">
+            <a:schemeClr val="accent1"/>
+          </a:fillRef>
+          <a:effectRef idx="0">
+            <a:schemeClr val="accent1"/>
+          </a:effectRef>
+          <a:fontRef idx="minor">
+            <a:schemeClr val="tx1"/>
+          </a:fontRef>
+        </p:style>
+      </p:cxnSp>
+      <p:cxnSp>
+        <p:nvCxnSpPr>
+          <p:cNvPr id="188" name="Elbow Connector 187"/>
+          <p:cNvCxnSpPr>
+            <a:stCxn id="157" idx="3"/>
+            <a:endCxn id="101" idx="3"/>
+          </p:cNvCxnSpPr>
+          <p:nvPr/>
+        </p:nvCxnSpPr>
+        <p:spPr>
+          <a:xfrm flipH="1">
+            <a:off x="6911180" y="695888"/>
+            <a:ext cx="837003" cy="1399826"/>
+          </a:xfrm>
+          <a:prstGeom prst="bentConnector3">
+            <a:avLst>
+              <a:gd name="adj1" fmla="val -27312"/>
+            </a:avLst>
+          </a:prstGeom>
+          <a:ln w="38100">
+            <a:solidFill>
+              <a:schemeClr val="accent5">
+                <a:lumMod val="75000"/>
+              </a:schemeClr>
+            </a:solidFill>
+            <a:prstDash val="sysDot"/>
+            <a:headEnd type="none" w="med" len="med"/>
+            <a:tailEnd type="triangle" w="med" len="med"/>
+          </a:ln>
+        </p:spPr>
+        <p:style>
+          <a:lnRef idx="1">
+            <a:schemeClr val="accent1"/>
+          </a:lnRef>
+          <a:fillRef idx="0">
+            <a:schemeClr val="accent1"/>
+          </a:fillRef>
+          <a:effectRef idx="0">
+            <a:schemeClr val="accent1"/>
+          </a:effectRef>
+          <a:fontRef idx="minor">
+            <a:schemeClr val="tx1"/>
+          </a:fontRef>
+        </p:style>
+      </p:cxnSp>
+      <p:sp>
+        <p:nvSpPr>
+          <p:cNvPr id="189" name="Flowchart: Direct Access Storage 188"/>
+          <p:cNvSpPr/>
+          <p:nvPr/>
+        </p:nvSpPr>
+        <p:spPr>
+          <a:xfrm rot="16200000">
+            <a:off x="7304066" y="3735580"/>
+            <a:ext cx="1371600" cy="1015615"/>
+          </a:xfrm>
+          <a:prstGeom prst="flowChartMagneticDrum">
+            <a:avLst/>
+          </a:prstGeom>
+          <a:solidFill>
+            <a:schemeClr val="bg1">
+              <a:lumMod val="75000"/>
+            </a:schemeClr>
+          </a:solidFill>
+          <a:ln>
+            <a:solidFill>
+              <a:schemeClr val="bg1">
+                <a:lumMod val="65000"/>
+              </a:schemeClr>
+            </a:solidFill>
+          </a:ln>
+        </p:spPr>
+        <p:style>
+          <a:lnRef idx="2">
+            <a:schemeClr val="accent6">
+              <a:shade val="50000"/>
+            </a:schemeClr>
+          </a:lnRef>
+          <a:fillRef idx="1">
+            <a:schemeClr val="accent6"/>
+          </a:fillRef>
+          <a:effectRef idx="0">
+            <a:schemeClr val="accent6"/>
+          </a:effectRef>
+          <a:fontRef idx="minor">
+            <a:schemeClr val="lt1"/>
+          </a:fontRef>
+        </p:style>
+        <p:txBody>
+          <a:bodyPr rot="0" spcFirstLastPara="0" vertOverflow="overflow" horzOverflow="overflow" vert="vert" wrap="square" lIns="91440" tIns="45720" rIns="91440" bIns="45720" numCol="1" spcCol="0" rtlCol="0" fromWordArt="0" anchor="ctr" anchorCtr="0" forceAA="0" compatLnSpc="1">
+            <a:prstTxWarp prst="textNoShape">
+              <a:avLst/>
+            </a:prstTxWarp>
+            <a:noAutofit/>
+          </a:bodyPr>
+          <a:lstStyle/>
+          <a:p>
+            <a:pPr algn="ctr"/>
+            <a:r>
+              <a:rPr lang="en-US" sz="1600" b="1" dirty="0">
+                <a:solidFill>
+                  <a:schemeClr val="bg1"/>
+                </a:solidFill>
+              </a:rPr>
+              <a:t>GAE </a:t>
+            </a:r>
+            <a:r>
+              <a:rPr lang="en-US" sz="1600" b="1" dirty="0" err="1">
+                <a:solidFill>
+                  <a:schemeClr val="bg1"/>
+                </a:solidFill>
+              </a:rPr>
+              <a:t>Datastore</a:t>
+            </a:r>
+            <a:endParaRPr lang="en-SG" sz="1600" b="1" dirty="0">
+              <a:solidFill>
+                <a:schemeClr val="bg1"/>
+              </a:solidFill>
+            </a:endParaRPr>
+          </a:p>
+        </p:txBody>
+      </p:sp>
+      <p:cxnSp>
+        <p:nvCxnSpPr>
+          <p:cNvPr id="190" name="Straight Arrow Connector 161"/>
+          <p:cNvCxnSpPr>
+            <a:stCxn id="104" idx="3"/>
+            <a:endCxn id="189" idx="4"/>
+          </p:cNvCxnSpPr>
+          <p:nvPr/>
+        </p:nvCxnSpPr>
+        <p:spPr>
+          <a:xfrm>
+            <a:off x="6911181" y="2857988"/>
+            <a:ext cx="1078686" cy="699600"/>
+          </a:xfrm>
+          <a:prstGeom prst="bentConnector2">
+            <a:avLst/>
+          </a:prstGeom>
+          <a:ln w="38100">
+            <a:solidFill>
+              <a:schemeClr val="accent3">
+                <a:lumMod val="75000"/>
+              </a:schemeClr>
+            </a:solidFill>
+            <a:prstDash val="sysDot"/>
+            <a:headEnd type="none" w="med" len="med"/>
+            <a:tailEnd type="triangle" w="med" len="med"/>
+          </a:ln>
+        </p:spPr>
+        <p:style>
+          <a:lnRef idx="1">
+            <a:schemeClr val="accent1"/>
+          </a:lnRef>
+          <a:fillRef idx="0">
+            <a:schemeClr val="accent1"/>
+          </a:fillRef>
+          <a:effectRef idx="0">
+            <a:schemeClr val="accent1"/>
+          </a:effectRef>
+          <a:fontRef idx="minor">
+            <a:schemeClr val="tx1"/>
+          </a:fontRef>
+        </p:style>
+      </p:cxnSp>
+      <p:cxnSp>
+        <p:nvCxnSpPr>
+          <p:cNvPr id="195" name="Straight Arrow Connector 161"/>
+          <p:cNvCxnSpPr>
+            <a:stCxn id="85" idx="3"/>
+          </p:cNvCxnSpPr>
+          <p:nvPr/>
+        </p:nvCxnSpPr>
+        <p:spPr>
+          <a:xfrm flipV="1">
+            <a:off x="7038824" y="1012522"/>
+            <a:ext cx="261179" cy="4229266"/>
+          </a:xfrm>
+          <a:prstGeom prst="bentConnector2">
+            <a:avLst/>
+          </a:prstGeom>
+          <a:ln w="38100">
+            <a:solidFill>
+              <a:schemeClr val="accent6">
+                <a:lumMod val="75000"/>
+              </a:schemeClr>
+            </a:solidFill>
+            <a:prstDash val="sysDot"/>
+            <a:headEnd type="none" w="med" len="med"/>
+            <a:tailEnd type="triangle" w="med" len="med"/>
+          </a:ln>
+        </p:spPr>
+        <p:style>
+          <a:lnRef idx="1">
+            <a:schemeClr val="accent1"/>
+          </a:lnRef>
+          <a:fillRef idx="0">
+            <a:schemeClr val="accent1"/>
+          </a:fillRef>
+          <a:effectRef idx="0">
+            <a:schemeClr val="accent1"/>
+          </a:effectRef>
+          <a:fontRef idx="minor">
+            <a:schemeClr val="tx1"/>
+          </a:fontRef>
+        </p:style>
+      </p:cxnSp>
+      <p:cxnSp>
+        <p:nvCxnSpPr>
+          <p:cNvPr id="201" name="Straight Arrow Connector 161"/>
+          <p:cNvCxnSpPr>
+            <a:endCxn id="122" idx="2"/>
+          </p:cNvCxnSpPr>
+          <p:nvPr/>
+        </p:nvCxnSpPr>
+        <p:spPr>
+          <a:xfrm rot="5400000" flipH="1" flipV="1">
+            <a:off x="3605657" y="4153264"/>
+            <a:ext cx="497748" cy="0"/>
+          </a:xfrm>
+          <a:prstGeom prst="bentConnector3">
+            <a:avLst>
+              <a:gd name="adj1" fmla="val 50000"/>
+            </a:avLst>
+          </a:prstGeom>
+          <a:ln w="38100">
+            <a:solidFill>
+              <a:schemeClr val="accent2">
+                <a:lumMod val="75000"/>
+              </a:schemeClr>
+            </a:solidFill>
+            <a:prstDash val="sysDot"/>
+            <a:headEnd type="none" w="med" len="med"/>
+            <a:tailEnd type="triangle" w="med" len="med"/>
+          </a:ln>
+        </p:spPr>
+        <p:style>
+          <a:lnRef idx="1">
+            <a:schemeClr val="accent1"/>
+          </a:lnRef>
+          <a:fillRef idx="0">
+            <a:schemeClr val="accent1"/>
+          </a:fillRef>
+          <a:effectRef idx="0">
+            <a:schemeClr val="accent1"/>
+          </a:effectRef>
+          <a:fontRef idx="minor">
+            <a:schemeClr val="tx1"/>
+          </a:fontRef>
+        </p:style>
+      </p:cxnSp>
     </p:spTree>
     <p:extLst>
       <p:ext uri="{BB962C8B-B14F-4D97-AF65-F5344CB8AC3E}">

--- a/docs/images/packageDiagram.pptx
+++ b/docs/images/packageDiagram.pptx
@@ -212,7 +212,7 @@
             <a:fld id="{5D8FA8FF-20DC-44E5-8C35-13EAF0A5698C}" type="datetimeFigureOut">
               <a:rPr lang="en-SG" smtClean="0"/>
               <a:pPr/>
-              <a:t>30/1/2017</a:t>
+              <a:t>27/9/2018</a:t>
             </a:fld>
             <a:endParaRPr lang="en-SG"/>
           </a:p>
@@ -753,7 +753,7 @@
             <a:fld id="{1D8BD707-D9CF-40AE-B4C6-C98DA3205C09}" type="datetimeFigureOut">
               <a:rPr lang="en-US" smtClean="0"/>
               <a:pPr/>
-              <a:t>1/30/2017</a:t>
+              <a:t>9/27/2018</a:t>
             </a:fld>
             <a:endParaRPr lang="en-US"/>
           </a:p>
@@ -920,7 +920,7 @@
             <a:fld id="{1D8BD707-D9CF-40AE-B4C6-C98DA3205C09}" type="datetimeFigureOut">
               <a:rPr lang="en-US" smtClean="0"/>
               <a:pPr/>
-              <a:t>1/30/2017</a:t>
+              <a:t>9/27/2018</a:t>
             </a:fld>
             <a:endParaRPr lang="en-US"/>
           </a:p>
@@ -1097,7 +1097,7 @@
             <a:fld id="{1D8BD707-D9CF-40AE-B4C6-C98DA3205C09}" type="datetimeFigureOut">
               <a:rPr lang="en-US" smtClean="0"/>
               <a:pPr/>
-              <a:t>1/30/2017</a:t>
+              <a:t>9/27/2018</a:t>
             </a:fld>
             <a:endParaRPr lang="en-US"/>
           </a:p>
@@ -1264,7 +1264,7 @@
             <a:fld id="{1D8BD707-D9CF-40AE-B4C6-C98DA3205C09}" type="datetimeFigureOut">
               <a:rPr lang="en-US" smtClean="0"/>
               <a:pPr/>
-              <a:t>1/30/2017</a:t>
+              <a:t>9/27/2018</a:t>
             </a:fld>
             <a:endParaRPr lang="en-US"/>
           </a:p>
@@ -1507,7 +1507,7 @@
             <a:fld id="{1D8BD707-D9CF-40AE-B4C6-C98DA3205C09}" type="datetimeFigureOut">
               <a:rPr lang="en-US" smtClean="0"/>
               <a:pPr/>
-              <a:t>1/30/2017</a:t>
+              <a:t>9/27/2018</a:t>
             </a:fld>
             <a:endParaRPr lang="en-US"/>
           </a:p>
@@ -1792,7 +1792,7 @@
             <a:fld id="{1D8BD707-D9CF-40AE-B4C6-C98DA3205C09}" type="datetimeFigureOut">
               <a:rPr lang="en-US" smtClean="0"/>
               <a:pPr/>
-              <a:t>1/30/2017</a:t>
+              <a:t>9/27/2018</a:t>
             </a:fld>
             <a:endParaRPr lang="en-US"/>
           </a:p>
@@ -2211,7 +2211,7 @@
             <a:fld id="{1D8BD707-D9CF-40AE-B4C6-C98DA3205C09}" type="datetimeFigureOut">
               <a:rPr lang="en-US" smtClean="0"/>
               <a:pPr/>
-              <a:t>1/30/2017</a:t>
+              <a:t>9/27/2018</a:t>
             </a:fld>
             <a:endParaRPr lang="en-US"/>
           </a:p>
@@ -2326,7 +2326,7 @@
             <a:fld id="{1D8BD707-D9CF-40AE-B4C6-C98DA3205C09}" type="datetimeFigureOut">
               <a:rPr lang="en-US" smtClean="0"/>
               <a:pPr/>
-              <a:t>1/30/2017</a:t>
+              <a:t>9/27/2018</a:t>
             </a:fld>
             <a:endParaRPr lang="en-US"/>
           </a:p>
@@ -2418,7 +2418,7 @@
             <a:fld id="{1D8BD707-D9CF-40AE-B4C6-C98DA3205C09}" type="datetimeFigureOut">
               <a:rPr lang="en-US" smtClean="0"/>
               <a:pPr/>
-              <a:t>1/30/2017</a:t>
+              <a:t>9/27/2018</a:t>
             </a:fld>
             <a:endParaRPr lang="en-US"/>
           </a:p>
@@ -2692,7 +2692,7 @@
             <a:fld id="{1D8BD707-D9CF-40AE-B4C6-C98DA3205C09}" type="datetimeFigureOut">
               <a:rPr lang="en-US" smtClean="0"/>
               <a:pPr/>
-              <a:t>1/30/2017</a:t>
+              <a:t>9/27/2018</a:t>
             </a:fld>
             <a:endParaRPr lang="en-US"/>
           </a:p>
@@ -2942,7 +2942,7 @@
             <a:fld id="{1D8BD707-D9CF-40AE-B4C6-C98DA3205C09}" type="datetimeFigureOut">
               <a:rPr lang="en-US" smtClean="0"/>
               <a:pPr/>
-              <a:t>1/30/2017</a:t>
+              <a:t>9/27/2018</a:t>
             </a:fld>
             <a:endParaRPr lang="en-US"/>
           </a:p>
@@ -3152,7 +3152,7 @@
             <a:fld id="{1D8BD707-D9CF-40AE-B4C6-C98DA3205C09}" type="datetimeFigureOut">
               <a:rPr lang="en-US" smtClean="0"/>
               <a:pPr/>
-              <a:t>1/30/2017</a:t>
+              <a:t>9/27/2018</a:t>
             </a:fld>
             <a:endParaRPr lang="en-US"/>
           </a:p>
@@ -3531,8 +3531,8 @@
         </p:nvSpPr>
         <p:spPr>
           <a:xfrm>
-            <a:off x="205582" y="4395788"/>
-            <a:ext cx="3942156" cy="1692000"/>
+            <a:off x="662780" y="4395788"/>
+            <a:ext cx="1872000" cy="1692000"/>
           </a:xfrm>
           <a:prstGeom prst="roundRect">
             <a:avLst>
@@ -3591,7 +3591,7 @@
         <p:spPr>
           <a:xfrm>
             <a:off x="2905581" y="1390988"/>
-            <a:ext cx="1872000" cy="2700000"/>
+            <a:ext cx="1872000" cy="1946312"/>
           </a:xfrm>
           <a:prstGeom prst="roundRect">
             <a:avLst>
@@ -4379,7 +4379,7 @@
         </p:nvGrpSpPr>
         <p:grpSpPr>
           <a:xfrm>
-            <a:off x="2343700" y="4774586"/>
+            <a:off x="806942" y="4774586"/>
             <a:ext cx="1620710" cy="540000"/>
             <a:chOff x="-228600" y="1447249"/>
             <a:chExt cx="1372200" cy="430139"/>
@@ -4440,7 +4440,7 @@
                     </a:schemeClr>
                   </a:solidFill>
                 </a:rPr>
-                <a:t>test::driver</a:t>
+                <a:t>test::cases</a:t>
               </a:r>
               <a:endParaRPr lang="en-SG" sz="1400" b="1" dirty="0">
                 <a:solidFill>
@@ -4704,7 +4704,7 @@
           <p:nvPr/>
         </p:nvCxnSpPr>
         <p:spPr>
-          <a:xfrm flipH="1">
+          <a:xfrm>
             <a:off x="3841581" y="1012522"/>
             <a:ext cx="0" cy="378466"/>
           </a:xfrm>
@@ -4714,46 +4714,6 @@
           <a:ln w="38100">
             <a:solidFill>
               <a:schemeClr val="accent4">
-                <a:lumMod val="75000"/>
-              </a:schemeClr>
-            </a:solidFill>
-            <a:prstDash val="sysDot"/>
-            <a:headEnd type="triangle" w="med" len="med"/>
-            <a:tailEnd type="none" w="med" len="med"/>
-          </a:ln>
-        </p:spPr>
-        <p:style>
-          <a:lnRef idx="1">
-            <a:schemeClr val="accent1"/>
-          </a:lnRef>
-          <a:fillRef idx="0">
-            <a:schemeClr val="accent1"/>
-          </a:fillRef>
-          <a:effectRef idx="0">
-            <a:schemeClr val="accent1"/>
-          </a:effectRef>
-          <a:fontRef idx="minor">
-            <a:schemeClr val="tx1"/>
-          </a:fontRef>
-        </p:style>
-      </p:cxnSp>
-      <p:cxnSp>
-        <p:nvCxnSpPr>
-          <p:cNvPr id="118" name="Straight Arrow Connector 117"/>
-          <p:cNvCxnSpPr/>
-          <p:nvPr/>
-        </p:nvCxnSpPr>
-        <p:spPr>
-          <a:xfrm>
-            <a:off x="434181" y="1012522"/>
-            <a:ext cx="0" cy="3383266"/>
-          </a:xfrm>
-          <a:prstGeom prst="straightConnector1">
-            <a:avLst/>
-          </a:prstGeom>
-          <a:ln w="38100">
-            <a:solidFill>
-              <a:schemeClr val="accent2">
                 <a:lumMod val="75000"/>
               </a:schemeClr>
             </a:solidFill>
@@ -4824,15 +4784,15 @@
         <p:nvCxnSpPr>
           <p:cNvPr id="120" name="Straight Arrow Connector 119"/>
           <p:cNvCxnSpPr>
-            <a:stCxn id="150" idx="2"/>
-            <a:endCxn id="107" idx="2"/>
+            <a:stCxn id="107" idx="2"/>
+            <a:endCxn id="150" idx="0"/>
           </p:cNvCxnSpPr>
           <p:nvPr/>
         </p:nvCxnSpPr>
         <p:spPr>
-          <a:xfrm flipV="1">
-            <a:off x="3151233" y="5314586"/>
-            <a:ext cx="2468" cy="667832"/>
+          <a:xfrm flipH="1">
+            <a:off x="1614475" y="5314586"/>
+            <a:ext cx="2468" cy="235835"/>
           </a:xfrm>
           <a:prstGeom prst="straightConnector1">
             <a:avLst/>
@@ -4846,179 +4806,6 @@
             <a:prstDash val="sysDot"/>
             <a:headEnd type="none" w="med" len="med"/>
             <a:tailEnd type="triangle" w="med" len="med"/>
-          </a:ln>
-        </p:spPr>
-        <p:style>
-          <a:lnRef idx="1">
-            <a:schemeClr val="accent1"/>
-          </a:lnRef>
-          <a:fillRef idx="0">
-            <a:schemeClr val="accent1"/>
-          </a:fillRef>
-          <a:effectRef idx="0">
-            <a:schemeClr val="accent1"/>
-          </a:effectRef>
-          <a:fontRef idx="minor">
-            <a:schemeClr val="tx1"/>
-          </a:fontRef>
-        </p:style>
-      </p:cxnSp>
-      <p:grpSp>
-        <p:nvGrpSpPr>
-          <p:cNvPr id="121" name="Group 120"/>
-          <p:cNvGrpSpPr/>
-          <p:nvPr/>
-        </p:nvGrpSpPr>
-        <p:grpSpPr>
-          <a:xfrm>
-            <a:off x="3038181" y="3358040"/>
-            <a:ext cx="1620000" cy="540000"/>
-            <a:chOff x="-245364" y="1371600"/>
-            <a:chExt cx="1371600" cy="762000"/>
-          </a:xfrm>
-          <a:solidFill>
-            <a:schemeClr val="bg1"/>
-          </a:solidFill>
-        </p:grpSpPr>
-        <p:sp>
-          <p:nvSpPr>
-            <p:cNvPr id="122" name="Rectangle 121"/>
-            <p:cNvSpPr/>
-            <p:nvPr/>
-          </p:nvSpPr>
-          <p:spPr>
-            <a:xfrm>
-              <a:off x="-245364" y="1524000"/>
-              <a:ext cx="1371600" cy="609600"/>
-            </a:xfrm>
-            <a:prstGeom prst="rect">
-              <a:avLst/>
-            </a:prstGeom>
-            <a:grpFill/>
-            <a:ln>
-              <a:solidFill>
-                <a:schemeClr val="accent4">
-                  <a:lumMod val="75000"/>
-                </a:schemeClr>
-              </a:solidFill>
-            </a:ln>
-          </p:spPr>
-          <p:style>
-            <a:lnRef idx="2">
-              <a:schemeClr val="accent1">
-                <a:shade val="50000"/>
-              </a:schemeClr>
-            </a:lnRef>
-            <a:fillRef idx="1">
-              <a:schemeClr val="accent1"/>
-            </a:fillRef>
-            <a:effectRef idx="0">
-              <a:schemeClr val="accent1"/>
-            </a:effectRef>
-            <a:fontRef idx="minor">
-              <a:schemeClr val="lt1"/>
-            </a:fontRef>
-          </p:style>
-          <p:txBody>
-            <a:bodyPr rtlCol="0" anchor="ctr"/>
-            <a:lstStyle/>
-            <a:p>
-              <a:pPr algn="ctr"/>
-              <a:r>
-                <a:rPr lang="en-US" sz="1400" b="1" dirty="0" smtClean="0">
-                  <a:solidFill>
-                    <a:srgbClr val="7030A0"/>
-                  </a:solidFill>
-                </a:rPr>
-                <a:t>logic::backdoor</a:t>
-              </a:r>
-              <a:endParaRPr lang="en-SG" sz="1400" b="1" dirty="0">
-                <a:solidFill>
-                  <a:srgbClr val="7030A0"/>
-                </a:solidFill>
-              </a:endParaRPr>
-            </a:p>
-          </p:txBody>
-        </p:sp>
-        <p:sp>
-          <p:nvSpPr>
-            <p:cNvPr id="123" name="Rectangle 122"/>
-            <p:cNvSpPr/>
-            <p:nvPr/>
-          </p:nvSpPr>
-          <p:spPr>
-            <a:xfrm>
-              <a:off x="669036" y="1371600"/>
-              <a:ext cx="457200" cy="152400"/>
-            </a:xfrm>
-            <a:prstGeom prst="rect">
-              <a:avLst/>
-            </a:prstGeom>
-            <a:grpFill/>
-            <a:ln>
-              <a:solidFill>
-                <a:schemeClr val="accent4">
-                  <a:lumMod val="75000"/>
-                </a:schemeClr>
-              </a:solidFill>
-            </a:ln>
-          </p:spPr>
-          <p:style>
-            <a:lnRef idx="2">
-              <a:schemeClr val="accent1">
-                <a:shade val="50000"/>
-              </a:schemeClr>
-            </a:lnRef>
-            <a:fillRef idx="1">
-              <a:schemeClr val="accent1"/>
-            </a:fillRef>
-            <a:effectRef idx="0">
-              <a:schemeClr val="accent1"/>
-            </a:effectRef>
-            <a:fontRef idx="minor">
-              <a:schemeClr val="lt1"/>
-            </a:fontRef>
-          </p:style>
-          <p:txBody>
-            <a:bodyPr rtlCol="0" anchor="ctr"/>
-            <a:lstStyle/>
-            <a:p>
-              <a:pPr algn="ctr"/>
-              <a:endParaRPr lang="en-SG" sz="1400" b="1">
-                <a:solidFill>
-                  <a:srgbClr val="7030A0"/>
-                </a:solidFill>
-              </a:endParaRPr>
-            </a:p>
-          </p:txBody>
-        </p:sp>
-      </p:grpSp>
-      <p:cxnSp>
-        <p:nvCxnSpPr>
-          <p:cNvPr id="124" name="Straight Arrow Connector 123"/>
-          <p:cNvCxnSpPr>
-            <a:stCxn id="127" idx="2"/>
-            <a:endCxn id="122" idx="0"/>
-          </p:cNvCxnSpPr>
-          <p:nvPr/>
-        </p:nvCxnSpPr>
-        <p:spPr>
-          <a:xfrm>
-            <a:off x="3848181" y="3073988"/>
-            <a:ext cx="0" cy="392052"/>
-          </a:xfrm>
-          <a:prstGeom prst="straightConnector1">
-            <a:avLst/>
-          </a:prstGeom>
-          <a:ln w="38100">
-            <a:solidFill>
-              <a:schemeClr val="accent4">
-                <a:lumMod val="75000"/>
-              </a:schemeClr>
-            </a:solidFill>
-            <a:prstDash val="sysDot"/>
-            <a:headEnd type="triangle" w="med" len="med"/>
-            <a:tailEnd type="none" w="med" len="med"/>
           </a:ln>
         </p:spPr>
         <p:style>
@@ -5353,188 +5140,13 @@
       </p:grpSp>
       <p:grpSp>
         <p:nvGrpSpPr>
-          <p:cNvPr id="142" name="Group 141"/>
-          <p:cNvGrpSpPr/>
-          <p:nvPr/>
-        </p:nvGrpSpPr>
-        <p:grpSpPr>
-          <a:xfrm>
-            <a:off x="791343" y="3354520"/>
-            <a:ext cx="1620000" cy="550098"/>
-            <a:chOff x="-505326" y="1358636"/>
-            <a:chExt cx="1648326" cy="620999"/>
-          </a:xfrm>
-          <a:solidFill>
-            <a:schemeClr val="bg1"/>
-          </a:solidFill>
-        </p:grpSpPr>
-        <p:sp>
-          <p:nvSpPr>
-            <p:cNvPr id="143" name="Rectangle 142"/>
-            <p:cNvSpPr/>
-            <p:nvPr/>
-          </p:nvSpPr>
-          <p:spPr>
-            <a:xfrm>
-              <a:off x="-505326" y="1491955"/>
-              <a:ext cx="1648326" cy="487680"/>
-            </a:xfrm>
-            <a:prstGeom prst="rect">
-              <a:avLst/>
-            </a:prstGeom>
-            <a:grpFill/>
-          </p:spPr>
-          <p:style>
-            <a:lnRef idx="2">
-              <a:schemeClr val="accent1">
-                <a:shade val="50000"/>
-              </a:schemeClr>
-            </a:lnRef>
-            <a:fillRef idx="1">
-              <a:schemeClr val="accent1"/>
-            </a:fillRef>
-            <a:effectRef idx="0">
-              <a:schemeClr val="accent1"/>
-            </a:effectRef>
-            <a:fontRef idx="minor">
-              <a:schemeClr val="lt1"/>
-            </a:fontRef>
-          </p:style>
-          <p:txBody>
-            <a:bodyPr rtlCol="0" anchor="ctr"/>
-            <a:lstStyle/>
-            <a:p>
-              <a:pPr algn="ctr"/>
-              <a:r>
-                <a:rPr lang="en-US" sz="1400" b="1" dirty="0" err="1" smtClean="0">
-                  <a:solidFill>
-                    <a:schemeClr val="accent1">
-                      <a:lumMod val="75000"/>
-                    </a:schemeClr>
-                  </a:solidFill>
-                </a:rPr>
-                <a:t>ui</a:t>
-              </a:r>
-              <a:r>
-                <a:rPr lang="en-US" sz="1400" b="1" dirty="0" smtClean="0">
-                  <a:solidFill>
-                    <a:schemeClr val="accent1">
-                      <a:lumMod val="75000"/>
-                    </a:schemeClr>
-                  </a:solidFill>
-                </a:rPr>
-                <a:t>::view</a:t>
-              </a:r>
-              <a:endParaRPr lang="en-SG" sz="1400" b="1" dirty="0">
-                <a:solidFill>
-                  <a:schemeClr val="accent1">
-                    <a:lumMod val="75000"/>
-                  </a:schemeClr>
-                </a:solidFill>
-              </a:endParaRPr>
-            </a:p>
-          </p:txBody>
-        </p:sp>
-        <p:sp>
-          <p:nvSpPr>
-            <p:cNvPr id="144" name="Rectangle 143"/>
-            <p:cNvSpPr/>
-            <p:nvPr/>
-          </p:nvSpPr>
-          <p:spPr>
-            <a:xfrm>
-              <a:off x="593557" y="1358636"/>
-              <a:ext cx="549442" cy="121920"/>
-            </a:xfrm>
-            <a:prstGeom prst="rect">
-              <a:avLst/>
-            </a:prstGeom>
-            <a:grpFill/>
-          </p:spPr>
-          <p:style>
-            <a:lnRef idx="2">
-              <a:schemeClr val="accent1">
-                <a:shade val="50000"/>
-              </a:schemeClr>
-            </a:lnRef>
-            <a:fillRef idx="1">
-              <a:schemeClr val="accent1"/>
-            </a:fillRef>
-            <a:effectRef idx="0">
-              <a:schemeClr val="accent1"/>
-            </a:effectRef>
-            <a:fontRef idx="minor">
-              <a:schemeClr val="lt1"/>
-            </a:fontRef>
-          </p:style>
-          <p:txBody>
-            <a:bodyPr rtlCol="0" anchor="ctr"/>
-            <a:lstStyle/>
-            <a:p>
-              <a:pPr algn="ctr"/>
-              <a:endParaRPr lang="en-SG" sz="1400" b="1">
-                <a:solidFill>
-                  <a:schemeClr val="accent1">
-                    <a:lumMod val="75000"/>
-                  </a:schemeClr>
-                </a:solidFill>
-              </a:endParaRPr>
-            </a:p>
-          </p:txBody>
-        </p:sp>
-      </p:grpSp>
-      <p:cxnSp>
-        <p:nvCxnSpPr>
-          <p:cNvPr id="145" name="Straight Arrow Connector 144"/>
-          <p:cNvCxnSpPr>
-            <a:stCxn id="95" idx="2"/>
-            <a:endCxn id="143" idx="0"/>
-          </p:cNvCxnSpPr>
-          <p:nvPr/>
-        </p:nvCxnSpPr>
-        <p:spPr>
-          <a:xfrm>
-            <a:off x="1598780" y="3078441"/>
-            <a:ext cx="2563" cy="394177"/>
-          </a:xfrm>
-          <a:prstGeom prst="straightConnector1">
-            <a:avLst/>
-          </a:prstGeom>
-          <a:ln w="38100">
-            <a:solidFill>
-              <a:schemeClr val="accent1">
-                <a:lumMod val="75000"/>
-              </a:schemeClr>
-            </a:solidFill>
-            <a:prstDash val="sysDot"/>
-            <a:headEnd type="none" w="med" len="med"/>
-            <a:tailEnd type="triangle" w="med" len="med"/>
-          </a:ln>
-        </p:spPr>
-        <p:style>
-          <a:lnRef idx="1">
-            <a:schemeClr val="accent1"/>
-          </a:lnRef>
-          <a:fillRef idx="0">
-            <a:schemeClr val="accent1"/>
-          </a:fillRef>
-          <a:effectRef idx="0">
-            <a:schemeClr val="accent1"/>
-          </a:effectRef>
-          <a:fontRef idx="minor">
-            <a:schemeClr val="tx1"/>
-          </a:fontRef>
-        </p:style>
-      </p:cxnSp>
-      <p:grpSp>
-        <p:nvGrpSpPr>
           <p:cNvPr id="149" name="Group 148"/>
           <p:cNvGrpSpPr/>
           <p:nvPr/>
         </p:nvGrpSpPr>
         <p:grpSpPr>
           <a:xfrm>
-            <a:off x="2341233" y="5443326"/>
+            <a:off x="804475" y="5443326"/>
             <a:ext cx="1620000" cy="539096"/>
             <a:chOff x="-228600" y="1435721"/>
             <a:chExt cx="1371600" cy="444386"/>
@@ -5595,7 +5207,17 @@
                     </a:schemeClr>
                   </a:solidFill>
                 </a:rPr>
-                <a:t>test::cases</a:t>
+                <a:t>test</a:t>
+              </a:r>
+              <a:r>
+                <a:rPr lang="en-US" sz="1400" b="1" dirty="0" smtClean="0">
+                  <a:solidFill>
+                    <a:schemeClr val="accent2">
+                      <a:lumMod val="75000"/>
+                    </a:schemeClr>
+                  </a:solidFill>
+                </a:rPr>
+                <a:t>::driver</a:t>
               </a:r>
               <a:endParaRPr lang="en-SG" sz="1400" b="1" dirty="0">
                 <a:solidFill>
@@ -5995,48 +5617,6 @@
           </p:txBody>
         </p:sp>
       </p:grpSp>
-      <p:cxnSp>
-        <p:nvCxnSpPr>
-          <p:cNvPr id="162" name="Straight Arrow Connector 161"/>
-          <p:cNvCxnSpPr>
-            <a:stCxn id="87" idx="1"/>
-          </p:cNvCxnSpPr>
-          <p:nvPr/>
-        </p:nvCxnSpPr>
-        <p:spPr>
-          <a:xfrm rot="10800000">
-            <a:off x="4263259" y="3898040"/>
-            <a:ext cx="1033949" cy="1198780"/>
-          </a:xfrm>
-          <a:prstGeom prst="bentConnector2">
-            <a:avLst/>
-          </a:prstGeom>
-          <a:ln w="38100">
-            <a:solidFill>
-              <a:schemeClr val="accent6">
-                <a:lumMod val="75000"/>
-              </a:schemeClr>
-            </a:solidFill>
-            <a:prstDash val="sysDot"/>
-            <a:headEnd type="none" w="med" len="med"/>
-            <a:tailEnd type="triangle" w="med" len="med"/>
-          </a:ln>
-        </p:spPr>
-        <p:style>
-          <a:lnRef idx="1">
-            <a:schemeClr val="accent1"/>
-          </a:lnRef>
-          <a:fillRef idx="0">
-            <a:schemeClr val="accent1"/>
-          </a:fillRef>
-          <a:effectRef idx="0">
-            <a:schemeClr val="accent1"/>
-          </a:effectRef>
-          <a:fontRef idx="minor">
-            <a:schemeClr val="tx1"/>
-          </a:fontRef>
-        </p:style>
-      </p:cxnSp>
       <p:grpSp>
         <p:nvGrpSpPr>
           <p:cNvPr id="169" name="Group 168"/>
@@ -6271,393 +5851,6 @@
       </p:cxnSp>
       <p:grpSp>
         <p:nvGrpSpPr>
-          <p:cNvPr id="152" name="Group 151"/>
-          <p:cNvGrpSpPr/>
-          <p:nvPr/>
-        </p:nvGrpSpPr>
-        <p:grpSpPr>
-          <a:xfrm>
-            <a:off x="434181" y="4772819"/>
-            <a:ext cx="1620000" cy="540001"/>
-            <a:chOff x="-228600" y="1434974"/>
-            <a:chExt cx="1371600" cy="445133"/>
-          </a:xfrm>
-          <a:solidFill>
-            <a:schemeClr val="bg1"/>
-          </a:solidFill>
-        </p:grpSpPr>
-        <p:sp>
-          <p:nvSpPr>
-            <p:cNvPr id="153" name="Rectangle 152"/>
-            <p:cNvSpPr/>
-            <p:nvPr/>
-          </p:nvSpPr>
-          <p:spPr>
-            <a:xfrm>
-              <a:off x="-228600" y="1524001"/>
-              <a:ext cx="1371600" cy="356106"/>
-            </a:xfrm>
-            <a:prstGeom prst="rect">
-              <a:avLst/>
-            </a:prstGeom>
-            <a:grpFill/>
-            <a:ln>
-              <a:solidFill>
-                <a:schemeClr val="accent2">
-                  <a:lumMod val="75000"/>
-                </a:schemeClr>
-              </a:solidFill>
-            </a:ln>
-          </p:spPr>
-          <p:style>
-            <a:lnRef idx="2">
-              <a:schemeClr val="accent1">
-                <a:shade val="50000"/>
-              </a:schemeClr>
-            </a:lnRef>
-            <a:fillRef idx="1">
-              <a:schemeClr val="accent1"/>
-            </a:fillRef>
-            <a:effectRef idx="0">
-              <a:schemeClr val="accent1"/>
-            </a:effectRef>
-            <a:fontRef idx="minor">
-              <a:schemeClr val="lt1"/>
-            </a:fontRef>
-          </p:style>
-          <p:txBody>
-            <a:bodyPr rtlCol="0" anchor="ctr"/>
-            <a:lstStyle/>
-            <a:p>
-              <a:pPr algn="ctr"/>
-              <a:r>
-                <a:rPr lang="en-US" sz="1400" b="1" dirty="0" smtClean="0">
-                  <a:solidFill>
-                    <a:schemeClr val="accent2">
-                      <a:lumMod val="75000"/>
-                    </a:schemeClr>
-                  </a:solidFill>
-                </a:rPr>
-                <a:t>test::</a:t>
-              </a:r>
-              <a:r>
-                <a:rPr lang="en-US" sz="1400" b="1" dirty="0" err="1" smtClean="0">
-                  <a:solidFill>
-                    <a:schemeClr val="accent2">
-                      <a:lumMod val="75000"/>
-                    </a:schemeClr>
-                  </a:solidFill>
-                </a:rPr>
-                <a:t>pageobjects</a:t>
-              </a:r>
-              <a:endParaRPr lang="en-SG" sz="1400" b="1" dirty="0">
-                <a:solidFill>
-                  <a:schemeClr val="accent2">
-                    <a:lumMod val="75000"/>
-                  </a:schemeClr>
-                </a:solidFill>
-              </a:endParaRPr>
-            </a:p>
-          </p:txBody>
-        </p:sp>
-        <p:sp>
-          <p:nvSpPr>
-            <p:cNvPr id="154" name="Rectangle 153"/>
-            <p:cNvSpPr/>
-            <p:nvPr/>
-          </p:nvSpPr>
-          <p:spPr>
-            <a:xfrm>
-              <a:off x="685800" y="1434974"/>
-              <a:ext cx="457200" cy="89026"/>
-            </a:xfrm>
-            <a:prstGeom prst="rect">
-              <a:avLst/>
-            </a:prstGeom>
-            <a:grpFill/>
-            <a:ln>
-              <a:solidFill>
-                <a:schemeClr val="accent2">
-                  <a:lumMod val="75000"/>
-                </a:schemeClr>
-              </a:solidFill>
-            </a:ln>
-          </p:spPr>
-          <p:style>
-            <a:lnRef idx="2">
-              <a:schemeClr val="accent1">
-                <a:shade val="50000"/>
-              </a:schemeClr>
-            </a:lnRef>
-            <a:fillRef idx="1">
-              <a:schemeClr val="accent1"/>
-            </a:fillRef>
-            <a:effectRef idx="0">
-              <a:schemeClr val="accent1"/>
-            </a:effectRef>
-            <a:fontRef idx="minor">
-              <a:schemeClr val="lt1"/>
-            </a:fontRef>
-          </p:style>
-          <p:txBody>
-            <a:bodyPr rtlCol="0" anchor="ctr"/>
-            <a:lstStyle/>
-            <a:p>
-              <a:pPr algn="ctr"/>
-              <a:endParaRPr lang="en-SG" sz="1400" b="1">
-                <a:solidFill>
-                  <a:schemeClr val="accent2">
-                    <a:lumMod val="75000"/>
-                  </a:schemeClr>
-                </a:solidFill>
-              </a:endParaRPr>
-            </a:p>
-          </p:txBody>
-        </p:sp>
-      </p:grpSp>
-      <p:grpSp>
-        <p:nvGrpSpPr>
-          <p:cNvPr id="155" name="Group 154"/>
-          <p:cNvGrpSpPr/>
-          <p:nvPr/>
-        </p:nvGrpSpPr>
-        <p:grpSpPr>
-          <a:xfrm>
-            <a:off x="434181" y="5442418"/>
-            <a:ext cx="1623808" cy="540548"/>
-            <a:chOff x="-228600" y="1415276"/>
-            <a:chExt cx="1374824" cy="541426"/>
-          </a:xfrm>
-          <a:solidFill>
-            <a:schemeClr val="bg1"/>
-          </a:solidFill>
-        </p:grpSpPr>
-        <p:sp>
-          <p:nvSpPr>
-            <p:cNvPr id="159" name="Rectangle 158"/>
-            <p:cNvSpPr/>
-            <p:nvPr/>
-          </p:nvSpPr>
-          <p:spPr>
-            <a:xfrm>
-              <a:off x="-228600" y="1524000"/>
-              <a:ext cx="1371600" cy="432702"/>
-            </a:xfrm>
-            <a:prstGeom prst="rect">
-              <a:avLst/>
-            </a:prstGeom>
-            <a:grpFill/>
-            <a:ln>
-              <a:solidFill>
-                <a:schemeClr val="accent2">
-                  <a:lumMod val="75000"/>
-                </a:schemeClr>
-              </a:solidFill>
-            </a:ln>
-          </p:spPr>
-          <p:style>
-            <a:lnRef idx="2">
-              <a:schemeClr val="accent1">
-                <a:shade val="50000"/>
-              </a:schemeClr>
-            </a:lnRef>
-            <a:fillRef idx="1">
-              <a:schemeClr val="accent1"/>
-            </a:fillRef>
-            <a:effectRef idx="0">
-              <a:schemeClr val="accent1"/>
-            </a:effectRef>
-            <a:fontRef idx="minor">
-              <a:schemeClr val="lt1"/>
-            </a:fontRef>
-          </p:style>
-          <p:txBody>
-            <a:bodyPr rtlCol="0" anchor="ctr"/>
-            <a:lstStyle/>
-            <a:p>
-              <a:pPr algn="ctr"/>
-              <a:r>
-                <a:rPr lang="en-US" sz="1400" b="1" dirty="0" smtClean="0">
-                  <a:solidFill>
-                    <a:schemeClr val="accent2">
-                      <a:lumMod val="75000"/>
-                    </a:schemeClr>
-                  </a:solidFill>
-                </a:rPr>
-                <a:t>test::cases::</a:t>
-              </a:r>
-              <a:br>
-                <a:rPr lang="en-US" sz="1400" b="1" dirty="0" smtClean="0">
-                  <a:solidFill>
-                    <a:schemeClr val="accent2">
-                      <a:lumMod val="75000"/>
-                    </a:schemeClr>
-                  </a:solidFill>
-                </a:rPr>
-              </a:br>
-              <a:r>
-                <a:rPr lang="en-US" sz="1400" b="1" dirty="0" err="1" smtClean="0">
-                  <a:solidFill>
-                    <a:schemeClr val="accent2">
-                      <a:lumMod val="75000"/>
-                    </a:schemeClr>
-                  </a:solidFill>
-                </a:rPr>
-                <a:t>browsertests</a:t>
-              </a:r>
-              <a:endParaRPr lang="en-SG" sz="1400" b="1" dirty="0">
-                <a:solidFill>
-                  <a:schemeClr val="accent2">
-                    <a:lumMod val="75000"/>
-                  </a:schemeClr>
-                </a:solidFill>
-              </a:endParaRPr>
-            </a:p>
-          </p:txBody>
-        </p:sp>
-        <p:sp>
-          <p:nvSpPr>
-            <p:cNvPr id="160" name="Rectangle 159"/>
-            <p:cNvSpPr/>
-            <p:nvPr/>
-          </p:nvSpPr>
-          <p:spPr>
-            <a:xfrm>
-              <a:off x="689024" y="1415276"/>
-              <a:ext cx="457200" cy="108175"/>
-            </a:xfrm>
-            <a:prstGeom prst="rect">
-              <a:avLst/>
-            </a:prstGeom>
-            <a:grpFill/>
-            <a:ln>
-              <a:solidFill>
-                <a:schemeClr val="accent2">
-                  <a:lumMod val="75000"/>
-                </a:schemeClr>
-              </a:solidFill>
-            </a:ln>
-          </p:spPr>
-          <p:style>
-            <a:lnRef idx="2">
-              <a:schemeClr val="accent1">
-                <a:shade val="50000"/>
-              </a:schemeClr>
-            </a:lnRef>
-            <a:fillRef idx="1">
-              <a:schemeClr val="accent1"/>
-            </a:fillRef>
-            <a:effectRef idx="0">
-              <a:schemeClr val="accent1"/>
-            </a:effectRef>
-            <a:fontRef idx="minor">
-              <a:schemeClr val="lt1"/>
-            </a:fontRef>
-          </p:style>
-          <p:txBody>
-            <a:bodyPr rtlCol="0" anchor="ctr"/>
-            <a:lstStyle/>
-            <a:p>
-              <a:pPr algn="ctr"/>
-              <a:endParaRPr lang="en-SG" sz="1400" b="1">
-                <a:solidFill>
-                  <a:schemeClr val="accent2">
-                    <a:lumMod val="75000"/>
-                  </a:schemeClr>
-                </a:solidFill>
-              </a:endParaRPr>
-            </a:p>
-          </p:txBody>
-        </p:sp>
-      </p:grpSp>
-      <p:cxnSp>
-        <p:nvCxnSpPr>
-          <p:cNvPr id="166" name="Straight Arrow Connector 165"/>
-          <p:cNvCxnSpPr>
-            <a:stCxn id="159" idx="0"/>
-            <a:endCxn id="153" idx="2"/>
-          </p:cNvCxnSpPr>
-          <p:nvPr/>
-        </p:nvCxnSpPr>
-        <p:spPr>
-          <a:xfrm flipV="1">
-            <a:off x="1244181" y="5312820"/>
-            <a:ext cx="0" cy="238146"/>
-          </a:xfrm>
-          <a:prstGeom prst="straightConnector1">
-            <a:avLst/>
-          </a:prstGeom>
-          <a:ln w="38100">
-            <a:solidFill>
-              <a:schemeClr val="accent2">
-                <a:lumMod val="75000"/>
-              </a:schemeClr>
-            </a:solidFill>
-            <a:prstDash val="sysDot"/>
-            <a:headEnd type="none" w="med" len="med"/>
-            <a:tailEnd type="triangle" w="med" len="med"/>
-          </a:ln>
-        </p:spPr>
-        <p:style>
-          <a:lnRef idx="1">
-            <a:schemeClr val="accent1"/>
-          </a:lnRef>
-          <a:fillRef idx="0">
-            <a:schemeClr val="accent1"/>
-          </a:fillRef>
-          <a:effectRef idx="0">
-            <a:schemeClr val="accent1"/>
-          </a:effectRef>
-          <a:fontRef idx="minor">
-            <a:schemeClr val="tx1"/>
-          </a:fontRef>
-        </p:style>
-      </p:cxnSp>
-      <p:cxnSp>
-        <p:nvCxnSpPr>
-          <p:cNvPr id="168" name="Straight Arrow Connector 167"/>
-          <p:cNvCxnSpPr>
-            <a:stCxn id="159" idx="3"/>
-            <a:endCxn id="150" idx="1"/>
-          </p:cNvCxnSpPr>
-          <p:nvPr/>
-        </p:nvCxnSpPr>
-        <p:spPr>
-          <a:xfrm flipV="1">
-            <a:off x="2054181" y="5766418"/>
-            <a:ext cx="287052" cy="548"/>
-          </a:xfrm>
-          <a:prstGeom prst="straightConnector1">
-            <a:avLst/>
-          </a:prstGeom>
-          <a:ln w="38100">
-            <a:solidFill>
-              <a:schemeClr val="accent2">
-                <a:lumMod val="75000"/>
-              </a:schemeClr>
-            </a:solidFill>
-            <a:prstDash val="sysDot"/>
-            <a:headEnd type="none" w="med" len="med"/>
-            <a:tailEnd type="triangle" w="med" len="med"/>
-          </a:ln>
-        </p:spPr>
-        <p:style>
-          <a:lnRef idx="1">
-            <a:schemeClr val="accent1"/>
-          </a:lnRef>
-          <a:fillRef idx="0">
-            <a:schemeClr val="accent1"/>
-          </a:fillRef>
-          <a:effectRef idx="0">
-            <a:schemeClr val="accent1"/>
-          </a:effectRef>
-          <a:fontRef idx="minor">
-            <a:schemeClr val="tx1"/>
-          </a:fontRef>
-        </p:style>
-      </p:cxnSp>
-      <p:grpSp>
-        <p:nvGrpSpPr>
           <p:cNvPr id="161" name="Group 160"/>
           <p:cNvGrpSpPr/>
           <p:nvPr/>
@@ -7104,51 +6297,6 @@
       </p:cxnSp>
       <p:cxnSp>
         <p:nvCxnSpPr>
-          <p:cNvPr id="186" name="Elbow Connector 185"/>
-          <p:cNvCxnSpPr>
-            <a:stCxn id="122" idx="3"/>
-            <a:endCxn id="104" idx="1"/>
-          </p:cNvCxnSpPr>
-          <p:nvPr/>
-        </p:nvCxnSpPr>
-        <p:spPr>
-          <a:xfrm flipV="1">
-            <a:off x="4658181" y="2857988"/>
-            <a:ext cx="639574" cy="824052"/>
-          </a:xfrm>
-          <a:prstGeom prst="bentConnector3">
-            <a:avLst>
-              <a:gd name="adj1" fmla="val 50000"/>
-            </a:avLst>
-          </a:prstGeom>
-          <a:ln w="38100">
-            <a:solidFill>
-              <a:schemeClr val="accent4">
-                <a:lumMod val="75000"/>
-              </a:schemeClr>
-            </a:solidFill>
-            <a:prstDash val="sysDot"/>
-            <a:headEnd type="none" w="med" len="med"/>
-            <a:tailEnd type="triangle" w="med" len="med"/>
-          </a:ln>
-        </p:spPr>
-        <p:style>
-          <a:lnRef idx="1">
-            <a:schemeClr val="accent1"/>
-          </a:lnRef>
-          <a:fillRef idx="0">
-            <a:schemeClr val="accent1"/>
-          </a:fillRef>
-          <a:effectRef idx="0">
-            <a:schemeClr val="accent1"/>
-          </a:effectRef>
-          <a:fontRef idx="minor">
-            <a:schemeClr val="tx1"/>
-          </a:fontRef>
-        </p:style>
-      </p:cxnSp>
-      <p:cxnSp>
-        <p:nvCxnSpPr>
           <p:cNvPr id="187" name="Straight Arrow Connector 186"/>
           <p:cNvCxnSpPr>
             <a:stCxn id="104" idx="2"/>
@@ -7355,21 +6503,729 @@
           </a:fontRef>
         </p:style>
       </p:cxnSp>
+      <p:sp>
+        <p:nvSpPr>
+          <p:cNvPr id="140" name="Rounded Rectangle 139"/>
+          <p:cNvSpPr/>
+          <p:nvPr/>
+        </p:nvSpPr>
+        <p:spPr>
+          <a:xfrm>
+            <a:off x="2902059" y="3734781"/>
+            <a:ext cx="1872000" cy="2353007"/>
+          </a:xfrm>
+          <a:prstGeom prst="roundRect">
+            <a:avLst>
+              <a:gd name="adj" fmla="val 9190"/>
+            </a:avLst>
+          </a:prstGeom>
+          <a:solidFill>
+            <a:schemeClr val="accent6">
+              <a:lumMod val="60000"/>
+              <a:lumOff val="40000"/>
+            </a:schemeClr>
+          </a:solidFill>
+          <a:ln>
+            <a:solidFill>
+              <a:schemeClr val="accent6">
+                <a:lumMod val="75000"/>
+              </a:schemeClr>
+            </a:solidFill>
+          </a:ln>
+        </p:spPr>
+        <p:style>
+          <a:lnRef idx="2">
+            <a:schemeClr val="accent1">
+              <a:shade val="50000"/>
+            </a:schemeClr>
+          </a:lnRef>
+          <a:fillRef idx="1">
+            <a:schemeClr val="accent1"/>
+          </a:fillRef>
+          <a:effectRef idx="0">
+            <a:schemeClr val="accent1"/>
+          </a:effectRef>
+          <a:fontRef idx="minor">
+            <a:schemeClr val="lt1"/>
+          </a:fontRef>
+        </p:style>
+        <p:txBody>
+          <a:bodyPr rtlCol="0" anchor="t" anchorCtr="0"/>
+          <a:lstStyle/>
+          <a:p>
+            <a:pPr algn="ctr"/>
+            <a:r>
+              <a:rPr lang="en-US" sz="1600" b="1" dirty="0" smtClean="0"/>
+              <a:t>E2E</a:t>
+            </a:r>
+            <a:endParaRPr lang="en-SG" sz="1600" b="1" dirty="0"/>
+          </a:p>
+        </p:txBody>
+      </p:sp>
+      <p:grpSp>
+        <p:nvGrpSpPr>
+          <p:cNvPr id="141" name="Group 140"/>
+          <p:cNvGrpSpPr/>
+          <p:nvPr/>
+        </p:nvGrpSpPr>
+        <p:grpSpPr>
+          <a:xfrm>
+            <a:off x="3032442" y="4772820"/>
+            <a:ext cx="1620000" cy="540000"/>
+            <a:chOff x="-533400" y="1371600"/>
+            <a:chExt cx="1676400" cy="762000"/>
+          </a:xfrm>
+          <a:solidFill>
+            <a:schemeClr val="bg1"/>
+          </a:solidFill>
+        </p:grpSpPr>
+        <p:sp>
+          <p:nvSpPr>
+            <p:cNvPr id="146" name="Rectangle 145"/>
+            <p:cNvSpPr/>
+            <p:nvPr/>
+          </p:nvSpPr>
+          <p:spPr>
+            <a:xfrm>
+              <a:off x="-533400" y="1524000"/>
+              <a:ext cx="1676400" cy="609600"/>
+            </a:xfrm>
+            <a:prstGeom prst="rect">
+              <a:avLst/>
+            </a:prstGeom>
+            <a:grpFill/>
+            <a:ln>
+              <a:solidFill>
+                <a:schemeClr val="accent6">
+                  <a:lumMod val="75000"/>
+                </a:schemeClr>
+              </a:solidFill>
+            </a:ln>
+          </p:spPr>
+          <p:style>
+            <a:lnRef idx="2">
+              <a:schemeClr val="accent1">
+                <a:shade val="50000"/>
+              </a:schemeClr>
+            </a:lnRef>
+            <a:fillRef idx="1">
+              <a:schemeClr val="accent1"/>
+            </a:fillRef>
+            <a:effectRef idx="0">
+              <a:schemeClr val="accent1"/>
+            </a:effectRef>
+            <a:fontRef idx="minor">
+              <a:schemeClr val="lt1"/>
+            </a:fontRef>
+          </p:style>
+          <p:txBody>
+            <a:bodyPr rtlCol="0" anchor="ctr"/>
+            <a:lstStyle/>
+            <a:p>
+              <a:pPr algn="ctr"/>
+              <a:r>
+                <a:rPr lang="en-US" sz="1400" b="1" dirty="0" smtClean="0">
+                  <a:solidFill>
+                    <a:schemeClr val="accent6">
+                      <a:lumMod val="75000"/>
+                    </a:schemeClr>
+                  </a:solidFill>
+                </a:rPr>
+                <a:t>e2e::cases</a:t>
+              </a:r>
+              <a:endParaRPr lang="en-US" sz="1400" b="1" dirty="0" smtClean="0">
+                <a:solidFill>
+                  <a:schemeClr val="accent6">
+                    <a:lumMod val="75000"/>
+                  </a:schemeClr>
+                </a:solidFill>
+              </a:endParaRPr>
+            </a:p>
+          </p:txBody>
+        </p:sp>
+        <p:sp>
+          <p:nvSpPr>
+            <p:cNvPr id="147" name="Rectangle 146"/>
+            <p:cNvSpPr/>
+            <p:nvPr/>
+          </p:nvSpPr>
+          <p:spPr>
+            <a:xfrm>
+              <a:off x="647700" y="1371600"/>
+              <a:ext cx="495300" cy="152400"/>
+            </a:xfrm>
+            <a:prstGeom prst="rect">
+              <a:avLst/>
+            </a:prstGeom>
+            <a:grpFill/>
+            <a:ln>
+              <a:solidFill>
+                <a:schemeClr val="accent6">
+                  <a:lumMod val="75000"/>
+                </a:schemeClr>
+              </a:solidFill>
+            </a:ln>
+          </p:spPr>
+          <p:style>
+            <a:lnRef idx="2">
+              <a:schemeClr val="accent1">
+                <a:shade val="50000"/>
+              </a:schemeClr>
+            </a:lnRef>
+            <a:fillRef idx="1">
+              <a:schemeClr val="accent1"/>
+            </a:fillRef>
+            <a:effectRef idx="0">
+              <a:schemeClr val="accent1"/>
+            </a:effectRef>
+            <a:fontRef idx="minor">
+              <a:schemeClr val="lt1"/>
+            </a:fontRef>
+          </p:style>
+          <p:txBody>
+            <a:bodyPr rtlCol="0" anchor="ctr"/>
+            <a:lstStyle/>
+            <a:p>
+              <a:pPr algn="ctr"/>
+              <a:endParaRPr lang="en-SG" sz="1400" b="1">
+                <a:solidFill>
+                  <a:schemeClr val="accent6">
+                    <a:lumMod val="75000"/>
+                  </a:schemeClr>
+                </a:solidFill>
+              </a:endParaRPr>
+            </a:p>
+          </p:txBody>
+        </p:sp>
+      </p:grpSp>
+      <p:grpSp>
+        <p:nvGrpSpPr>
+          <p:cNvPr id="148" name="Group 147"/>
+          <p:cNvGrpSpPr/>
+          <p:nvPr/>
+        </p:nvGrpSpPr>
+        <p:grpSpPr>
+          <a:xfrm>
+            <a:off x="3032990" y="5442418"/>
+            <a:ext cx="1620000" cy="540000"/>
+            <a:chOff x="-533400" y="1371600"/>
+            <a:chExt cx="1676400" cy="762000"/>
+          </a:xfrm>
+          <a:solidFill>
+            <a:schemeClr val="bg1"/>
+          </a:solidFill>
+        </p:grpSpPr>
+        <p:sp>
+          <p:nvSpPr>
+            <p:cNvPr id="163" name="Rectangle 162"/>
+            <p:cNvSpPr/>
+            <p:nvPr/>
+          </p:nvSpPr>
+          <p:spPr>
+            <a:xfrm>
+              <a:off x="-533400" y="1524000"/>
+              <a:ext cx="1676400" cy="609600"/>
+            </a:xfrm>
+            <a:prstGeom prst="rect">
+              <a:avLst/>
+            </a:prstGeom>
+            <a:grpFill/>
+            <a:ln>
+              <a:solidFill>
+                <a:schemeClr val="accent6">
+                  <a:lumMod val="75000"/>
+                </a:schemeClr>
+              </a:solidFill>
+            </a:ln>
+          </p:spPr>
+          <p:style>
+            <a:lnRef idx="2">
+              <a:schemeClr val="accent1">
+                <a:shade val="50000"/>
+              </a:schemeClr>
+            </a:lnRef>
+            <a:fillRef idx="1">
+              <a:schemeClr val="accent1"/>
+            </a:fillRef>
+            <a:effectRef idx="0">
+              <a:schemeClr val="accent1"/>
+            </a:effectRef>
+            <a:fontRef idx="minor">
+              <a:schemeClr val="lt1"/>
+            </a:fontRef>
+          </p:style>
+          <p:txBody>
+            <a:bodyPr rtlCol="0" anchor="ctr"/>
+            <a:lstStyle/>
+            <a:p>
+              <a:pPr algn="ctr"/>
+              <a:r>
+                <a:rPr lang="en-US" sz="1400" b="1" dirty="0" smtClean="0">
+                  <a:solidFill>
+                    <a:schemeClr val="accent6">
+                      <a:lumMod val="75000"/>
+                    </a:schemeClr>
+                  </a:solidFill>
+                </a:rPr>
+                <a:t>e2e::</a:t>
+              </a:r>
+              <a:r>
+                <a:rPr lang="en-US" sz="1400" b="1" dirty="0" err="1" smtClean="0">
+                  <a:solidFill>
+                    <a:schemeClr val="accent6">
+                      <a:lumMod val="75000"/>
+                    </a:schemeClr>
+                  </a:solidFill>
+                </a:rPr>
+                <a:t>util</a:t>
+              </a:r>
+              <a:endParaRPr lang="en-US" sz="1400" b="1" dirty="0" smtClean="0">
+                <a:solidFill>
+                  <a:schemeClr val="accent6">
+                    <a:lumMod val="75000"/>
+                  </a:schemeClr>
+                </a:solidFill>
+              </a:endParaRPr>
+            </a:p>
+          </p:txBody>
+        </p:sp>
+        <p:sp>
+          <p:nvSpPr>
+            <p:cNvPr id="164" name="Rectangle 163"/>
+            <p:cNvSpPr/>
+            <p:nvPr/>
+          </p:nvSpPr>
+          <p:spPr>
+            <a:xfrm>
+              <a:off x="647700" y="1371600"/>
+              <a:ext cx="495300" cy="152400"/>
+            </a:xfrm>
+            <a:prstGeom prst="rect">
+              <a:avLst/>
+            </a:prstGeom>
+            <a:grpFill/>
+            <a:ln>
+              <a:solidFill>
+                <a:schemeClr val="accent6">
+                  <a:lumMod val="75000"/>
+                </a:schemeClr>
+              </a:solidFill>
+            </a:ln>
+          </p:spPr>
+          <p:style>
+            <a:lnRef idx="2">
+              <a:schemeClr val="accent1">
+                <a:shade val="50000"/>
+              </a:schemeClr>
+            </a:lnRef>
+            <a:fillRef idx="1">
+              <a:schemeClr val="accent1"/>
+            </a:fillRef>
+            <a:effectRef idx="0">
+              <a:schemeClr val="accent1"/>
+            </a:effectRef>
+            <a:fontRef idx="minor">
+              <a:schemeClr val="lt1"/>
+            </a:fontRef>
+          </p:style>
+          <p:txBody>
+            <a:bodyPr rtlCol="0" anchor="ctr"/>
+            <a:lstStyle/>
+            <a:p>
+              <a:pPr algn="ctr"/>
+              <a:endParaRPr lang="en-SG" sz="1400" b="1">
+                <a:solidFill>
+                  <a:schemeClr val="accent6">
+                    <a:lumMod val="75000"/>
+                  </a:schemeClr>
+                </a:solidFill>
+              </a:endParaRPr>
+            </a:p>
+          </p:txBody>
+        </p:sp>
+      </p:grpSp>
       <p:cxnSp>
         <p:nvCxnSpPr>
-          <p:cNvPr id="195" name="Straight Arrow Connector 161"/>
+          <p:cNvPr id="165" name="Straight Arrow Connector 164"/>
           <p:cNvCxnSpPr>
-            <a:stCxn id="85" idx="3"/>
+            <a:stCxn id="146" idx="2"/>
+            <a:endCxn id="163" idx="0"/>
           </p:cNvCxnSpPr>
           <p:nvPr/>
         </p:nvCxnSpPr>
         <p:spPr>
-          <a:xfrm flipV="1">
-            <a:off x="7038824" y="1012522"/>
-            <a:ext cx="261179" cy="4229266"/>
+          <a:xfrm>
+            <a:off x="3842442" y="5312820"/>
+            <a:ext cx="548" cy="237598"/>
           </a:xfrm>
-          <a:prstGeom prst="bentConnector2">
+          <a:prstGeom prst="straightConnector1">
             <a:avLst/>
+          </a:prstGeom>
+          <a:ln w="38100">
+            <a:solidFill>
+              <a:schemeClr val="accent6">
+                <a:lumMod val="75000"/>
+              </a:schemeClr>
+            </a:solidFill>
+            <a:prstDash val="sysDot"/>
+            <a:headEnd type="none" w="med" len="med"/>
+            <a:tailEnd type="triangle" w="med" len="med"/>
+          </a:ln>
+        </p:spPr>
+        <p:style>
+          <a:lnRef idx="1">
+            <a:schemeClr val="accent1"/>
+          </a:lnRef>
+          <a:fillRef idx="0">
+            <a:schemeClr val="accent1"/>
+          </a:fillRef>
+          <a:effectRef idx="0">
+            <a:schemeClr val="accent1"/>
+          </a:effectRef>
+          <a:fontRef idx="minor">
+            <a:schemeClr val="tx1"/>
+          </a:fontRef>
+        </p:style>
+      </p:cxnSp>
+      <p:grpSp>
+        <p:nvGrpSpPr>
+          <p:cNvPr id="167" name="Group 166"/>
+          <p:cNvGrpSpPr/>
+          <p:nvPr/>
+        </p:nvGrpSpPr>
+        <p:grpSpPr>
+          <a:xfrm>
+            <a:off x="3028058" y="4099137"/>
+            <a:ext cx="1620000" cy="540000"/>
+            <a:chOff x="-533400" y="1371600"/>
+            <a:chExt cx="1676400" cy="762000"/>
+          </a:xfrm>
+          <a:solidFill>
+            <a:schemeClr val="bg1"/>
+          </a:solidFill>
+        </p:grpSpPr>
+        <p:sp>
+          <p:nvSpPr>
+            <p:cNvPr id="176" name="Rectangle 175"/>
+            <p:cNvSpPr/>
+            <p:nvPr/>
+          </p:nvSpPr>
+          <p:spPr>
+            <a:xfrm>
+              <a:off x="-533400" y="1524000"/>
+              <a:ext cx="1676400" cy="609600"/>
+            </a:xfrm>
+            <a:prstGeom prst="rect">
+              <a:avLst/>
+            </a:prstGeom>
+            <a:grpFill/>
+            <a:ln>
+              <a:solidFill>
+                <a:schemeClr val="accent6">
+                  <a:lumMod val="75000"/>
+                </a:schemeClr>
+              </a:solidFill>
+            </a:ln>
+          </p:spPr>
+          <p:style>
+            <a:lnRef idx="2">
+              <a:schemeClr val="accent1">
+                <a:shade val="50000"/>
+              </a:schemeClr>
+            </a:lnRef>
+            <a:fillRef idx="1">
+              <a:schemeClr val="accent1"/>
+            </a:fillRef>
+            <a:effectRef idx="0">
+              <a:schemeClr val="accent1"/>
+            </a:effectRef>
+            <a:fontRef idx="minor">
+              <a:schemeClr val="lt1"/>
+            </a:fontRef>
+          </p:style>
+          <p:txBody>
+            <a:bodyPr rtlCol="0" anchor="ctr"/>
+            <a:lstStyle/>
+            <a:p>
+              <a:pPr algn="ctr"/>
+              <a:r>
+                <a:rPr lang="en-US" sz="1400" b="1" dirty="0" smtClean="0">
+                  <a:solidFill>
+                    <a:schemeClr val="accent6">
+                      <a:lumMod val="75000"/>
+                    </a:schemeClr>
+                  </a:solidFill>
+                </a:rPr>
+                <a:t>e2e::</a:t>
+              </a:r>
+              <a:r>
+                <a:rPr lang="en-US" sz="1400" b="1" dirty="0" err="1" smtClean="0">
+                  <a:solidFill>
+                    <a:schemeClr val="accent6">
+                      <a:lumMod val="75000"/>
+                    </a:schemeClr>
+                  </a:solidFill>
+                </a:rPr>
+                <a:t>pageobjects</a:t>
+              </a:r>
+              <a:endParaRPr lang="en-US" sz="1400" b="1" dirty="0" smtClean="0">
+                <a:solidFill>
+                  <a:schemeClr val="accent6">
+                    <a:lumMod val="75000"/>
+                  </a:schemeClr>
+                </a:solidFill>
+              </a:endParaRPr>
+            </a:p>
+          </p:txBody>
+        </p:sp>
+        <p:sp>
+          <p:nvSpPr>
+            <p:cNvPr id="177" name="Rectangle 176"/>
+            <p:cNvSpPr/>
+            <p:nvPr/>
+          </p:nvSpPr>
+          <p:spPr>
+            <a:xfrm>
+              <a:off x="647700" y="1371600"/>
+              <a:ext cx="495300" cy="152400"/>
+            </a:xfrm>
+            <a:prstGeom prst="rect">
+              <a:avLst/>
+            </a:prstGeom>
+            <a:grpFill/>
+            <a:ln>
+              <a:solidFill>
+                <a:schemeClr val="accent6">
+                  <a:lumMod val="75000"/>
+                </a:schemeClr>
+              </a:solidFill>
+            </a:ln>
+          </p:spPr>
+          <p:style>
+            <a:lnRef idx="2">
+              <a:schemeClr val="accent1">
+                <a:shade val="50000"/>
+              </a:schemeClr>
+            </a:lnRef>
+            <a:fillRef idx="1">
+              <a:schemeClr val="accent1"/>
+            </a:fillRef>
+            <a:effectRef idx="0">
+              <a:schemeClr val="accent1"/>
+            </a:effectRef>
+            <a:fontRef idx="minor">
+              <a:schemeClr val="lt1"/>
+            </a:fontRef>
+          </p:style>
+          <p:txBody>
+            <a:bodyPr rtlCol="0" anchor="ctr"/>
+            <a:lstStyle/>
+            <a:p>
+              <a:pPr algn="ctr"/>
+              <a:endParaRPr lang="en-SG" sz="1400" b="1">
+                <a:solidFill>
+                  <a:schemeClr val="accent6">
+                    <a:lumMod val="75000"/>
+                  </a:schemeClr>
+                </a:solidFill>
+              </a:endParaRPr>
+            </a:p>
+          </p:txBody>
+        </p:sp>
+      </p:grpSp>
+      <p:cxnSp>
+        <p:nvCxnSpPr>
+          <p:cNvPr id="178" name="Straight Arrow Connector 177"/>
+          <p:cNvCxnSpPr>
+            <a:stCxn id="146" idx="0"/>
+            <a:endCxn id="176" idx="2"/>
+          </p:cNvCxnSpPr>
+          <p:nvPr/>
+        </p:nvCxnSpPr>
+        <p:spPr>
+          <a:xfrm flipH="1" flipV="1">
+            <a:off x="3838058" y="4639137"/>
+            <a:ext cx="4384" cy="241683"/>
+          </a:xfrm>
+          <a:prstGeom prst="straightConnector1">
+            <a:avLst/>
+          </a:prstGeom>
+          <a:ln w="38100">
+            <a:solidFill>
+              <a:schemeClr val="accent6">
+                <a:lumMod val="75000"/>
+              </a:schemeClr>
+            </a:solidFill>
+            <a:prstDash val="sysDot"/>
+            <a:headEnd type="none" w="med" len="med"/>
+            <a:tailEnd type="triangle" w="med" len="med"/>
+          </a:ln>
+        </p:spPr>
+        <p:style>
+          <a:lnRef idx="1">
+            <a:schemeClr val="accent1"/>
+          </a:lnRef>
+          <a:fillRef idx="0">
+            <a:schemeClr val="accent1"/>
+          </a:fillRef>
+          <a:effectRef idx="0">
+            <a:schemeClr val="accent1"/>
+          </a:effectRef>
+          <a:fontRef idx="minor">
+            <a:schemeClr val="tx1"/>
+          </a:fontRef>
+        </p:style>
+      </p:cxnSp>
+      <p:grpSp>
+        <p:nvGrpSpPr>
+          <p:cNvPr id="179" name="Group 178"/>
+          <p:cNvGrpSpPr/>
+          <p:nvPr/>
+        </p:nvGrpSpPr>
+        <p:grpSpPr>
+          <a:xfrm>
+            <a:off x="794333" y="3287586"/>
+            <a:ext cx="1620000" cy="540002"/>
+            <a:chOff x="-228600" y="1364151"/>
+            <a:chExt cx="1371600" cy="609602"/>
+          </a:xfrm>
+          <a:solidFill>
+            <a:schemeClr val="bg1"/>
+          </a:solidFill>
+        </p:grpSpPr>
+        <p:sp>
+          <p:nvSpPr>
+            <p:cNvPr id="191" name="Rectangle 190"/>
+            <p:cNvSpPr/>
+            <p:nvPr/>
+          </p:nvSpPr>
+          <p:spPr>
+            <a:xfrm>
+              <a:off x="-228600" y="1486072"/>
+              <a:ext cx="1371600" cy="487681"/>
+            </a:xfrm>
+            <a:prstGeom prst="rect">
+              <a:avLst/>
+            </a:prstGeom>
+            <a:grpFill/>
+          </p:spPr>
+          <p:style>
+            <a:lnRef idx="2">
+              <a:schemeClr val="accent1">
+                <a:shade val="50000"/>
+              </a:schemeClr>
+            </a:lnRef>
+            <a:fillRef idx="1">
+              <a:schemeClr val="accent1"/>
+            </a:fillRef>
+            <a:effectRef idx="0">
+              <a:schemeClr val="accent1"/>
+            </a:effectRef>
+            <a:fontRef idx="minor">
+              <a:schemeClr val="lt1"/>
+            </a:fontRef>
+          </p:style>
+          <p:txBody>
+            <a:bodyPr rtlCol="0" anchor="ctr"/>
+            <a:lstStyle/>
+            <a:p>
+              <a:pPr algn="ctr"/>
+              <a:r>
+                <a:rPr lang="en-US" sz="1400" b="1" dirty="0" err="1" smtClean="0">
+                  <a:solidFill>
+                    <a:schemeClr val="accent1">
+                      <a:lumMod val="75000"/>
+                    </a:schemeClr>
+                  </a:solidFill>
+                </a:rPr>
+                <a:t>ui</a:t>
+              </a:r>
+              <a:r>
+                <a:rPr lang="en-US" sz="1400" b="1" dirty="0" smtClean="0">
+                  <a:solidFill>
+                    <a:schemeClr val="accent1">
+                      <a:lumMod val="75000"/>
+                    </a:schemeClr>
+                  </a:solidFill>
+                </a:rPr>
+                <a:t>::website</a:t>
+              </a:r>
+              <a:endParaRPr lang="en-SG" sz="1400" b="1" dirty="0">
+                <a:solidFill>
+                  <a:schemeClr val="accent1">
+                    <a:lumMod val="75000"/>
+                  </a:schemeClr>
+                </a:solidFill>
+              </a:endParaRPr>
+            </a:p>
+          </p:txBody>
+        </p:sp>
+        <p:sp>
+          <p:nvSpPr>
+            <p:cNvPr id="192" name="Rectangle 191"/>
+            <p:cNvSpPr/>
+            <p:nvPr/>
+          </p:nvSpPr>
+          <p:spPr>
+            <a:xfrm>
+              <a:off x="685800" y="1364151"/>
+              <a:ext cx="457200" cy="121920"/>
+            </a:xfrm>
+            <a:prstGeom prst="rect">
+              <a:avLst/>
+            </a:prstGeom>
+            <a:grpFill/>
+          </p:spPr>
+          <p:style>
+            <a:lnRef idx="2">
+              <a:schemeClr val="accent1">
+                <a:shade val="50000"/>
+              </a:schemeClr>
+            </a:lnRef>
+            <a:fillRef idx="1">
+              <a:schemeClr val="accent1"/>
+            </a:fillRef>
+            <a:effectRef idx="0">
+              <a:schemeClr val="accent1"/>
+            </a:effectRef>
+            <a:fontRef idx="minor">
+              <a:schemeClr val="lt1"/>
+            </a:fontRef>
+          </p:style>
+          <p:txBody>
+            <a:bodyPr rtlCol="0" anchor="ctr"/>
+            <a:lstStyle/>
+            <a:p>
+              <a:pPr algn="ctr"/>
+              <a:endParaRPr lang="en-SG" sz="1400" b="1">
+                <a:solidFill>
+                  <a:schemeClr val="accent1">
+                    <a:lumMod val="75000"/>
+                  </a:schemeClr>
+                </a:solidFill>
+              </a:endParaRPr>
+            </a:p>
+          </p:txBody>
+        </p:sp>
+      </p:grpSp>
+      <p:cxnSp>
+        <p:nvCxnSpPr>
+          <p:cNvPr id="193" name="Elbow Connector 192"/>
+          <p:cNvCxnSpPr>
+            <a:stCxn id="176" idx="1"/>
+            <a:endCxn id="191" idx="3"/>
+          </p:cNvCxnSpPr>
+          <p:nvPr/>
+        </p:nvCxnSpPr>
+        <p:spPr>
+          <a:xfrm rot="10800000">
+            <a:off x="2414334" y="3611589"/>
+            <a:ext cx="613725" cy="811549"/>
+          </a:xfrm>
+          <a:prstGeom prst="bentConnector3">
+            <a:avLst>
+              <a:gd name="adj1" fmla="val 50000"/>
+            </a:avLst>
           </a:prstGeom>
           <a:ln w="38100">
             <a:solidFill>
@@ -7399,20 +7255,21 @@
       </p:cxnSp>
       <p:cxnSp>
         <p:nvCxnSpPr>
-          <p:cNvPr id="201" name="Straight Arrow Connector 161"/>
+          <p:cNvPr id="194" name="Elbow Connector 193"/>
           <p:cNvCxnSpPr>
-            <a:endCxn id="122" idx="2"/>
+            <a:stCxn id="107" idx="1"/>
+            <a:endCxn id="191" idx="1"/>
           </p:cNvCxnSpPr>
           <p:nvPr/>
         </p:nvCxnSpPr>
         <p:spPr>
-          <a:xfrm rot="5400000" flipH="1" flipV="1">
-            <a:off x="3605657" y="4153264"/>
-            <a:ext cx="497748" cy="0"/>
+          <a:xfrm rot="10800000">
+            <a:off x="794334" y="3611588"/>
+            <a:ext cx="12609" cy="1486998"/>
           </a:xfrm>
           <a:prstGeom prst="bentConnector3">
             <a:avLst>
-              <a:gd name="adj1" fmla="val 50000"/>
+              <a:gd name="adj1" fmla="val 2753795"/>
             </a:avLst>
           </a:prstGeom>
           <a:ln w="38100">

--- a/docs/images/packageDiagram.pptx
+++ b/docs/images/packageDiagram.pptx
@@ -212,7 +212,7 @@
             <a:fld id="{5D8FA8FF-20DC-44E5-8C35-13EAF0A5698C}" type="datetimeFigureOut">
               <a:rPr lang="en-SG" smtClean="0"/>
               <a:pPr/>
-              <a:t>27/9/2018</a:t>
+              <a:t>30/1/2017</a:t>
             </a:fld>
             <a:endParaRPr lang="en-SG"/>
           </a:p>
@@ -753,7 +753,7 @@
             <a:fld id="{1D8BD707-D9CF-40AE-B4C6-C98DA3205C09}" type="datetimeFigureOut">
               <a:rPr lang="en-US" smtClean="0"/>
               <a:pPr/>
-              <a:t>9/27/2018</a:t>
+              <a:t>1/30/2017</a:t>
             </a:fld>
             <a:endParaRPr lang="en-US"/>
           </a:p>
@@ -920,7 +920,7 @@
             <a:fld id="{1D8BD707-D9CF-40AE-B4C6-C98DA3205C09}" type="datetimeFigureOut">
               <a:rPr lang="en-US" smtClean="0"/>
               <a:pPr/>
-              <a:t>9/27/2018</a:t>
+              <a:t>1/30/2017</a:t>
             </a:fld>
             <a:endParaRPr lang="en-US"/>
           </a:p>
@@ -1097,7 +1097,7 @@
             <a:fld id="{1D8BD707-D9CF-40AE-B4C6-C98DA3205C09}" type="datetimeFigureOut">
               <a:rPr lang="en-US" smtClean="0"/>
               <a:pPr/>
-              <a:t>9/27/2018</a:t>
+              <a:t>1/30/2017</a:t>
             </a:fld>
             <a:endParaRPr lang="en-US"/>
           </a:p>
@@ -1264,7 +1264,7 @@
             <a:fld id="{1D8BD707-D9CF-40AE-B4C6-C98DA3205C09}" type="datetimeFigureOut">
               <a:rPr lang="en-US" smtClean="0"/>
               <a:pPr/>
-              <a:t>9/27/2018</a:t>
+              <a:t>1/30/2017</a:t>
             </a:fld>
             <a:endParaRPr lang="en-US"/>
           </a:p>
@@ -1507,7 +1507,7 @@
             <a:fld id="{1D8BD707-D9CF-40AE-B4C6-C98DA3205C09}" type="datetimeFigureOut">
               <a:rPr lang="en-US" smtClean="0"/>
               <a:pPr/>
-              <a:t>9/27/2018</a:t>
+              <a:t>1/30/2017</a:t>
             </a:fld>
             <a:endParaRPr lang="en-US"/>
           </a:p>
@@ -1792,7 +1792,7 @@
             <a:fld id="{1D8BD707-D9CF-40AE-B4C6-C98DA3205C09}" type="datetimeFigureOut">
               <a:rPr lang="en-US" smtClean="0"/>
               <a:pPr/>
-              <a:t>9/27/2018</a:t>
+              <a:t>1/30/2017</a:t>
             </a:fld>
             <a:endParaRPr lang="en-US"/>
           </a:p>
@@ -2211,7 +2211,7 @@
             <a:fld id="{1D8BD707-D9CF-40AE-B4C6-C98DA3205C09}" type="datetimeFigureOut">
               <a:rPr lang="en-US" smtClean="0"/>
               <a:pPr/>
-              <a:t>9/27/2018</a:t>
+              <a:t>1/30/2017</a:t>
             </a:fld>
             <a:endParaRPr lang="en-US"/>
           </a:p>
@@ -2326,7 +2326,7 @@
             <a:fld id="{1D8BD707-D9CF-40AE-B4C6-C98DA3205C09}" type="datetimeFigureOut">
               <a:rPr lang="en-US" smtClean="0"/>
               <a:pPr/>
-              <a:t>9/27/2018</a:t>
+              <a:t>1/30/2017</a:t>
             </a:fld>
             <a:endParaRPr lang="en-US"/>
           </a:p>
@@ -2418,7 +2418,7 @@
             <a:fld id="{1D8BD707-D9CF-40AE-B4C6-C98DA3205C09}" type="datetimeFigureOut">
               <a:rPr lang="en-US" smtClean="0"/>
               <a:pPr/>
-              <a:t>9/27/2018</a:t>
+              <a:t>1/30/2017</a:t>
             </a:fld>
             <a:endParaRPr lang="en-US"/>
           </a:p>
@@ -2692,7 +2692,7 @@
             <a:fld id="{1D8BD707-D9CF-40AE-B4C6-C98DA3205C09}" type="datetimeFigureOut">
               <a:rPr lang="en-US" smtClean="0"/>
               <a:pPr/>
-              <a:t>9/27/2018</a:t>
+              <a:t>1/30/2017</a:t>
             </a:fld>
             <a:endParaRPr lang="en-US"/>
           </a:p>
@@ -2942,7 +2942,7 @@
             <a:fld id="{1D8BD707-D9CF-40AE-B4C6-C98DA3205C09}" type="datetimeFigureOut">
               <a:rPr lang="en-US" smtClean="0"/>
               <a:pPr/>
-              <a:t>9/27/2018</a:t>
+              <a:t>1/30/2017</a:t>
             </a:fld>
             <a:endParaRPr lang="en-US"/>
           </a:p>
@@ -3152,7 +3152,7 @@
             <a:fld id="{1D8BD707-D9CF-40AE-B4C6-C98DA3205C09}" type="datetimeFigureOut">
               <a:rPr lang="en-US" smtClean="0"/>
               <a:pPr/>
-              <a:t>9/27/2018</a:t>
+              <a:t>1/30/2017</a:t>
             </a:fld>
             <a:endParaRPr lang="en-US"/>
           </a:p>
@@ -3531,8 +3531,8 @@
         </p:nvSpPr>
         <p:spPr>
           <a:xfrm>
-            <a:off x="662780" y="4395788"/>
-            <a:ext cx="1872000" cy="1692000"/>
+            <a:off x="205582" y="4395788"/>
+            <a:ext cx="3942156" cy="1692000"/>
           </a:xfrm>
           <a:prstGeom prst="roundRect">
             <a:avLst>
@@ -3591,7 +3591,7 @@
         <p:spPr>
           <a:xfrm>
             <a:off x="2905581" y="1390988"/>
-            <a:ext cx="1872000" cy="1946312"/>
+            <a:ext cx="1872000" cy="2700000"/>
           </a:xfrm>
           <a:prstGeom prst="roundRect">
             <a:avLst>
@@ -4379,7 +4379,7 @@
         </p:nvGrpSpPr>
         <p:grpSpPr>
           <a:xfrm>
-            <a:off x="806942" y="4774586"/>
+            <a:off x="2343700" y="4774586"/>
             <a:ext cx="1620710" cy="540000"/>
             <a:chOff x="-228600" y="1447249"/>
             <a:chExt cx="1372200" cy="430139"/>
@@ -4440,7 +4440,7 @@
                     </a:schemeClr>
                   </a:solidFill>
                 </a:rPr>
-                <a:t>test::cases</a:t>
+                <a:t>test::driver</a:t>
               </a:r>
               <a:endParaRPr lang="en-SG" sz="1400" b="1" dirty="0">
                 <a:solidFill>
@@ -4704,7 +4704,7 @@
           <p:nvPr/>
         </p:nvCxnSpPr>
         <p:spPr>
-          <a:xfrm>
+          <a:xfrm flipH="1">
             <a:off x="3841581" y="1012522"/>
             <a:ext cx="0" cy="378466"/>
           </a:xfrm>
@@ -4714,6 +4714,46 @@
           <a:ln w="38100">
             <a:solidFill>
               <a:schemeClr val="accent4">
+                <a:lumMod val="75000"/>
+              </a:schemeClr>
+            </a:solidFill>
+            <a:prstDash val="sysDot"/>
+            <a:headEnd type="triangle" w="med" len="med"/>
+            <a:tailEnd type="none" w="med" len="med"/>
+          </a:ln>
+        </p:spPr>
+        <p:style>
+          <a:lnRef idx="1">
+            <a:schemeClr val="accent1"/>
+          </a:lnRef>
+          <a:fillRef idx="0">
+            <a:schemeClr val="accent1"/>
+          </a:fillRef>
+          <a:effectRef idx="0">
+            <a:schemeClr val="accent1"/>
+          </a:effectRef>
+          <a:fontRef idx="minor">
+            <a:schemeClr val="tx1"/>
+          </a:fontRef>
+        </p:style>
+      </p:cxnSp>
+      <p:cxnSp>
+        <p:nvCxnSpPr>
+          <p:cNvPr id="118" name="Straight Arrow Connector 117"/>
+          <p:cNvCxnSpPr/>
+          <p:nvPr/>
+        </p:nvCxnSpPr>
+        <p:spPr>
+          <a:xfrm>
+            <a:off x="434181" y="1012522"/>
+            <a:ext cx="0" cy="3383266"/>
+          </a:xfrm>
+          <a:prstGeom prst="straightConnector1">
+            <a:avLst/>
+          </a:prstGeom>
+          <a:ln w="38100">
+            <a:solidFill>
+              <a:schemeClr val="accent2">
                 <a:lumMod val="75000"/>
               </a:schemeClr>
             </a:solidFill>
@@ -4784,15 +4824,15 @@
         <p:nvCxnSpPr>
           <p:cNvPr id="120" name="Straight Arrow Connector 119"/>
           <p:cNvCxnSpPr>
-            <a:stCxn id="107" idx="2"/>
-            <a:endCxn id="150" idx="0"/>
+            <a:stCxn id="150" idx="2"/>
+            <a:endCxn id="107" idx="2"/>
           </p:cNvCxnSpPr>
           <p:nvPr/>
         </p:nvCxnSpPr>
         <p:spPr>
-          <a:xfrm flipH="1">
-            <a:off x="1614475" y="5314586"/>
-            <a:ext cx="2468" cy="235835"/>
+          <a:xfrm flipV="1">
+            <a:off x="3151233" y="5314586"/>
+            <a:ext cx="2468" cy="667832"/>
           </a:xfrm>
           <a:prstGeom prst="straightConnector1">
             <a:avLst/>
@@ -4806,6 +4846,179 @@
             <a:prstDash val="sysDot"/>
             <a:headEnd type="none" w="med" len="med"/>
             <a:tailEnd type="triangle" w="med" len="med"/>
+          </a:ln>
+        </p:spPr>
+        <p:style>
+          <a:lnRef idx="1">
+            <a:schemeClr val="accent1"/>
+          </a:lnRef>
+          <a:fillRef idx="0">
+            <a:schemeClr val="accent1"/>
+          </a:fillRef>
+          <a:effectRef idx="0">
+            <a:schemeClr val="accent1"/>
+          </a:effectRef>
+          <a:fontRef idx="minor">
+            <a:schemeClr val="tx1"/>
+          </a:fontRef>
+        </p:style>
+      </p:cxnSp>
+      <p:grpSp>
+        <p:nvGrpSpPr>
+          <p:cNvPr id="121" name="Group 120"/>
+          <p:cNvGrpSpPr/>
+          <p:nvPr/>
+        </p:nvGrpSpPr>
+        <p:grpSpPr>
+          <a:xfrm>
+            <a:off x="3038181" y="3358040"/>
+            <a:ext cx="1620000" cy="540000"/>
+            <a:chOff x="-245364" y="1371600"/>
+            <a:chExt cx="1371600" cy="762000"/>
+          </a:xfrm>
+          <a:solidFill>
+            <a:schemeClr val="bg1"/>
+          </a:solidFill>
+        </p:grpSpPr>
+        <p:sp>
+          <p:nvSpPr>
+            <p:cNvPr id="122" name="Rectangle 121"/>
+            <p:cNvSpPr/>
+            <p:nvPr/>
+          </p:nvSpPr>
+          <p:spPr>
+            <a:xfrm>
+              <a:off x="-245364" y="1524000"/>
+              <a:ext cx="1371600" cy="609600"/>
+            </a:xfrm>
+            <a:prstGeom prst="rect">
+              <a:avLst/>
+            </a:prstGeom>
+            <a:grpFill/>
+            <a:ln>
+              <a:solidFill>
+                <a:schemeClr val="accent4">
+                  <a:lumMod val="75000"/>
+                </a:schemeClr>
+              </a:solidFill>
+            </a:ln>
+          </p:spPr>
+          <p:style>
+            <a:lnRef idx="2">
+              <a:schemeClr val="accent1">
+                <a:shade val="50000"/>
+              </a:schemeClr>
+            </a:lnRef>
+            <a:fillRef idx="1">
+              <a:schemeClr val="accent1"/>
+            </a:fillRef>
+            <a:effectRef idx="0">
+              <a:schemeClr val="accent1"/>
+            </a:effectRef>
+            <a:fontRef idx="minor">
+              <a:schemeClr val="lt1"/>
+            </a:fontRef>
+          </p:style>
+          <p:txBody>
+            <a:bodyPr rtlCol="0" anchor="ctr"/>
+            <a:lstStyle/>
+            <a:p>
+              <a:pPr algn="ctr"/>
+              <a:r>
+                <a:rPr lang="en-US" sz="1400" b="1" dirty="0" smtClean="0">
+                  <a:solidFill>
+                    <a:srgbClr val="7030A0"/>
+                  </a:solidFill>
+                </a:rPr>
+                <a:t>logic::backdoor</a:t>
+              </a:r>
+              <a:endParaRPr lang="en-SG" sz="1400" b="1" dirty="0">
+                <a:solidFill>
+                  <a:srgbClr val="7030A0"/>
+                </a:solidFill>
+              </a:endParaRPr>
+            </a:p>
+          </p:txBody>
+        </p:sp>
+        <p:sp>
+          <p:nvSpPr>
+            <p:cNvPr id="123" name="Rectangle 122"/>
+            <p:cNvSpPr/>
+            <p:nvPr/>
+          </p:nvSpPr>
+          <p:spPr>
+            <a:xfrm>
+              <a:off x="669036" y="1371600"/>
+              <a:ext cx="457200" cy="152400"/>
+            </a:xfrm>
+            <a:prstGeom prst="rect">
+              <a:avLst/>
+            </a:prstGeom>
+            <a:grpFill/>
+            <a:ln>
+              <a:solidFill>
+                <a:schemeClr val="accent4">
+                  <a:lumMod val="75000"/>
+                </a:schemeClr>
+              </a:solidFill>
+            </a:ln>
+          </p:spPr>
+          <p:style>
+            <a:lnRef idx="2">
+              <a:schemeClr val="accent1">
+                <a:shade val="50000"/>
+              </a:schemeClr>
+            </a:lnRef>
+            <a:fillRef idx="1">
+              <a:schemeClr val="accent1"/>
+            </a:fillRef>
+            <a:effectRef idx="0">
+              <a:schemeClr val="accent1"/>
+            </a:effectRef>
+            <a:fontRef idx="minor">
+              <a:schemeClr val="lt1"/>
+            </a:fontRef>
+          </p:style>
+          <p:txBody>
+            <a:bodyPr rtlCol="0" anchor="ctr"/>
+            <a:lstStyle/>
+            <a:p>
+              <a:pPr algn="ctr"/>
+              <a:endParaRPr lang="en-SG" sz="1400" b="1">
+                <a:solidFill>
+                  <a:srgbClr val="7030A0"/>
+                </a:solidFill>
+              </a:endParaRPr>
+            </a:p>
+          </p:txBody>
+        </p:sp>
+      </p:grpSp>
+      <p:cxnSp>
+        <p:nvCxnSpPr>
+          <p:cNvPr id="124" name="Straight Arrow Connector 123"/>
+          <p:cNvCxnSpPr>
+            <a:stCxn id="127" idx="2"/>
+            <a:endCxn id="122" idx="0"/>
+          </p:cNvCxnSpPr>
+          <p:nvPr/>
+        </p:nvCxnSpPr>
+        <p:spPr>
+          <a:xfrm>
+            <a:off x="3848181" y="3073988"/>
+            <a:ext cx="0" cy="392052"/>
+          </a:xfrm>
+          <a:prstGeom prst="straightConnector1">
+            <a:avLst/>
+          </a:prstGeom>
+          <a:ln w="38100">
+            <a:solidFill>
+              <a:schemeClr val="accent4">
+                <a:lumMod val="75000"/>
+              </a:schemeClr>
+            </a:solidFill>
+            <a:prstDash val="sysDot"/>
+            <a:headEnd type="triangle" w="med" len="med"/>
+            <a:tailEnd type="none" w="med" len="med"/>
           </a:ln>
         </p:spPr>
         <p:style>
@@ -5140,13 +5353,188 @@
       </p:grpSp>
       <p:grpSp>
         <p:nvGrpSpPr>
+          <p:cNvPr id="142" name="Group 141"/>
+          <p:cNvGrpSpPr/>
+          <p:nvPr/>
+        </p:nvGrpSpPr>
+        <p:grpSpPr>
+          <a:xfrm>
+            <a:off x="791343" y="3354520"/>
+            <a:ext cx="1620000" cy="550098"/>
+            <a:chOff x="-505326" y="1358636"/>
+            <a:chExt cx="1648326" cy="620999"/>
+          </a:xfrm>
+          <a:solidFill>
+            <a:schemeClr val="bg1"/>
+          </a:solidFill>
+        </p:grpSpPr>
+        <p:sp>
+          <p:nvSpPr>
+            <p:cNvPr id="143" name="Rectangle 142"/>
+            <p:cNvSpPr/>
+            <p:nvPr/>
+          </p:nvSpPr>
+          <p:spPr>
+            <a:xfrm>
+              <a:off x="-505326" y="1491955"/>
+              <a:ext cx="1648326" cy="487680"/>
+            </a:xfrm>
+            <a:prstGeom prst="rect">
+              <a:avLst/>
+            </a:prstGeom>
+            <a:grpFill/>
+          </p:spPr>
+          <p:style>
+            <a:lnRef idx="2">
+              <a:schemeClr val="accent1">
+                <a:shade val="50000"/>
+              </a:schemeClr>
+            </a:lnRef>
+            <a:fillRef idx="1">
+              <a:schemeClr val="accent1"/>
+            </a:fillRef>
+            <a:effectRef idx="0">
+              <a:schemeClr val="accent1"/>
+            </a:effectRef>
+            <a:fontRef idx="minor">
+              <a:schemeClr val="lt1"/>
+            </a:fontRef>
+          </p:style>
+          <p:txBody>
+            <a:bodyPr rtlCol="0" anchor="ctr"/>
+            <a:lstStyle/>
+            <a:p>
+              <a:pPr algn="ctr"/>
+              <a:r>
+                <a:rPr lang="en-US" sz="1400" b="1" dirty="0" err="1" smtClean="0">
+                  <a:solidFill>
+                    <a:schemeClr val="accent1">
+                      <a:lumMod val="75000"/>
+                    </a:schemeClr>
+                  </a:solidFill>
+                </a:rPr>
+                <a:t>ui</a:t>
+              </a:r>
+              <a:r>
+                <a:rPr lang="en-US" sz="1400" b="1" dirty="0" smtClean="0">
+                  <a:solidFill>
+                    <a:schemeClr val="accent1">
+                      <a:lumMod val="75000"/>
+                    </a:schemeClr>
+                  </a:solidFill>
+                </a:rPr>
+                <a:t>::view</a:t>
+              </a:r>
+              <a:endParaRPr lang="en-SG" sz="1400" b="1" dirty="0">
+                <a:solidFill>
+                  <a:schemeClr val="accent1">
+                    <a:lumMod val="75000"/>
+                  </a:schemeClr>
+                </a:solidFill>
+              </a:endParaRPr>
+            </a:p>
+          </p:txBody>
+        </p:sp>
+        <p:sp>
+          <p:nvSpPr>
+            <p:cNvPr id="144" name="Rectangle 143"/>
+            <p:cNvSpPr/>
+            <p:nvPr/>
+          </p:nvSpPr>
+          <p:spPr>
+            <a:xfrm>
+              <a:off x="593557" y="1358636"/>
+              <a:ext cx="549442" cy="121920"/>
+            </a:xfrm>
+            <a:prstGeom prst="rect">
+              <a:avLst/>
+            </a:prstGeom>
+            <a:grpFill/>
+          </p:spPr>
+          <p:style>
+            <a:lnRef idx="2">
+              <a:schemeClr val="accent1">
+                <a:shade val="50000"/>
+              </a:schemeClr>
+            </a:lnRef>
+            <a:fillRef idx="1">
+              <a:schemeClr val="accent1"/>
+            </a:fillRef>
+            <a:effectRef idx="0">
+              <a:schemeClr val="accent1"/>
+            </a:effectRef>
+            <a:fontRef idx="minor">
+              <a:schemeClr val="lt1"/>
+            </a:fontRef>
+          </p:style>
+          <p:txBody>
+            <a:bodyPr rtlCol="0" anchor="ctr"/>
+            <a:lstStyle/>
+            <a:p>
+              <a:pPr algn="ctr"/>
+              <a:endParaRPr lang="en-SG" sz="1400" b="1">
+                <a:solidFill>
+                  <a:schemeClr val="accent1">
+                    <a:lumMod val="75000"/>
+                  </a:schemeClr>
+                </a:solidFill>
+              </a:endParaRPr>
+            </a:p>
+          </p:txBody>
+        </p:sp>
+      </p:grpSp>
+      <p:cxnSp>
+        <p:nvCxnSpPr>
+          <p:cNvPr id="145" name="Straight Arrow Connector 144"/>
+          <p:cNvCxnSpPr>
+            <a:stCxn id="95" idx="2"/>
+            <a:endCxn id="143" idx="0"/>
+          </p:cNvCxnSpPr>
+          <p:nvPr/>
+        </p:nvCxnSpPr>
+        <p:spPr>
+          <a:xfrm>
+            <a:off x="1598780" y="3078441"/>
+            <a:ext cx="2563" cy="394177"/>
+          </a:xfrm>
+          <a:prstGeom prst="straightConnector1">
+            <a:avLst/>
+          </a:prstGeom>
+          <a:ln w="38100">
+            <a:solidFill>
+              <a:schemeClr val="accent1">
+                <a:lumMod val="75000"/>
+              </a:schemeClr>
+            </a:solidFill>
+            <a:prstDash val="sysDot"/>
+            <a:headEnd type="none" w="med" len="med"/>
+            <a:tailEnd type="triangle" w="med" len="med"/>
+          </a:ln>
+        </p:spPr>
+        <p:style>
+          <a:lnRef idx="1">
+            <a:schemeClr val="accent1"/>
+          </a:lnRef>
+          <a:fillRef idx="0">
+            <a:schemeClr val="accent1"/>
+          </a:fillRef>
+          <a:effectRef idx="0">
+            <a:schemeClr val="accent1"/>
+          </a:effectRef>
+          <a:fontRef idx="minor">
+            <a:schemeClr val="tx1"/>
+          </a:fontRef>
+        </p:style>
+      </p:cxnSp>
+      <p:grpSp>
+        <p:nvGrpSpPr>
           <p:cNvPr id="149" name="Group 148"/>
           <p:cNvGrpSpPr/>
           <p:nvPr/>
         </p:nvGrpSpPr>
         <p:grpSpPr>
           <a:xfrm>
-            <a:off x="804475" y="5443326"/>
+            <a:off x="2341233" y="5443326"/>
             <a:ext cx="1620000" cy="539096"/>
             <a:chOff x="-228600" y="1435721"/>
             <a:chExt cx="1371600" cy="444386"/>
@@ -5207,17 +5595,7 @@
                     </a:schemeClr>
                   </a:solidFill>
                 </a:rPr>
-                <a:t>test</a:t>
-              </a:r>
-              <a:r>
-                <a:rPr lang="en-US" sz="1400" b="1" dirty="0" smtClean="0">
-                  <a:solidFill>
-                    <a:schemeClr val="accent2">
-                      <a:lumMod val="75000"/>
-                    </a:schemeClr>
-                  </a:solidFill>
-                </a:rPr>
-                <a:t>::driver</a:t>
+                <a:t>test::cases</a:t>
               </a:r>
               <a:endParaRPr lang="en-SG" sz="1400" b="1" dirty="0">
                 <a:solidFill>
@@ -5617,6 +5995,48 @@
           </p:txBody>
         </p:sp>
       </p:grpSp>
+      <p:cxnSp>
+        <p:nvCxnSpPr>
+          <p:cNvPr id="162" name="Straight Arrow Connector 161"/>
+          <p:cNvCxnSpPr>
+            <a:stCxn id="87" idx="1"/>
+          </p:cNvCxnSpPr>
+          <p:nvPr/>
+        </p:nvCxnSpPr>
+        <p:spPr>
+          <a:xfrm rot="10800000">
+            <a:off x="4263259" y="3898040"/>
+            <a:ext cx="1033949" cy="1198780"/>
+          </a:xfrm>
+          <a:prstGeom prst="bentConnector2">
+            <a:avLst/>
+          </a:prstGeom>
+          <a:ln w="38100">
+            <a:solidFill>
+              <a:schemeClr val="accent6">
+                <a:lumMod val="75000"/>
+              </a:schemeClr>
+            </a:solidFill>
+            <a:prstDash val="sysDot"/>
+            <a:headEnd type="none" w="med" len="med"/>
+            <a:tailEnd type="triangle" w="med" len="med"/>
+          </a:ln>
+        </p:spPr>
+        <p:style>
+          <a:lnRef idx="1">
+            <a:schemeClr val="accent1"/>
+          </a:lnRef>
+          <a:fillRef idx="0">
+            <a:schemeClr val="accent1"/>
+          </a:fillRef>
+          <a:effectRef idx="0">
+            <a:schemeClr val="accent1"/>
+          </a:effectRef>
+          <a:fontRef idx="minor">
+            <a:schemeClr val="tx1"/>
+          </a:fontRef>
+        </p:style>
+      </p:cxnSp>
       <p:grpSp>
         <p:nvGrpSpPr>
           <p:cNvPr id="169" name="Group 168"/>
@@ -5851,6 +6271,393 @@
       </p:cxnSp>
       <p:grpSp>
         <p:nvGrpSpPr>
+          <p:cNvPr id="152" name="Group 151"/>
+          <p:cNvGrpSpPr/>
+          <p:nvPr/>
+        </p:nvGrpSpPr>
+        <p:grpSpPr>
+          <a:xfrm>
+            <a:off x="434181" y="4772819"/>
+            <a:ext cx="1620000" cy="540001"/>
+            <a:chOff x="-228600" y="1434974"/>
+            <a:chExt cx="1371600" cy="445133"/>
+          </a:xfrm>
+          <a:solidFill>
+            <a:schemeClr val="bg1"/>
+          </a:solidFill>
+        </p:grpSpPr>
+        <p:sp>
+          <p:nvSpPr>
+            <p:cNvPr id="153" name="Rectangle 152"/>
+            <p:cNvSpPr/>
+            <p:nvPr/>
+          </p:nvSpPr>
+          <p:spPr>
+            <a:xfrm>
+              <a:off x="-228600" y="1524001"/>
+              <a:ext cx="1371600" cy="356106"/>
+            </a:xfrm>
+            <a:prstGeom prst="rect">
+              <a:avLst/>
+            </a:prstGeom>
+            <a:grpFill/>
+            <a:ln>
+              <a:solidFill>
+                <a:schemeClr val="accent2">
+                  <a:lumMod val="75000"/>
+                </a:schemeClr>
+              </a:solidFill>
+            </a:ln>
+          </p:spPr>
+          <p:style>
+            <a:lnRef idx="2">
+              <a:schemeClr val="accent1">
+                <a:shade val="50000"/>
+              </a:schemeClr>
+            </a:lnRef>
+            <a:fillRef idx="1">
+              <a:schemeClr val="accent1"/>
+            </a:fillRef>
+            <a:effectRef idx="0">
+              <a:schemeClr val="accent1"/>
+            </a:effectRef>
+            <a:fontRef idx="minor">
+              <a:schemeClr val="lt1"/>
+            </a:fontRef>
+          </p:style>
+          <p:txBody>
+            <a:bodyPr rtlCol="0" anchor="ctr"/>
+            <a:lstStyle/>
+            <a:p>
+              <a:pPr algn="ctr"/>
+              <a:r>
+                <a:rPr lang="en-US" sz="1400" b="1" dirty="0" smtClean="0">
+                  <a:solidFill>
+                    <a:schemeClr val="accent2">
+                      <a:lumMod val="75000"/>
+                    </a:schemeClr>
+                  </a:solidFill>
+                </a:rPr>
+                <a:t>test::</a:t>
+              </a:r>
+              <a:r>
+                <a:rPr lang="en-US" sz="1400" b="1" dirty="0" err="1" smtClean="0">
+                  <a:solidFill>
+                    <a:schemeClr val="accent2">
+                      <a:lumMod val="75000"/>
+                    </a:schemeClr>
+                  </a:solidFill>
+                </a:rPr>
+                <a:t>pageobjects</a:t>
+              </a:r>
+              <a:endParaRPr lang="en-SG" sz="1400" b="1" dirty="0">
+                <a:solidFill>
+                  <a:schemeClr val="accent2">
+                    <a:lumMod val="75000"/>
+                  </a:schemeClr>
+                </a:solidFill>
+              </a:endParaRPr>
+            </a:p>
+          </p:txBody>
+        </p:sp>
+        <p:sp>
+          <p:nvSpPr>
+            <p:cNvPr id="154" name="Rectangle 153"/>
+            <p:cNvSpPr/>
+            <p:nvPr/>
+          </p:nvSpPr>
+          <p:spPr>
+            <a:xfrm>
+              <a:off x="685800" y="1434974"/>
+              <a:ext cx="457200" cy="89026"/>
+            </a:xfrm>
+            <a:prstGeom prst="rect">
+              <a:avLst/>
+            </a:prstGeom>
+            <a:grpFill/>
+            <a:ln>
+              <a:solidFill>
+                <a:schemeClr val="accent2">
+                  <a:lumMod val="75000"/>
+                </a:schemeClr>
+              </a:solidFill>
+            </a:ln>
+          </p:spPr>
+          <p:style>
+            <a:lnRef idx="2">
+              <a:schemeClr val="accent1">
+                <a:shade val="50000"/>
+              </a:schemeClr>
+            </a:lnRef>
+            <a:fillRef idx="1">
+              <a:schemeClr val="accent1"/>
+            </a:fillRef>
+            <a:effectRef idx="0">
+              <a:schemeClr val="accent1"/>
+            </a:effectRef>
+            <a:fontRef idx="minor">
+              <a:schemeClr val="lt1"/>
+            </a:fontRef>
+          </p:style>
+          <p:txBody>
+            <a:bodyPr rtlCol="0" anchor="ctr"/>
+            <a:lstStyle/>
+            <a:p>
+              <a:pPr algn="ctr"/>
+              <a:endParaRPr lang="en-SG" sz="1400" b="1">
+                <a:solidFill>
+                  <a:schemeClr val="accent2">
+                    <a:lumMod val="75000"/>
+                  </a:schemeClr>
+                </a:solidFill>
+              </a:endParaRPr>
+            </a:p>
+          </p:txBody>
+        </p:sp>
+      </p:grpSp>
+      <p:grpSp>
+        <p:nvGrpSpPr>
+          <p:cNvPr id="155" name="Group 154"/>
+          <p:cNvGrpSpPr/>
+          <p:nvPr/>
+        </p:nvGrpSpPr>
+        <p:grpSpPr>
+          <a:xfrm>
+            <a:off x="434181" y="5442418"/>
+            <a:ext cx="1623808" cy="540548"/>
+            <a:chOff x="-228600" y="1415276"/>
+            <a:chExt cx="1374824" cy="541426"/>
+          </a:xfrm>
+          <a:solidFill>
+            <a:schemeClr val="bg1"/>
+          </a:solidFill>
+        </p:grpSpPr>
+        <p:sp>
+          <p:nvSpPr>
+            <p:cNvPr id="159" name="Rectangle 158"/>
+            <p:cNvSpPr/>
+            <p:nvPr/>
+          </p:nvSpPr>
+          <p:spPr>
+            <a:xfrm>
+              <a:off x="-228600" y="1524000"/>
+              <a:ext cx="1371600" cy="432702"/>
+            </a:xfrm>
+            <a:prstGeom prst="rect">
+              <a:avLst/>
+            </a:prstGeom>
+            <a:grpFill/>
+            <a:ln>
+              <a:solidFill>
+                <a:schemeClr val="accent2">
+                  <a:lumMod val="75000"/>
+                </a:schemeClr>
+              </a:solidFill>
+            </a:ln>
+          </p:spPr>
+          <p:style>
+            <a:lnRef idx="2">
+              <a:schemeClr val="accent1">
+                <a:shade val="50000"/>
+              </a:schemeClr>
+            </a:lnRef>
+            <a:fillRef idx="1">
+              <a:schemeClr val="accent1"/>
+            </a:fillRef>
+            <a:effectRef idx="0">
+              <a:schemeClr val="accent1"/>
+            </a:effectRef>
+            <a:fontRef idx="minor">
+              <a:schemeClr val="lt1"/>
+            </a:fontRef>
+          </p:style>
+          <p:txBody>
+            <a:bodyPr rtlCol="0" anchor="ctr"/>
+            <a:lstStyle/>
+            <a:p>
+              <a:pPr algn="ctr"/>
+              <a:r>
+                <a:rPr lang="en-US" sz="1400" b="1" dirty="0" smtClean="0">
+                  <a:solidFill>
+                    <a:schemeClr val="accent2">
+                      <a:lumMod val="75000"/>
+                    </a:schemeClr>
+                  </a:solidFill>
+                </a:rPr>
+                <a:t>test::cases::</a:t>
+              </a:r>
+              <a:br>
+                <a:rPr lang="en-US" sz="1400" b="1" dirty="0" smtClean="0">
+                  <a:solidFill>
+                    <a:schemeClr val="accent2">
+                      <a:lumMod val="75000"/>
+                    </a:schemeClr>
+                  </a:solidFill>
+                </a:rPr>
+              </a:br>
+              <a:r>
+                <a:rPr lang="en-US" sz="1400" b="1" dirty="0" err="1" smtClean="0">
+                  <a:solidFill>
+                    <a:schemeClr val="accent2">
+                      <a:lumMod val="75000"/>
+                    </a:schemeClr>
+                  </a:solidFill>
+                </a:rPr>
+                <a:t>browsertests</a:t>
+              </a:r>
+              <a:endParaRPr lang="en-SG" sz="1400" b="1" dirty="0">
+                <a:solidFill>
+                  <a:schemeClr val="accent2">
+                    <a:lumMod val="75000"/>
+                  </a:schemeClr>
+                </a:solidFill>
+              </a:endParaRPr>
+            </a:p>
+          </p:txBody>
+        </p:sp>
+        <p:sp>
+          <p:nvSpPr>
+            <p:cNvPr id="160" name="Rectangle 159"/>
+            <p:cNvSpPr/>
+            <p:nvPr/>
+          </p:nvSpPr>
+          <p:spPr>
+            <a:xfrm>
+              <a:off x="689024" y="1415276"/>
+              <a:ext cx="457200" cy="108175"/>
+            </a:xfrm>
+            <a:prstGeom prst="rect">
+              <a:avLst/>
+            </a:prstGeom>
+            <a:grpFill/>
+            <a:ln>
+              <a:solidFill>
+                <a:schemeClr val="accent2">
+                  <a:lumMod val="75000"/>
+                </a:schemeClr>
+              </a:solidFill>
+            </a:ln>
+          </p:spPr>
+          <p:style>
+            <a:lnRef idx="2">
+              <a:schemeClr val="accent1">
+                <a:shade val="50000"/>
+              </a:schemeClr>
+            </a:lnRef>
+            <a:fillRef idx="1">
+              <a:schemeClr val="accent1"/>
+            </a:fillRef>
+            <a:effectRef idx="0">
+              <a:schemeClr val="accent1"/>
+            </a:effectRef>
+            <a:fontRef idx="minor">
+              <a:schemeClr val="lt1"/>
+            </a:fontRef>
+          </p:style>
+          <p:txBody>
+            <a:bodyPr rtlCol="0" anchor="ctr"/>
+            <a:lstStyle/>
+            <a:p>
+              <a:pPr algn="ctr"/>
+              <a:endParaRPr lang="en-SG" sz="1400" b="1">
+                <a:solidFill>
+                  <a:schemeClr val="accent2">
+                    <a:lumMod val="75000"/>
+                  </a:schemeClr>
+                </a:solidFill>
+              </a:endParaRPr>
+            </a:p>
+          </p:txBody>
+        </p:sp>
+      </p:grpSp>
+      <p:cxnSp>
+        <p:nvCxnSpPr>
+          <p:cNvPr id="166" name="Straight Arrow Connector 165"/>
+          <p:cNvCxnSpPr>
+            <a:stCxn id="159" idx="0"/>
+            <a:endCxn id="153" idx="2"/>
+          </p:cNvCxnSpPr>
+          <p:nvPr/>
+        </p:nvCxnSpPr>
+        <p:spPr>
+          <a:xfrm flipV="1">
+            <a:off x="1244181" y="5312820"/>
+            <a:ext cx="0" cy="238146"/>
+          </a:xfrm>
+          <a:prstGeom prst="straightConnector1">
+            <a:avLst/>
+          </a:prstGeom>
+          <a:ln w="38100">
+            <a:solidFill>
+              <a:schemeClr val="accent2">
+                <a:lumMod val="75000"/>
+              </a:schemeClr>
+            </a:solidFill>
+            <a:prstDash val="sysDot"/>
+            <a:headEnd type="none" w="med" len="med"/>
+            <a:tailEnd type="triangle" w="med" len="med"/>
+          </a:ln>
+        </p:spPr>
+        <p:style>
+          <a:lnRef idx="1">
+            <a:schemeClr val="accent1"/>
+          </a:lnRef>
+          <a:fillRef idx="0">
+            <a:schemeClr val="accent1"/>
+          </a:fillRef>
+          <a:effectRef idx="0">
+            <a:schemeClr val="accent1"/>
+          </a:effectRef>
+          <a:fontRef idx="minor">
+            <a:schemeClr val="tx1"/>
+          </a:fontRef>
+        </p:style>
+      </p:cxnSp>
+      <p:cxnSp>
+        <p:nvCxnSpPr>
+          <p:cNvPr id="168" name="Straight Arrow Connector 167"/>
+          <p:cNvCxnSpPr>
+            <a:stCxn id="159" idx="3"/>
+            <a:endCxn id="150" idx="1"/>
+          </p:cNvCxnSpPr>
+          <p:nvPr/>
+        </p:nvCxnSpPr>
+        <p:spPr>
+          <a:xfrm flipV="1">
+            <a:off x="2054181" y="5766418"/>
+            <a:ext cx="287052" cy="548"/>
+          </a:xfrm>
+          <a:prstGeom prst="straightConnector1">
+            <a:avLst/>
+          </a:prstGeom>
+          <a:ln w="38100">
+            <a:solidFill>
+              <a:schemeClr val="accent2">
+                <a:lumMod val="75000"/>
+              </a:schemeClr>
+            </a:solidFill>
+            <a:prstDash val="sysDot"/>
+            <a:headEnd type="none" w="med" len="med"/>
+            <a:tailEnd type="triangle" w="med" len="med"/>
+          </a:ln>
+        </p:spPr>
+        <p:style>
+          <a:lnRef idx="1">
+            <a:schemeClr val="accent1"/>
+          </a:lnRef>
+          <a:fillRef idx="0">
+            <a:schemeClr val="accent1"/>
+          </a:fillRef>
+          <a:effectRef idx="0">
+            <a:schemeClr val="accent1"/>
+          </a:effectRef>
+          <a:fontRef idx="minor">
+            <a:schemeClr val="tx1"/>
+          </a:fontRef>
+        </p:style>
+      </p:cxnSp>
+      <p:grpSp>
+        <p:nvGrpSpPr>
           <p:cNvPr id="161" name="Group 160"/>
           <p:cNvGrpSpPr/>
           <p:nvPr/>
@@ -6297,6 +7104,51 @@
       </p:cxnSp>
       <p:cxnSp>
         <p:nvCxnSpPr>
+          <p:cNvPr id="186" name="Elbow Connector 185"/>
+          <p:cNvCxnSpPr>
+            <a:stCxn id="122" idx="3"/>
+            <a:endCxn id="104" idx="1"/>
+          </p:cNvCxnSpPr>
+          <p:nvPr/>
+        </p:nvCxnSpPr>
+        <p:spPr>
+          <a:xfrm flipV="1">
+            <a:off x="4658181" y="2857988"/>
+            <a:ext cx="639574" cy="824052"/>
+          </a:xfrm>
+          <a:prstGeom prst="bentConnector3">
+            <a:avLst>
+              <a:gd name="adj1" fmla="val 50000"/>
+            </a:avLst>
+          </a:prstGeom>
+          <a:ln w="38100">
+            <a:solidFill>
+              <a:schemeClr val="accent4">
+                <a:lumMod val="75000"/>
+              </a:schemeClr>
+            </a:solidFill>
+            <a:prstDash val="sysDot"/>
+            <a:headEnd type="none" w="med" len="med"/>
+            <a:tailEnd type="triangle" w="med" len="med"/>
+          </a:ln>
+        </p:spPr>
+        <p:style>
+          <a:lnRef idx="1">
+            <a:schemeClr val="accent1"/>
+          </a:lnRef>
+          <a:fillRef idx="0">
+            <a:schemeClr val="accent1"/>
+          </a:fillRef>
+          <a:effectRef idx="0">
+            <a:schemeClr val="accent1"/>
+          </a:effectRef>
+          <a:fontRef idx="minor">
+            <a:schemeClr val="tx1"/>
+          </a:fontRef>
+        </p:style>
+      </p:cxnSp>
+      <p:cxnSp>
+        <p:nvCxnSpPr>
           <p:cNvPr id="187" name="Straight Arrow Connector 186"/>
           <p:cNvCxnSpPr>
             <a:stCxn id="104" idx="2"/>
@@ -6503,729 +7355,21 @@
           </a:fontRef>
         </p:style>
       </p:cxnSp>
-      <p:sp>
-        <p:nvSpPr>
-          <p:cNvPr id="140" name="Rounded Rectangle 139"/>
-          <p:cNvSpPr/>
-          <p:nvPr/>
-        </p:nvSpPr>
-        <p:spPr>
-          <a:xfrm>
-            <a:off x="2902059" y="3734781"/>
-            <a:ext cx="1872000" cy="2353007"/>
-          </a:xfrm>
-          <a:prstGeom prst="roundRect">
-            <a:avLst>
-              <a:gd name="adj" fmla="val 9190"/>
-            </a:avLst>
-          </a:prstGeom>
-          <a:solidFill>
-            <a:schemeClr val="accent6">
-              <a:lumMod val="60000"/>
-              <a:lumOff val="40000"/>
-            </a:schemeClr>
-          </a:solidFill>
-          <a:ln>
-            <a:solidFill>
-              <a:schemeClr val="accent6">
-                <a:lumMod val="75000"/>
-              </a:schemeClr>
-            </a:solidFill>
-          </a:ln>
-        </p:spPr>
-        <p:style>
-          <a:lnRef idx="2">
-            <a:schemeClr val="accent1">
-              <a:shade val="50000"/>
-            </a:schemeClr>
-          </a:lnRef>
-          <a:fillRef idx="1">
-            <a:schemeClr val="accent1"/>
-          </a:fillRef>
-          <a:effectRef idx="0">
-            <a:schemeClr val="accent1"/>
-          </a:effectRef>
-          <a:fontRef idx="minor">
-            <a:schemeClr val="lt1"/>
-          </a:fontRef>
-        </p:style>
-        <p:txBody>
-          <a:bodyPr rtlCol="0" anchor="t" anchorCtr="0"/>
-          <a:lstStyle/>
-          <a:p>
-            <a:pPr algn="ctr"/>
-            <a:r>
-              <a:rPr lang="en-US" sz="1600" b="1" dirty="0" smtClean="0"/>
-              <a:t>E2E</a:t>
-            </a:r>
-            <a:endParaRPr lang="en-SG" sz="1600" b="1" dirty="0"/>
-          </a:p>
-        </p:txBody>
-      </p:sp>
-      <p:grpSp>
-        <p:nvGrpSpPr>
-          <p:cNvPr id="141" name="Group 140"/>
-          <p:cNvGrpSpPr/>
-          <p:nvPr/>
-        </p:nvGrpSpPr>
-        <p:grpSpPr>
-          <a:xfrm>
-            <a:off x="3032442" y="4772820"/>
-            <a:ext cx="1620000" cy="540000"/>
-            <a:chOff x="-533400" y="1371600"/>
-            <a:chExt cx="1676400" cy="762000"/>
-          </a:xfrm>
-          <a:solidFill>
-            <a:schemeClr val="bg1"/>
-          </a:solidFill>
-        </p:grpSpPr>
-        <p:sp>
-          <p:nvSpPr>
-            <p:cNvPr id="146" name="Rectangle 145"/>
-            <p:cNvSpPr/>
-            <p:nvPr/>
-          </p:nvSpPr>
-          <p:spPr>
-            <a:xfrm>
-              <a:off x="-533400" y="1524000"/>
-              <a:ext cx="1676400" cy="609600"/>
-            </a:xfrm>
-            <a:prstGeom prst="rect">
-              <a:avLst/>
-            </a:prstGeom>
-            <a:grpFill/>
-            <a:ln>
-              <a:solidFill>
-                <a:schemeClr val="accent6">
-                  <a:lumMod val="75000"/>
-                </a:schemeClr>
-              </a:solidFill>
-            </a:ln>
-          </p:spPr>
-          <p:style>
-            <a:lnRef idx="2">
-              <a:schemeClr val="accent1">
-                <a:shade val="50000"/>
-              </a:schemeClr>
-            </a:lnRef>
-            <a:fillRef idx="1">
-              <a:schemeClr val="accent1"/>
-            </a:fillRef>
-            <a:effectRef idx="0">
-              <a:schemeClr val="accent1"/>
-            </a:effectRef>
-            <a:fontRef idx="minor">
-              <a:schemeClr val="lt1"/>
-            </a:fontRef>
-          </p:style>
-          <p:txBody>
-            <a:bodyPr rtlCol="0" anchor="ctr"/>
-            <a:lstStyle/>
-            <a:p>
-              <a:pPr algn="ctr"/>
-              <a:r>
-                <a:rPr lang="en-US" sz="1400" b="1" dirty="0" smtClean="0">
-                  <a:solidFill>
-                    <a:schemeClr val="accent6">
-                      <a:lumMod val="75000"/>
-                    </a:schemeClr>
-                  </a:solidFill>
-                </a:rPr>
-                <a:t>e2e::cases</a:t>
-              </a:r>
-              <a:endParaRPr lang="en-US" sz="1400" b="1" dirty="0" smtClean="0">
-                <a:solidFill>
-                  <a:schemeClr val="accent6">
-                    <a:lumMod val="75000"/>
-                  </a:schemeClr>
-                </a:solidFill>
-              </a:endParaRPr>
-            </a:p>
-          </p:txBody>
-        </p:sp>
-        <p:sp>
-          <p:nvSpPr>
-            <p:cNvPr id="147" name="Rectangle 146"/>
-            <p:cNvSpPr/>
-            <p:nvPr/>
-          </p:nvSpPr>
-          <p:spPr>
-            <a:xfrm>
-              <a:off x="647700" y="1371600"/>
-              <a:ext cx="495300" cy="152400"/>
-            </a:xfrm>
-            <a:prstGeom prst="rect">
-              <a:avLst/>
-            </a:prstGeom>
-            <a:grpFill/>
-            <a:ln>
-              <a:solidFill>
-                <a:schemeClr val="accent6">
-                  <a:lumMod val="75000"/>
-                </a:schemeClr>
-              </a:solidFill>
-            </a:ln>
-          </p:spPr>
-          <p:style>
-            <a:lnRef idx="2">
-              <a:schemeClr val="accent1">
-                <a:shade val="50000"/>
-              </a:schemeClr>
-            </a:lnRef>
-            <a:fillRef idx="1">
-              <a:schemeClr val="accent1"/>
-            </a:fillRef>
-            <a:effectRef idx="0">
-              <a:schemeClr val="accent1"/>
-            </a:effectRef>
-            <a:fontRef idx="minor">
-              <a:schemeClr val="lt1"/>
-            </a:fontRef>
-          </p:style>
-          <p:txBody>
-            <a:bodyPr rtlCol="0" anchor="ctr"/>
-            <a:lstStyle/>
-            <a:p>
-              <a:pPr algn="ctr"/>
-              <a:endParaRPr lang="en-SG" sz="1400" b="1">
-                <a:solidFill>
-                  <a:schemeClr val="accent6">
-                    <a:lumMod val="75000"/>
-                  </a:schemeClr>
-                </a:solidFill>
-              </a:endParaRPr>
-            </a:p>
-          </p:txBody>
-        </p:sp>
-      </p:grpSp>
-      <p:grpSp>
-        <p:nvGrpSpPr>
-          <p:cNvPr id="148" name="Group 147"/>
-          <p:cNvGrpSpPr/>
-          <p:nvPr/>
-        </p:nvGrpSpPr>
-        <p:grpSpPr>
-          <a:xfrm>
-            <a:off x="3032990" y="5442418"/>
-            <a:ext cx="1620000" cy="540000"/>
-            <a:chOff x="-533400" y="1371600"/>
-            <a:chExt cx="1676400" cy="762000"/>
-          </a:xfrm>
-          <a:solidFill>
-            <a:schemeClr val="bg1"/>
-          </a:solidFill>
-        </p:grpSpPr>
-        <p:sp>
-          <p:nvSpPr>
-            <p:cNvPr id="163" name="Rectangle 162"/>
-            <p:cNvSpPr/>
-            <p:nvPr/>
-          </p:nvSpPr>
-          <p:spPr>
-            <a:xfrm>
-              <a:off x="-533400" y="1524000"/>
-              <a:ext cx="1676400" cy="609600"/>
-            </a:xfrm>
-            <a:prstGeom prst="rect">
-              <a:avLst/>
-            </a:prstGeom>
-            <a:grpFill/>
-            <a:ln>
-              <a:solidFill>
-                <a:schemeClr val="accent6">
-                  <a:lumMod val="75000"/>
-                </a:schemeClr>
-              </a:solidFill>
-            </a:ln>
-          </p:spPr>
-          <p:style>
-            <a:lnRef idx="2">
-              <a:schemeClr val="accent1">
-                <a:shade val="50000"/>
-              </a:schemeClr>
-            </a:lnRef>
-            <a:fillRef idx="1">
-              <a:schemeClr val="accent1"/>
-            </a:fillRef>
-            <a:effectRef idx="0">
-              <a:schemeClr val="accent1"/>
-            </a:effectRef>
-            <a:fontRef idx="minor">
-              <a:schemeClr val="lt1"/>
-            </a:fontRef>
-          </p:style>
-          <p:txBody>
-            <a:bodyPr rtlCol="0" anchor="ctr"/>
-            <a:lstStyle/>
-            <a:p>
-              <a:pPr algn="ctr"/>
-              <a:r>
-                <a:rPr lang="en-US" sz="1400" b="1" dirty="0" smtClean="0">
-                  <a:solidFill>
-                    <a:schemeClr val="accent6">
-                      <a:lumMod val="75000"/>
-                    </a:schemeClr>
-                  </a:solidFill>
-                </a:rPr>
-                <a:t>e2e::</a:t>
-              </a:r>
-              <a:r>
-                <a:rPr lang="en-US" sz="1400" b="1" dirty="0" err="1" smtClean="0">
-                  <a:solidFill>
-                    <a:schemeClr val="accent6">
-                      <a:lumMod val="75000"/>
-                    </a:schemeClr>
-                  </a:solidFill>
-                </a:rPr>
-                <a:t>util</a:t>
-              </a:r>
-              <a:endParaRPr lang="en-US" sz="1400" b="1" dirty="0" smtClean="0">
-                <a:solidFill>
-                  <a:schemeClr val="accent6">
-                    <a:lumMod val="75000"/>
-                  </a:schemeClr>
-                </a:solidFill>
-              </a:endParaRPr>
-            </a:p>
-          </p:txBody>
-        </p:sp>
-        <p:sp>
-          <p:nvSpPr>
-            <p:cNvPr id="164" name="Rectangle 163"/>
-            <p:cNvSpPr/>
-            <p:nvPr/>
-          </p:nvSpPr>
-          <p:spPr>
-            <a:xfrm>
-              <a:off x="647700" y="1371600"/>
-              <a:ext cx="495300" cy="152400"/>
-            </a:xfrm>
-            <a:prstGeom prst="rect">
-              <a:avLst/>
-            </a:prstGeom>
-            <a:grpFill/>
-            <a:ln>
-              <a:solidFill>
-                <a:schemeClr val="accent6">
-                  <a:lumMod val="75000"/>
-                </a:schemeClr>
-              </a:solidFill>
-            </a:ln>
-          </p:spPr>
-          <p:style>
-            <a:lnRef idx="2">
-              <a:schemeClr val="accent1">
-                <a:shade val="50000"/>
-              </a:schemeClr>
-            </a:lnRef>
-            <a:fillRef idx="1">
-              <a:schemeClr val="accent1"/>
-            </a:fillRef>
-            <a:effectRef idx="0">
-              <a:schemeClr val="accent1"/>
-            </a:effectRef>
-            <a:fontRef idx="minor">
-              <a:schemeClr val="lt1"/>
-            </a:fontRef>
-          </p:style>
-          <p:txBody>
-            <a:bodyPr rtlCol="0" anchor="ctr"/>
-            <a:lstStyle/>
-            <a:p>
-              <a:pPr algn="ctr"/>
-              <a:endParaRPr lang="en-SG" sz="1400" b="1">
-                <a:solidFill>
-                  <a:schemeClr val="accent6">
-                    <a:lumMod val="75000"/>
-                  </a:schemeClr>
-                </a:solidFill>
-              </a:endParaRPr>
-            </a:p>
-          </p:txBody>
-        </p:sp>
-      </p:grpSp>
       <p:cxnSp>
         <p:nvCxnSpPr>
-          <p:cNvPr id="165" name="Straight Arrow Connector 164"/>
+          <p:cNvPr id="195" name="Straight Arrow Connector 161"/>
           <p:cNvCxnSpPr>
-            <a:stCxn id="146" idx="2"/>
-            <a:endCxn id="163" idx="0"/>
+            <a:stCxn id="85" idx="3"/>
           </p:cNvCxnSpPr>
           <p:nvPr/>
         </p:nvCxnSpPr>
         <p:spPr>
-          <a:xfrm>
-            <a:off x="3842442" y="5312820"/>
-            <a:ext cx="548" cy="237598"/>
+          <a:xfrm flipV="1">
+            <a:off x="7038824" y="1012522"/>
+            <a:ext cx="261179" cy="4229266"/>
           </a:xfrm>
-          <a:prstGeom prst="straightConnector1">
+          <a:prstGeom prst="bentConnector2">
             <a:avLst/>
-          </a:prstGeom>
-          <a:ln w="38100">
-            <a:solidFill>
-              <a:schemeClr val="accent6">
-                <a:lumMod val="75000"/>
-              </a:schemeClr>
-            </a:solidFill>
-            <a:prstDash val="sysDot"/>
-            <a:headEnd type="none" w="med" len="med"/>
-            <a:tailEnd type="triangle" w="med" len="med"/>
-          </a:ln>
-        </p:spPr>
-        <p:style>
-          <a:lnRef idx="1">
-            <a:schemeClr val="accent1"/>
-          </a:lnRef>
-          <a:fillRef idx="0">
-            <a:schemeClr val="accent1"/>
-          </a:fillRef>
-          <a:effectRef idx="0">
-            <a:schemeClr val="accent1"/>
-          </a:effectRef>
-          <a:fontRef idx="minor">
-            <a:schemeClr val="tx1"/>
-          </a:fontRef>
-        </p:style>
-      </p:cxnSp>
-      <p:grpSp>
-        <p:nvGrpSpPr>
-          <p:cNvPr id="167" name="Group 166"/>
-          <p:cNvGrpSpPr/>
-          <p:nvPr/>
-        </p:nvGrpSpPr>
-        <p:grpSpPr>
-          <a:xfrm>
-            <a:off x="3028058" y="4099137"/>
-            <a:ext cx="1620000" cy="540000"/>
-            <a:chOff x="-533400" y="1371600"/>
-            <a:chExt cx="1676400" cy="762000"/>
-          </a:xfrm>
-          <a:solidFill>
-            <a:schemeClr val="bg1"/>
-          </a:solidFill>
-        </p:grpSpPr>
-        <p:sp>
-          <p:nvSpPr>
-            <p:cNvPr id="176" name="Rectangle 175"/>
-            <p:cNvSpPr/>
-            <p:nvPr/>
-          </p:nvSpPr>
-          <p:spPr>
-            <a:xfrm>
-              <a:off x="-533400" y="1524000"/>
-              <a:ext cx="1676400" cy="609600"/>
-            </a:xfrm>
-            <a:prstGeom prst="rect">
-              <a:avLst/>
-            </a:prstGeom>
-            <a:grpFill/>
-            <a:ln>
-              <a:solidFill>
-                <a:schemeClr val="accent6">
-                  <a:lumMod val="75000"/>
-                </a:schemeClr>
-              </a:solidFill>
-            </a:ln>
-          </p:spPr>
-          <p:style>
-            <a:lnRef idx="2">
-              <a:schemeClr val="accent1">
-                <a:shade val="50000"/>
-              </a:schemeClr>
-            </a:lnRef>
-            <a:fillRef idx="1">
-              <a:schemeClr val="accent1"/>
-            </a:fillRef>
-            <a:effectRef idx="0">
-              <a:schemeClr val="accent1"/>
-            </a:effectRef>
-            <a:fontRef idx="minor">
-              <a:schemeClr val="lt1"/>
-            </a:fontRef>
-          </p:style>
-          <p:txBody>
-            <a:bodyPr rtlCol="0" anchor="ctr"/>
-            <a:lstStyle/>
-            <a:p>
-              <a:pPr algn="ctr"/>
-              <a:r>
-                <a:rPr lang="en-US" sz="1400" b="1" dirty="0" smtClean="0">
-                  <a:solidFill>
-                    <a:schemeClr val="accent6">
-                      <a:lumMod val="75000"/>
-                    </a:schemeClr>
-                  </a:solidFill>
-                </a:rPr>
-                <a:t>e2e::</a:t>
-              </a:r>
-              <a:r>
-                <a:rPr lang="en-US" sz="1400" b="1" dirty="0" err="1" smtClean="0">
-                  <a:solidFill>
-                    <a:schemeClr val="accent6">
-                      <a:lumMod val="75000"/>
-                    </a:schemeClr>
-                  </a:solidFill>
-                </a:rPr>
-                <a:t>pageobjects</a:t>
-              </a:r>
-              <a:endParaRPr lang="en-US" sz="1400" b="1" dirty="0" smtClean="0">
-                <a:solidFill>
-                  <a:schemeClr val="accent6">
-                    <a:lumMod val="75000"/>
-                  </a:schemeClr>
-                </a:solidFill>
-              </a:endParaRPr>
-            </a:p>
-          </p:txBody>
-        </p:sp>
-        <p:sp>
-          <p:nvSpPr>
-            <p:cNvPr id="177" name="Rectangle 176"/>
-            <p:cNvSpPr/>
-            <p:nvPr/>
-          </p:nvSpPr>
-          <p:spPr>
-            <a:xfrm>
-              <a:off x="647700" y="1371600"/>
-              <a:ext cx="495300" cy="152400"/>
-            </a:xfrm>
-            <a:prstGeom prst="rect">
-              <a:avLst/>
-            </a:prstGeom>
-            <a:grpFill/>
-            <a:ln>
-              <a:solidFill>
-                <a:schemeClr val="accent6">
-                  <a:lumMod val="75000"/>
-                </a:schemeClr>
-              </a:solidFill>
-            </a:ln>
-          </p:spPr>
-          <p:style>
-            <a:lnRef idx="2">
-              <a:schemeClr val="accent1">
-                <a:shade val="50000"/>
-              </a:schemeClr>
-            </a:lnRef>
-            <a:fillRef idx="1">
-              <a:schemeClr val="accent1"/>
-            </a:fillRef>
-            <a:effectRef idx="0">
-              <a:schemeClr val="accent1"/>
-            </a:effectRef>
-            <a:fontRef idx="minor">
-              <a:schemeClr val="lt1"/>
-            </a:fontRef>
-          </p:style>
-          <p:txBody>
-            <a:bodyPr rtlCol="0" anchor="ctr"/>
-            <a:lstStyle/>
-            <a:p>
-              <a:pPr algn="ctr"/>
-              <a:endParaRPr lang="en-SG" sz="1400" b="1">
-                <a:solidFill>
-                  <a:schemeClr val="accent6">
-                    <a:lumMod val="75000"/>
-                  </a:schemeClr>
-                </a:solidFill>
-              </a:endParaRPr>
-            </a:p>
-          </p:txBody>
-        </p:sp>
-      </p:grpSp>
-      <p:cxnSp>
-        <p:nvCxnSpPr>
-          <p:cNvPr id="178" name="Straight Arrow Connector 177"/>
-          <p:cNvCxnSpPr>
-            <a:stCxn id="146" idx="0"/>
-            <a:endCxn id="176" idx="2"/>
-          </p:cNvCxnSpPr>
-          <p:nvPr/>
-        </p:nvCxnSpPr>
-        <p:spPr>
-          <a:xfrm flipH="1" flipV="1">
-            <a:off x="3838058" y="4639137"/>
-            <a:ext cx="4384" cy="241683"/>
-          </a:xfrm>
-          <a:prstGeom prst="straightConnector1">
-            <a:avLst/>
-          </a:prstGeom>
-          <a:ln w="38100">
-            <a:solidFill>
-              <a:schemeClr val="accent6">
-                <a:lumMod val="75000"/>
-              </a:schemeClr>
-            </a:solidFill>
-            <a:prstDash val="sysDot"/>
-            <a:headEnd type="none" w="med" len="med"/>
-            <a:tailEnd type="triangle" w="med" len="med"/>
-          </a:ln>
-        </p:spPr>
-        <p:style>
-          <a:lnRef idx="1">
-            <a:schemeClr val="accent1"/>
-          </a:lnRef>
-          <a:fillRef idx="0">
-            <a:schemeClr val="accent1"/>
-          </a:fillRef>
-          <a:effectRef idx="0">
-            <a:schemeClr val="accent1"/>
-          </a:effectRef>
-          <a:fontRef idx="minor">
-            <a:schemeClr val="tx1"/>
-          </a:fontRef>
-        </p:style>
-      </p:cxnSp>
-      <p:grpSp>
-        <p:nvGrpSpPr>
-          <p:cNvPr id="179" name="Group 178"/>
-          <p:cNvGrpSpPr/>
-          <p:nvPr/>
-        </p:nvGrpSpPr>
-        <p:grpSpPr>
-          <a:xfrm>
-            <a:off x="794333" y="3287586"/>
-            <a:ext cx="1620000" cy="540002"/>
-            <a:chOff x="-228600" y="1364151"/>
-            <a:chExt cx="1371600" cy="609602"/>
-          </a:xfrm>
-          <a:solidFill>
-            <a:schemeClr val="bg1"/>
-          </a:solidFill>
-        </p:grpSpPr>
-        <p:sp>
-          <p:nvSpPr>
-            <p:cNvPr id="191" name="Rectangle 190"/>
-            <p:cNvSpPr/>
-            <p:nvPr/>
-          </p:nvSpPr>
-          <p:spPr>
-            <a:xfrm>
-              <a:off x="-228600" y="1486072"/>
-              <a:ext cx="1371600" cy="487681"/>
-            </a:xfrm>
-            <a:prstGeom prst="rect">
-              <a:avLst/>
-            </a:prstGeom>
-            <a:grpFill/>
-          </p:spPr>
-          <p:style>
-            <a:lnRef idx="2">
-              <a:schemeClr val="accent1">
-                <a:shade val="50000"/>
-              </a:schemeClr>
-            </a:lnRef>
-            <a:fillRef idx="1">
-              <a:schemeClr val="accent1"/>
-            </a:fillRef>
-            <a:effectRef idx="0">
-              <a:schemeClr val="accent1"/>
-            </a:effectRef>
-            <a:fontRef idx="minor">
-              <a:schemeClr val="lt1"/>
-            </a:fontRef>
-          </p:style>
-          <p:txBody>
-            <a:bodyPr rtlCol="0" anchor="ctr"/>
-            <a:lstStyle/>
-            <a:p>
-              <a:pPr algn="ctr"/>
-              <a:r>
-                <a:rPr lang="en-US" sz="1400" b="1" dirty="0" err="1" smtClean="0">
-                  <a:solidFill>
-                    <a:schemeClr val="accent1">
-                      <a:lumMod val="75000"/>
-                    </a:schemeClr>
-                  </a:solidFill>
-                </a:rPr>
-                <a:t>ui</a:t>
-              </a:r>
-              <a:r>
-                <a:rPr lang="en-US" sz="1400" b="1" dirty="0" smtClean="0">
-                  <a:solidFill>
-                    <a:schemeClr val="accent1">
-                      <a:lumMod val="75000"/>
-                    </a:schemeClr>
-                  </a:solidFill>
-                </a:rPr>
-                <a:t>::website</a:t>
-              </a:r>
-              <a:endParaRPr lang="en-SG" sz="1400" b="1" dirty="0">
-                <a:solidFill>
-                  <a:schemeClr val="accent1">
-                    <a:lumMod val="75000"/>
-                  </a:schemeClr>
-                </a:solidFill>
-              </a:endParaRPr>
-            </a:p>
-          </p:txBody>
-        </p:sp>
-        <p:sp>
-          <p:nvSpPr>
-            <p:cNvPr id="192" name="Rectangle 191"/>
-            <p:cNvSpPr/>
-            <p:nvPr/>
-          </p:nvSpPr>
-          <p:spPr>
-            <a:xfrm>
-              <a:off x="685800" y="1364151"/>
-              <a:ext cx="457200" cy="121920"/>
-            </a:xfrm>
-            <a:prstGeom prst="rect">
-              <a:avLst/>
-            </a:prstGeom>
-            <a:grpFill/>
-          </p:spPr>
-          <p:style>
-            <a:lnRef idx="2">
-              <a:schemeClr val="accent1">
-                <a:shade val="50000"/>
-              </a:schemeClr>
-            </a:lnRef>
-            <a:fillRef idx="1">
-              <a:schemeClr val="accent1"/>
-            </a:fillRef>
-            <a:effectRef idx="0">
-              <a:schemeClr val="accent1"/>
-            </a:effectRef>
-            <a:fontRef idx="minor">
-              <a:schemeClr val="lt1"/>
-            </a:fontRef>
-          </p:style>
-          <p:txBody>
-            <a:bodyPr rtlCol="0" anchor="ctr"/>
-            <a:lstStyle/>
-            <a:p>
-              <a:pPr algn="ctr"/>
-              <a:endParaRPr lang="en-SG" sz="1400" b="1">
-                <a:solidFill>
-                  <a:schemeClr val="accent1">
-                    <a:lumMod val="75000"/>
-                  </a:schemeClr>
-                </a:solidFill>
-              </a:endParaRPr>
-            </a:p>
-          </p:txBody>
-        </p:sp>
-      </p:grpSp>
-      <p:cxnSp>
-        <p:nvCxnSpPr>
-          <p:cNvPr id="193" name="Elbow Connector 192"/>
-          <p:cNvCxnSpPr>
-            <a:stCxn id="176" idx="1"/>
-            <a:endCxn id="191" idx="3"/>
-          </p:cNvCxnSpPr>
-          <p:nvPr/>
-        </p:nvCxnSpPr>
-        <p:spPr>
-          <a:xfrm rot="10800000">
-            <a:off x="2414334" y="3611589"/>
-            <a:ext cx="613725" cy="811549"/>
-          </a:xfrm>
-          <a:prstGeom prst="bentConnector3">
-            <a:avLst>
-              <a:gd name="adj1" fmla="val 50000"/>
-            </a:avLst>
           </a:prstGeom>
           <a:ln w="38100">
             <a:solidFill>
@@ -7255,21 +7399,20 @@
       </p:cxnSp>
       <p:cxnSp>
         <p:nvCxnSpPr>
-          <p:cNvPr id="194" name="Elbow Connector 193"/>
+          <p:cNvPr id="201" name="Straight Arrow Connector 161"/>
           <p:cNvCxnSpPr>
-            <a:stCxn id="107" idx="1"/>
-            <a:endCxn id="191" idx="1"/>
+            <a:endCxn id="122" idx="2"/>
           </p:cNvCxnSpPr>
           <p:nvPr/>
         </p:nvCxnSpPr>
         <p:spPr>
-          <a:xfrm rot="10800000">
-            <a:off x="794334" y="3611588"/>
-            <a:ext cx="12609" cy="1486998"/>
+          <a:xfrm rot="5400000" flipH="1" flipV="1">
+            <a:off x="3605657" y="4153264"/>
+            <a:ext cx="497748" cy="0"/>
           </a:xfrm>
           <a:prstGeom prst="bentConnector3">
             <a:avLst>
-              <a:gd name="adj1" fmla="val 2753795"/>
+              <a:gd name="adj1" fmla="val 50000"/>
             </a:avLst>
           </a:prstGeom>
           <a:ln w="38100">

--- a/docs/images/packageDiagram.pptx
+++ b/docs/images/packageDiagram.pptx
@@ -212,7 +212,7 @@
             <a:fld id="{5D8FA8FF-20DC-44E5-8C35-13EAF0A5698C}" type="datetimeFigureOut">
               <a:rPr lang="en-SG" smtClean="0"/>
               <a:pPr/>
-              <a:t>27/9/2018</a:t>
+              <a:t>14/8/2020</a:t>
             </a:fld>
             <a:endParaRPr lang="en-SG"/>
           </a:p>
@@ -753,7 +753,7 @@
             <a:fld id="{1D8BD707-D9CF-40AE-B4C6-C98DA3205C09}" type="datetimeFigureOut">
               <a:rPr lang="en-US" smtClean="0"/>
               <a:pPr/>
-              <a:t>9/27/2018</a:t>
+              <a:t>8/14/2020</a:t>
             </a:fld>
             <a:endParaRPr lang="en-US"/>
           </a:p>
@@ -920,7 +920,7 @@
             <a:fld id="{1D8BD707-D9CF-40AE-B4C6-C98DA3205C09}" type="datetimeFigureOut">
               <a:rPr lang="en-US" smtClean="0"/>
               <a:pPr/>
-              <a:t>9/27/2018</a:t>
+              <a:t>8/14/2020</a:t>
             </a:fld>
             <a:endParaRPr lang="en-US"/>
           </a:p>
@@ -1097,7 +1097,7 @@
             <a:fld id="{1D8BD707-D9CF-40AE-B4C6-C98DA3205C09}" type="datetimeFigureOut">
               <a:rPr lang="en-US" smtClean="0"/>
               <a:pPr/>
-              <a:t>9/27/2018</a:t>
+              <a:t>8/14/2020</a:t>
             </a:fld>
             <a:endParaRPr lang="en-US"/>
           </a:p>
@@ -1264,7 +1264,7 @@
             <a:fld id="{1D8BD707-D9CF-40AE-B4C6-C98DA3205C09}" type="datetimeFigureOut">
               <a:rPr lang="en-US" smtClean="0"/>
               <a:pPr/>
-              <a:t>9/27/2018</a:t>
+              <a:t>8/14/2020</a:t>
             </a:fld>
             <a:endParaRPr lang="en-US"/>
           </a:p>
@@ -1507,7 +1507,7 @@
             <a:fld id="{1D8BD707-D9CF-40AE-B4C6-C98DA3205C09}" type="datetimeFigureOut">
               <a:rPr lang="en-US" smtClean="0"/>
               <a:pPr/>
-              <a:t>9/27/2018</a:t>
+              <a:t>8/14/2020</a:t>
             </a:fld>
             <a:endParaRPr lang="en-US"/>
           </a:p>
@@ -1792,7 +1792,7 @@
             <a:fld id="{1D8BD707-D9CF-40AE-B4C6-C98DA3205C09}" type="datetimeFigureOut">
               <a:rPr lang="en-US" smtClean="0"/>
               <a:pPr/>
-              <a:t>9/27/2018</a:t>
+              <a:t>8/14/2020</a:t>
             </a:fld>
             <a:endParaRPr lang="en-US"/>
           </a:p>
@@ -2211,7 +2211,7 @@
             <a:fld id="{1D8BD707-D9CF-40AE-B4C6-C98DA3205C09}" type="datetimeFigureOut">
               <a:rPr lang="en-US" smtClean="0"/>
               <a:pPr/>
-              <a:t>9/27/2018</a:t>
+              <a:t>8/14/2020</a:t>
             </a:fld>
             <a:endParaRPr lang="en-US"/>
           </a:p>
@@ -2326,7 +2326,7 @@
             <a:fld id="{1D8BD707-D9CF-40AE-B4C6-C98DA3205C09}" type="datetimeFigureOut">
               <a:rPr lang="en-US" smtClean="0"/>
               <a:pPr/>
-              <a:t>9/27/2018</a:t>
+              <a:t>8/14/2020</a:t>
             </a:fld>
             <a:endParaRPr lang="en-US"/>
           </a:p>
@@ -2418,7 +2418,7 @@
             <a:fld id="{1D8BD707-D9CF-40AE-B4C6-C98DA3205C09}" type="datetimeFigureOut">
               <a:rPr lang="en-US" smtClean="0"/>
               <a:pPr/>
-              <a:t>9/27/2018</a:t>
+              <a:t>8/14/2020</a:t>
             </a:fld>
             <a:endParaRPr lang="en-US"/>
           </a:p>
@@ -2692,7 +2692,7 @@
             <a:fld id="{1D8BD707-D9CF-40AE-B4C6-C98DA3205C09}" type="datetimeFigureOut">
               <a:rPr lang="en-US" smtClean="0"/>
               <a:pPr/>
-              <a:t>9/27/2018</a:t>
+              <a:t>8/14/2020</a:t>
             </a:fld>
             <a:endParaRPr lang="en-US"/>
           </a:p>
@@ -2942,7 +2942,7 @@
             <a:fld id="{1D8BD707-D9CF-40AE-B4C6-C98DA3205C09}" type="datetimeFigureOut">
               <a:rPr lang="en-US" smtClean="0"/>
               <a:pPr/>
-              <a:t>9/27/2018</a:t>
+              <a:t>8/14/2020</a:t>
             </a:fld>
             <a:endParaRPr lang="en-US"/>
           </a:p>
@@ -3152,7 +3152,7 @@
             <a:fld id="{1D8BD707-D9CF-40AE-B4C6-C98DA3205C09}" type="datetimeFigureOut">
               <a:rPr lang="en-US" smtClean="0"/>
               <a:pPr/>
-              <a:t>9/27/2018</a:t>
+              <a:t>8/14/2020</a:t>
             </a:fld>
             <a:endParaRPr lang="en-US"/>
           </a:p>
@@ -3889,7 +3889,17 @@
                     </a:schemeClr>
                   </a:solidFill>
                 </a:rPr>
-                <a:t>::controller</a:t>
+                <a:t>::</a:t>
+              </a:r>
+              <a:r>
+                <a:rPr lang="en-US" sz="1400" b="1" dirty="0" err="1" smtClean="0">
+                  <a:solidFill>
+                    <a:schemeClr val="accent1">
+                      <a:lumMod val="75000"/>
+                    </a:schemeClr>
+                  </a:solidFill>
+                </a:rPr>
+                <a:t>webapi</a:t>
               </a:r>
               <a:endParaRPr lang="en-SG" sz="1400" b="1" dirty="0">
                 <a:solidFill>
@@ -5207,17 +5217,7 @@
                     </a:schemeClr>
                   </a:solidFill>
                 </a:rPr>
-                <a:t>test</a:t>
-              </a:r>
-              <a:r>
-                <a:rPr lang="en-US" sz="1400" b="1" dirty="0" smtClean="0">
-                  <a:solidFill>
-                    <a:schemeClr val="accent2">
-                      <a:lumMod val="75000"/>
-                    </a:schemeClr>
-                  </a:solidFill>
-                </a:rPr>
-                <a:t>::driver</a:t>
+                <a:t>test::driver</a:t>
               </a:r>
               <a:endParaRPr lang="en-SG" sz="1400" b="1" dirty="0">
                 <a:solidFill>
@@ -6437,12 +6437,12 @@
           <a:p>
             <a:pPr algn="ctr"/>
             <a:r>
-              <a:rPr lang="en-US" sz="1600" b="1" dirty="0">
+              <a:rPr lang="en-US" sz="1600" b="1" dirty="0" smtClean="0">
                 <a:solidFill>
                   <a:schemeClr val="bg1"/>
                 </a:solidFill>
               </a:rPr>
-              <a:t>GAE </a:t>
+              <a:t>Google Cloud </a:t>
             </a:r>
             <a:r>
               <a:rPr lang="en-US" sz="1600" b="1" dirty="0" err="1">
@@ -6633,13 +6633,6 @@
                 </a:rPr>
                 <a:t>e2e::cases</a:t>
               </a:r>
-              <a:endParaRPr lang="en-US" sz="1400" b="1" dirty="0" smtClean="0">
-                <a:solidFill>
-                  <a:schemeClr val="accent6">
-                    <a:lumMod val="75000"/>
-                  </a:schemeClr>
-                </a:solidFill>
-              </a:endParaRPr>
             </a:p>
           </p:txBody>
         </p:sp>

--- a/docs/images/packageDiagram.pptx
+++ b/docs/images/packageDiagram.pptx
@@ -212,7 +212,7 @@
             <a:fld id="{5D8FA8FF-20DC-44E5-8C35-13EAF0A5698C}" type="datetimeFigureOut">
               <a:rPr lang="en-SG" smtClean="0"/>
               <a:pPr/>
-              <a:t>14/8/2020</a:t>
+              <a:t>17/9/2020</a:t>
             </a:fld>
             <a:endParaRPr lang="en-SG"/>
           </a:p>
@@ -753,7 +753,7 @@
             <a:fld id="{1D8BD707-D9CF-40AE-B4C6-C98DA3205C09}" type="datetimeFigureOut">
               <a:rPr lang="en-US" smtClean="0"/>
               <a:pPr/>
-              <a:t>8/14/2020</a:t>
+              <a:t>9/17/2020</a:t>
             </a:fld>
             <a:endParaRPr lang="en-US"/>
           </a:p>
@@ -920,7 +920,7 @@
             <a:fld id="{1D8BD707-D9CF-40AE-B4C6-C98DA3205C09}" type="datetimeFigureOut">
               <a:rPr lang="en-US" smtClean="0"/>
               <a:pPr/>
-              <a:t>8/14/2020</a:t>
+              <a:t>9/17/2020</a:t>
             </a:fld>
             <a:endParaRPr lang="en-US"/>
           </a:p>
@@ -1097,7 +1097,7 @@
             <a:fld id="{1D8BD707-D9CF-40AE-B4C6-C98DA3205C09}" type="datetimeFigureOut">
               <a:rPr lang="en-US" smtClean="0"/>
               <a:pPr/>
-              <a:t>8/14/2020</a:t>
+              <a:t>9/17/2020</a:t>
             </a:fld>
             <a:endParaRPr lang="en-US"/>
           </a:p>
@@ -1264,7 +1264,7 @@
             <a:fld id="{1D8BD707-D9CF-40AE-B4C6-C98DA3205C09}" type="datetimeFigureOut">
               <a:rPr lang="en-US" smtClean="0"/>
               <a:pPr/>
-              <a:t>8/14/2020</a:t>
+              <a:t>9/17/2020</a:t>
             </a:fld>
             <a:endParaRPr lang="en-US"/>
           </a:p>
@@ -1507,7 +1507,7 @@
             <a:fld id="{1D8BD707-D9CF-40AE-B4C6-C98DA3205C09}" type="datetimeFigureOut">
               <a:rPr lang="en-US" smtClean="0"/>
               <a:pPr/>
-              <a:t>8/14/2020</a:t>
+              <a:t>9/17/2020</a:t>
             </a:fld>
             <a:endParaRPr lang="en-US"/>
           </a:p>
@@ -1792,7 +1792,7 @@
             <a:fld id="{1D8BD707-D9CF-40AE-B4C6-C98DA3205C09}" type="datetimeFigureOut">
               <a:rPr lang="en-US" smtClean="0"/>
               <a:pPr/>
-              <a:t>8/14/2020</a:t>
+              <a:t>9/17/2020</a:t>
             </a:fld>
             <a:endParaRPr lang="en-US"/>
           </a:p>
@@ -2211,7 +2211,7 @@
             <a:fld id="{1D8BD707-D9CF-40AE-B4C6-C98DA3205C09}" type="datetimeFigureOut">
               <a:rPr lang="en-US" smtClean="0"/>
               <a:pPr/>
-              <a:t>8/14/2020</a:t>
+              <a:t>9/17/2020</a:t>
             </a:fld>
             <a:endParaRPr lang="en-US"/>
           </a:p>
@@ -2326,7 +2326,7 @@
             <a:fld id="{1D8BD707-D9CF-40AE-B4C6-C98DA3205C09}" type="datetimeFigureOut">
               <a:rPr lang="en-US" smtClean="0"/>
               <a:pPr/>
-              <a:t>8/14/2020</a:t>
+              <a:t>9/17/2020</a:t>
             </a:fld>
             <a:endParaRPr lang="en-US"/>
           </a:p>
@@ -2418,7 +2418,7 @@
             <a:fld id="{1D8BD707-D9CF-40AE-B4C6-C98DA3205C09}" type="datetimeFigureOut">
               <a:rPr lang="en-US" smtClean="0"/>
               <a:pPr/>
-              <a:t>8/14/2020</a:t>
+              <a:t>9/17/2020</a:t>
             </a:fld>
             <a:endParaRPr lang="en-US"/>
           </a:p>
@@ -2692,7 +2692,7 @@
             <a:fld id="{1D8BD707-D9CF-40AE-B4C6-C98DA3205C09}" type="datetimeFigureOut">
               <a:rPr lang="en-US" smtClean="0"/>
               <a:pPr/>
-              <a:t>8/14/2020</a:t>
+              <a:t>9/17/2020</a:t>
             </a:fld>
             <a:endParaRPr lang="en-US"/>
           </a:p>
@@ -2942,7 +2942,7 @@
             <a:fld id="{1D8BD707-D9CF-40AE-B4C6-C98DA3205C09}" type="datetimeFigureOut">
               <a:rPr lang="en-US" smtClean="0"/>
               <a:pPr/>
-              <a:t>8/14/2020</a:t>
+              <a:t>9/17/2020</a:t>
             </a:fld>
             <a:endParaRPr lang="en-US"/>
           </a:p>
@@ -3152,7 +3152,7 @@
             <a:fld id="{1D8BD707-D9CF-40AE-B4C6-C98DA3205C09}" type="datetimeFigureOut">
               <a:rPr lang="en-US" smtClean="0"/>
               <a:pPr/>
-              <a:t>8/14/2020</a:t>
+              <a:t>9/17/2020</a:t>
             </a:fld>
             <a:endParaRPr lang="en-US"/>
           </a:p>
@@ -3531,8 +3531,8 @@
         </p:nvSpPr>
         <p:spPr>
           <a:xfrm>
-            <a:off x="662780" y="4395788"/>
-            <a:ext cx="1872000" cy="1692000"/>
+            <a:off x="662780" y="4929188"/>
+            <a:ext cx="1872000" cy="1158600"/>
           </a:xfrm>
           <a:prstGeom prst="roundRect">
             <a:avLst>
@@ -3709,7 +3709,7 @@
         <p:spPr>
           <a:xfrm>
             <a:off x="662781" y="1390988"/>
-            <a:ext cx="1872000" cy="2700000"/>
+            <a:ext cx="1872000" cy="1946312"/>
           </a:xfrm>
           <a:prstGeom prst="roundRect">
             <a:avLst>
@@ -3825,7 +3825,7 @@
         </p:nvGrpSpPr>
         <p:grpSpPr>
           <a:xfrm>
-            <a:off x="788780" y="2538439"/>
+            <a:off x="788780" y="1769018"/>
             <a:ext cx="1620000" cy="540002"/>
             <a:chOff x="-228600" y="1364151"/>
             <a:chExt cx="1371600" cy="609602"/>
@@ -4383,142 +4383,6 @@
       </p:grpSp>
       <p:grpSp>
         <p:nvGrpSpPr>
-          <p:cNvPr id="106" name="Group 105"/>
-          <p:cNvGrpSpPr/>
-          <p:nvPr/>
-        </p:nvGrpSpPr>
-        <p:grpSpPr>
-          <a:xfrm>
-            <a:off x="806942" y="4774586"/>
-            <a:ext cx="1620710" cy="540000"/>
-            <a:chOff x="-228600" y="1447249"/>
-            <a:chExt cx="1372200" cy="430139"/>
-          </a:xfrm>
-          <a:solidFill>
-            <a:schemeClr val="bg1"/>
-          </a:solidFill>
-        </p:grpSpPr>
-        <p:sp>
-          <p:nvSpPr>
-            <p:cNvPr id="107" name="Rectangle 106"/>
-            <p:cNvSpPr/>
-            <p:nvPr/>
-          </p:nvSpPr>
-          <p:spPr>
-            <a:xfrm>
-              <a:off x="-228600" y="1533277"/>
-              <a:ext cx="1371600" cy="344111"/>
-            </a:xfrm>
-            <a:prstGeom prst="rect">
-              <a:avLst/>
-            </a:prstGeom>
-            <a:grpFill/>
-            <a:ln>
-              <a:solidFill>
-                <a:schemeClr val="accent2">
-                  <a:lumMod val="75000"/>
-                </a:schemeClr>
-              </a:solidFill>
-            </a:ln>
-          </p:spPr>
-          <p:style>
-            <a:lnRef idx="2">
-              <a:schemeClr val="accent1">
-                <a:shade val="50000"/>
-              </a:schemeClr>
-            </a:lnRef>
-            <a:fillRef idx="1">
-              <a:schemeClr val="accent1"/>
-            </a:fillRef>
-            <a:effectRef idx="0">
-              <a:schemeClr val="accent1"/>
-            </a:effectRef>
-            <a:fontRef idx="minor">
-              <a:schemeClr val="lt1"/>
-            </a:fontRef>
-          </p:style>
-          <p:txBody>
-            <a:bodyPr rtlCol="0" anchor="ctr"/>
-            <a:lstStyle/>
-            <a:p>
-              <a:pPr algn="ctr"/>
-              <a:r>
-                <a:rPr lang="en-US" sz="1400" b="1" dirty="0" smtClean="0">
-                  <a:solidFill>
-                    <a:schemeClr val="accent2">
-                      <a:lumMod val="75000"/>
-                    </a:schemeClr>
-                  </a:solidFill>
-                </a:rPr>
-                <a:t>test::cases</a:t>
-              </a:r>
-              <a:endParaRPr lang="en-SG" sz="1400" b="1" dirty="0">
-                <a:solidFill>
-                  <a:schemeClr val="accent2">
-                    <a:lumMod val="75000"/>
-                  </a:schemeClr>
-                </a:solidFill>
-              </a:endParaRPr>
-            </a:p>
-          </p:txBody>
-        </p:sp>
-        <p:sp>
-          <p:nvSpPr>
-            <p:cNvPr id="108" name="Rectangle 107"/>
-            <p:cNvSpPr/>
-            <p:nvPr/>
-          </p:nvSpPr>
-          <p:spPr>
-            <a:xfrm>
-              <a:off x="686400" y="1447249"/>
-              <a:ext cx="457200" cy="86028"/>
-            </a:xfrm>
-            <a:prstGeom prst="rect">
-              <a:avLst/>
-            </a:prstGeom>
-            <a:grpFill/>
-            <a:ln>
-              <a:solidFill>
-                <a:schemeClr val="accent2">
-                  <a:lumMod val="75000"/>
-                </a:schemeClr>
-              </a:solidFill>
-            </a:ln>
-          </p:spPr>
-          <p:style>
-            <a:lnRef idx="2">
-              <a:schemeClr val="accent1">
-                <a:shade val="50000"/>
-              </a:schemeClr>
-            </a:lnRef>
-            <a:fillRef idx="1">
-              <a:schemeClr val="accent1"/>
-            </a:fillRef>
-            <a:effectRef idx="0">
-              <a:schemeClr val="accent1"/>
-            </a:effectRef>
-            <a:fontRef idx="minor">
-              <a:schemeClr val="lt1"/>
-            </a:fontRef>
-          </p:style>
-          <p:txBody>
-            <a:bodyPr rtlCol="0" anchor="ctr"/>
-            <a:lstStyle/>
-            <a:p>
-              <a:pPr algn="ctr"/>
-              <a:endParaRPr lang="en-SG" sz="1400" b="1">
-                <a:solidFill>
-                  <a:schemeClr val="accent2">
-                    <a:lumMod val="75000"/>
-                  </a:schemeClr>
-                </a:solidFill>
-              </a:endParaRPr>
-            </a:p>
-          </p:txBody>
-        </p:sp>
-      </p:grpSp>
-      <p:grpSp>
-        <p:nvGrpSpPr>
           <p:cNvPr id="109" name="Group 108"/>
           <p:cNvGrpSpPr/>
           <p:nvPr/>
@@ -4792,49 +4656,6 @@
       </p:cxnSp>
       <p:cxnSp>
         <p:nvCxnSpPr>
-          <p:cNvPr id="120" name="Straight Arrow Connector 119"/>
-          <p:cNvCxnSpPr>
-            <a:stCxn id="107" idx="2"/>
-            <a:endCxn id="150" idx="0"/>
-          </p:cNvCxnSpPr>
-          <p:nvPr/>
-        </p:nvCxnSpPr>
-        <p:spPr>
-          <a:xfrm flipH="1">
-            <a:off x="1614475" y="5314586"/>
-            <a:ext cx="2468" cy="235835"/>
-          </a:xfrm>
-          <a:prstGeom prst="straightConnector1">
-            <a:avLst/>
-          </a:prstGeom>
-          <a:ln w="38100">
-            <a:solidFill>
-              <a:schemeClr val="accent2">
-                <a:lumMod val="75000"/>
-              </a:schemeClr>
-            </a:solidFill>
-            <a:prstDash val="sysDot"/>
-            <a:headEnd type="none" w="med" len="med"/>
-            <a:tailEnd type="triangle" w="med" len="med"/>
-          </a:ln>
-        </p:spPr>
-        <p:style>
-          <a:lnRef idx="1">
-            <a:schemeClr val="accent1"/>
-          </a:lnRef>
-          <a:fillRef idx="0">
-            <a:schemeClr val="accent1"/>
-          </a:fillRef>
-          <a:effectRef idx="0">
-            <a:schemeClr val="accent1"/>
-          </a:effectRef>
-          <a:fontRef idx="minor">
-            <a:schemeClr val="tx1"/>
-          </a:fontRef>
-        </p:style>
-      </p:cxnSp>
-      <p:cxnSp>
-        <p:nvCxnSpPr>
           <p:cNvPr id="125" name="Straight Arrow Connector 124"/>
           <p:cNvCxnSpPr>
             <a:stCxn id="91" idx="0"/>
@@ -5217,7 +5038,7 @@
                     </a:schemeClr>
                   </a:solidFill>
                 </a:rPr>
-                <a:t>test::driver</a:t>
+                <a:t>test</a:t>
               </a:r>
               <a:endParaRPr lang="en-SG" sz="1400" b="1" dirty="0">
                 <a:solidFill>
@@ -6028,138 +5849,6 @@
           </a:fontRef>
         </p:style>
       </p:cxnSp>
-      <p:grpSp>
-        <p:nvGrpSpPr>
-          <p:cNvPr id="180" name="Group 179"/>
-          <p:cNvGrpSpPr/>
-          <p:nvPr/>
-        </p:nvGrpSpPr>
-        <p:grpSpPr>
-          <a:xfrm>
-            <a:off x="788780" y="1770349"/>
-            <a:ext cx="1620000" cy="538799"/>
-            <a:chOff x="-228600" y="1537552"/>
-            <a:chExt cx="1371600" cy="608246"/>
-          </a:xfrm>
-          <a:solidFill>
-            <a:schemeClr val="bg1"/>
-          </a:solidFill>
-        </p:grpSpPr>
-        <p:sp>
-          <p:nvSpPr>
-            <p:cNvPr id="181" name="Rectangle 180"/>
-            <p:cNvSpPr/>
-            <p:nvPr/>
-          </p:nvSpPr>
-          <p:spPr>
-            <a:xfrm>
-              <a:off x="-228600" y="1658118"/>
-              <a:ext cx="1371600" cy="487680"/>
-            </a:xfrm>
-            <a:prstGeom prst="rect">
-              <a:avLst/>
-            </a:prstGeom>
-            <a:grpFill/>
-          </p:spPr>
-          <p:style>
-            <a:lnRef idx="2">
-              <a:schemeClr val="accent1">
-                <a:shade val="50000"/>
-              </a:schemeClr>
-            </a:lnRef>
-            <a:fillRef idx="1">
-              <a:schemeClr val="accent1"/>
-            </a:fillRef>
-            <a:effectRef idx="0">
-              <a:schemeClr val="accent1"/>
-            </a:effectRef>
-            <a:fontRef idx="minor">
-              <a:schemeClr val="lt1"/>
-            </a:fontRef>
-          </p:style>
-          <p:txBody>
-            <a:bodyPr rtlCol="0" anchor="ctr"/>
-            <a:lstStyle/>
-            <a:p>
-              <a:pPr algn="ctr"/>
-              <a:r>
-                <a:rPr lang="en-US" sz="1400" b="1" dirty="0" err="1" smtClean="0">
-                  <a:solidFill>
-                    <a:schemeClr val="accent1">
-                      <a:lumMod val="75000"/>
-                    </a:schemeClr>
-                  </a:solidFill>
-                </a:rPr>
-                <a:t>ui</a:t>
-              </a:r>
-              <a:r>
-                <a:rPr lang="en-US" sz="1400" b="1" dirty="0" smtClean="0">
-                  <a:solidFill>
-                    <a:schemeClr val="accent1">
-                      <a:lumMod val="75000"/>
-                    </a:schemeClr>
-                  </a:solidFill>
-                </a:rPr>
-                <a:t>::automated</a:t>
-              </a:r>
-              <a:endParaRPr lang="en-SG" sz="1400" b="1" dirty="0">
-                <a:solidFill>
-                  <a:schemeClr val="accent1">
-                    <a:lumMod val="75000"/>
-                  </a:schemeClr>
-                </a:solidFill>
-              </a:endParaRPr>
-            </a:p>
-          </p:txBody>
-        </p:sp>
-        <p:sp>
-          <p:nvSpPr>
-            <p:cNvPr id="182" name="Rectangle 181"/>
-            <p:cNvSpPr/>
-            <p:nvPr/>
-          </p:nvSpPr>
-          <p:spPr>
-            <a:xfrm>
-              <a:off x="685800" y="1537552"/>
-              <a:ext cx="457200" cy="121920"/>
-            </a:xfrm>
-            <a:prstGeom prst="rect">
-              <a:avLst/>
-            </a:prstGeom>
-            <a:grpFill/>
-          </p:spPr>
-          <p:style>
-            <a:lnRef idx="2">
-              <a:schemeClr val="accent1">
-                <a:shade val="50000"/>
-              </a:schemeClr>
-            </a:lnRef>
-            <a:fillRef idx="1">
-              <a:schemeClr val="accent1"/>
-            </a:fillRef>
-            <a:effectRef idx="0">
-              <a:schemeClr val="accent1"/>
-            </a:effectRef>
-            <a:fontRef idx="minor">
-              <a:schemeClr val="lt1"/>
-            </a:fontRef>
-          </p:style>
-          <p:txBody>
-            <a:bodyPr rtlCol="0" anchor="ctr"/>
-            <a:lstStyle/>
-            <a:p>
-              <a:pPr algn="ctr"/>
-              <a:endParaRPr lang="en-SG" sz="1400" b="1">
-                <a:solidFill>
-                  <a:schemeClr val="accent1">
-                    <a:lumMod val="75000"/>
-                  </a:schemeClr>
-                </a:solidFill>
-              </a:endParaRPr>
-            </a:p>
-          </p:txBody>
-        </p:sp>
-      </p:grpSp>
       <p:cxnSp>
         <p:nvCxnSpPr>
           <p:cNvPr id="183" name="Elbow Connector 182"/>
@@ -6170,54 +5859,9 @@
           <p:nvPr/>
         </p:nvCxnSpPr>
         <p:spPr>
-          <a:xfrm flipV="1">
-            <a:off x="2408780" y="2857988"/>
-            <a:ext cx="629401" cy="4453"/>
-          </a:xfrm>
-          <a:prstGeom prst="bentConnector3">
-            <a:avLst>
-              <a:gd name="adj1" fmla="val 50000"/>
-            </a:avLst>
-          </a:prstGeom>
-          <a:ln w="38100">
-            <a:solidFill>
-              <a:schemeClr val="accent1">
-                <a:lumMod val="75000"/>
-              </a:schemeClr>
-            </a:solidFill>
-            <a:prstDash val="sysDot"/>
-            <a:headEnd type="none" w="med" len="med"/>
-            <a:tailEnd type="triangle" w="med" len="med"/>
-          </a:ln>
-        </p:spPr>
-        <p:style>
-          <a:lnRef idx="1">
-            <a:schemeClr val="accent1"/>
-          </a:lnRef>
-          <a:fillRef idx="0">
-            <a:schemeClr val="accent1"/>
-          </a:fillRef>
-          <a:effectRef idx="0">
-            <a:schemeClr val="accent1"/>
-          </a:effectRef>
-          <a:fontRef idx="minor">
-            <a:schemeClr val="tx1"/>
-          </a:fontRef>
-        </p:style>
-      </p:cxnSp>
-      <p:cxnSp>
-        <p:nvCxnSpPr>
-          <p:cNvPr id="184" name="Elbow Connector 183"/>
-          <p:cNvCxnSpPr>
-            <a:stCxn id="181" idx="3"/>
-            <a:endCxn id="127" idx="1"/>
-          </p:cNvCxnSpPr>
-          <p:nvPr/>
-        </p:nvCxnSpPr>
-        <p:spPr>
           <a:xfrm>
-            <a:off x="2408780" y="2093148"/>
-            <a:ext cx="629401" cy="764840"/>
+            <a:off x="2408780" y="2093020"/>
+            <a:ext cx="629401" cy="764968"/>
           </a:xfrm>
           <a:prstGeom prst="bentConnector3">
             <a:avLst>
@@ -7077,7 +6721,7 @@
         </p:nvGrpSpPr>
         <p:grpSpPr>
           <a:xfrm>
-            <a:off x="794333" y="3287586"/>
+            <a:off x="795354" y="2533534"/>
             <a:ext cx="1620000" cy="540002"/>
             <a:chOff x="-228600" y="1364151"/>
             <a:chExt cx="1371600" cy="609602"/>
@@ -7206,68 +6850,21 @@
           <p:cNvPr id="193" name="Elbow Connector 192"/>
           <p:cNvCxnSpPr>
             <a:stCxn id="176" idx="1"/>
-            <a:endCxn id="191" idx="3"/>
+            <a:endCxn id="191" idx="2"/>
           </p:cNvCxnSpPr>
           <p:nvPr/>
         </p:nvCxnSpPr>
         <p:spPr>
           <a:xfrm rot="10800000">
-            <a:off x="2414334" y="3611589"/>
-            <a:ext cx="613725" cy="811549"/>
+            <a:off x="1605354" y="3073537"/>
+            <a:ext cx="1422704" cy="1349601"/>
           </a:xfrm>
-          <a:prstGeom prst="bentConnector3">
-            <a:avLst>
-              <a:gd name="adj1" fmla="val 50000"/>
-            </a:avLst>
+          <a:prstGeom prst="bentConnector2">
+            <a:avLst/>
           </a:prstGeom>
           <a:ln w="38100">
             <a:solidFill>
               <a:schemeClr val="accent6">
-                <a:lumMod val="75000"/>
-              </a:schemeClr>
-            </a:solidFill>
-            <a:prstDash val="sysDot"/>
-            <a:headEnd type="none" w="med" len="med"/>
-            <a:tailEnd type="triangle" w="med" len="med"/>
-          </a:ln>
-        </p:spPr>
-        <p:style>
-          <a:lnRef idx="1">
-            <a:schemeClr val="accent1"/>
-          </a:lnRef>
-          <a:fillRef idx="0">
-            <a:schemeClr val="accent1"/>
-          </a:fillRef>
-          <a:effectRef idx="0">
-            <a:schemeClr val="accent1"/>
-          </a:effectRef>
-          <a:fontRef idx="minor">
-            <a:schemeClr val="tx1"/>
-          </a:fontRef>
-        </p:style>
-      </p:cxnSp>
-      <p:cxnSp>
-        <p:nvCxnSpPr>
-          <p:cNvPr id="194" name="Elbow Connector 193"/>
-          <p:cNvCxnSpPr>
-            <a:stCxn id="107" idx="1"/>
-            <a:endCxn id="191" idx="1"/>
-          </p:cNvCxnSpPr>
-          <p:nvPr/>
-        </p:nvCxnSpPr>
-        <p:spPr>
-          <a:xfrm rot="10800000">
-            <a:off x="794334" y="3611588"/>
-            <a:ext cx="12609" cy="1486998"/>
-          </a:xfrm>
-          <a:prstGeom prst="bentConnector3">
-            <a:avLst>
-              <a:gd name="adj1" fmla="val 2753795"/>
-            </a:avLst>
-          </a:prstGeom>
-          <a:ln w="38100">
-            <a:solidFill>
-              <a:schemeClr val="accent2">
                 <a:lumMod val="75000"/>
               </a:schemeClr>
             </a:solidFill>
